--- a/Sprint_8/Sprint8_Unidad_2/Practica_Obligatoria_Sprint8_Unidad_2/Titanic Presentación.pptx
+++ b/Sprint_8/Sprint8_Unidad_2/Practica_Obligatoria_Sprint8_Unidad_2/Titanic Presentación.pptx
@@ -2,7 +2,7 @@
 <file path=ppt/presentation.xml><?xml version="1.0" encoding="utf-8"?>
 <p:presentation xmlns:a="http://schemas.openxmlformats.org/drawingml/2006/main" xmlns:r="http://schemas.openxmlformats.org/officeDocument/2006/relationships" xmlns:p="http://schemas.openxmlformats.org/presentationml/2006/main" saveSubsetFonts="1">
   <p:sldMasterIdLst>
-    <p:sldMasterId id="2147483648" r:id="rId1"/>
+    <p:sldMasterId id="2147483761" r:id="rId1"/>
   </p:sldMasterIdLst>
   <p:sldIdLst>
     <p:sldId id="256" r:id="rId2"/>
@@ -15,9 +15,9 @@
   <p:notesSz cx="6858000" cy="9144000"/>
   <p:defaultTextStyle>
     <a:defPPr>
-      <a:defRPr lang="es-ES"/>
+      <a:defRPr lang="en-US"/>
     </a:defPPr>
-    <a:lvl1pPr marL="0" algn="l" defTabSz="914400" rtl="0" eaLnBrk="1" latinLnBrk="0" hangingPunct="1">
+    <a:lvl1pPr marL="0" algn="l" defTabSz="457200" rtl="0" eaLnBrk="1" latinLnBrk="0" hangingPunct="1">
       <a:defRPr sz="1800" kern="1200">
         <a:solidFill>
           <a:schemeClr val="tx1"/>
@@ -27,7 +27,7 @@
         <a:cs typeface="+mn-cs"/>
       </a:defRPr>
     </a:lvl1pPr>
-    <a:lvl2pPr marL="457200" algn="l" defTabSz="914400" rtl="0" eaLnBrk="1" latinLnBrk="0" hangingPunct="1">
+    <a:lvl2pPr marL="457200" algn="l" defTabSz="457200" rtl="0" eaLnBrk="1" latinLnBrk="0" hangingPunct="1">
       <a:defRPr sz="1800" kern="1200">
         <a:solidFill>
           <a:schemeClr val="tx1"/>
@@ -37,7 +37,7 @@
         <a:cs typeface="+mn-cs"/>
       </a:defRPr>
     </a:lvl2pPr>
-    <a:lvl3pPr marL="914400" algn="l" defTabSz="914400" rtl="0" eaLnBrk="1" latinLnBrk="0" hangingPunct="1">
+    <a:lvl3pPr marL="914400" algn="l" defTabSz="457200" rtl="0" eaLnBrk="1" latinLnBrk="0" hangingPunct="1">
       <a:defRPr sz="1800" kern="1200">
         <a:solidFill>
           <a:schemeClr val="tx1"/>
@@ -47,7 +47,7 @@
         <a:cs typeface="+mn-cs"/>
       </a:defRPr>
     </a:lvl3pPr>
-    <a:lvl4pPr marL="1371600" algn="l" defTabSz="914400" rtl="0" eaLnBrk="1" latinLnBrk="0" hangingPunct="1">
+    <a:lvl4pPr marL="1371600" algn="l" defTabSz="457200" rtl="0" eaLnBrk="1" latinLnBrk="0" hangingPunct="1">
       <a:defRPr sz="1800" kern="1200">
         <a:solidFill>
           <a:schemeClr val="tx1"/>
@@ -57,7 +57,7 @@
         <a:cs typeface="+mn-cs"/>
       </a:defRPr>
     </a:lvl4pPr>
-    <a:lvl5pPr marL="1828800" algn="l" defTabSz="914400" rtl="0" eaLnBrk="1" latinLnBrk="0" hangingPunct="1">
+    <a:lvl5pPr marL="1828800" algn="l" defTabSz="457200" rtl="0" eaLnBrk="1" latinLnBrk="0" hangingPunct="1">
       <a:defRPr sz="1800" kern="1200">
         <a:solidFill>
           <a:schemeClr val="tx1"/>
@@ -67,7 +67,7 @@
         <a:cs typeface="+mn-cs"/>
       </a:defRPr>
     </a:lvl5pPr>
-    <a:lvl6pPr marL="2286000" algn="l" defTabSz="914400" rtl="0" eaLnBrk="1" latinLnBrk="0" hangingPunct="1">
+    <a:lvl6pPr marL="2286000" algn="l" defTabSz="457200" rtl="0" eaLnBrk="1" latinLnBrk="0" hangingPunct="1">
       <a:defRPr sz="1800" kern="1200">
         <a:solidFill>
           <a:schemeClr val="tx1"/>
@@ -77,7 +77,7 @@
         <a:cs typeface="+mn-cs"/>
       </a:defRPr>
     </a:lvl6pPr>
-    <a:lvl7pPr marL="2743200" algn="l" defTabSz="914400" rtl="0" eaLnBrk="1" latinLnBrk="0" hangingPunct="1">
+    <a:lvl7pPr marL="2743200" algn="l" defTabSz="457200" rtl="0" eaLnBrk="1" latinLnBrk="0" hangingPunct="1">
       <a:defRPr sz="1800" kern="1200">
         <a:solidFill>
           <a:schemeClr val="tx1"/>
@@ -87,7 +87,7 @@
         <a:cs typeface="+mn-cs"/>
       </a:defRPr>
     </a:lvl7pPr>
-    <a:lvl8pPr marL="3200400" algn="l" defTabSz="914400" rtl="0" eaLnBrk="1" latinLnBrk="0" hangingPunct="1">
+    <a:lvl8pPr marL="3200400" algn="l" defTabSz="457200" rtl="0" eaLnBrk="1" latinLnBrk="0" hangingPunct="1">
       <a:defRPr sz="1800" kern="1200">
         <a:solidFill>
           <a:schemeClr val="tx1"/>
@@ -97,7 +97,7 @@
         <a:cs typeface="+mn-cs"/>
       </a:defRPr>
     </a:lvl8pPr>
-    <a:lvl9pPr marL="3657600" algn="l" defTabSz="914400" rtl="0" eaLnBrk="1" latinLnBrk="0" hangingPunct="1">
+    <a:lvl9pPr marL="3657600" algn="l" defTabSz="457200" rtl="0" eaLnBrk="1" latinLnBrk="0" hangingPunct="1">
       <a:defRPr sz="1800" kern="1200">
         <a:solidFill>
           <a:schemeClr val="tx1"/>
@@ -108,6 +108,11 @@
       </a:defRPr>
     </a:lvl9pPr>
   </p:defaultTextStyle>
+  <p:extLst>
+    <p:ext uri="{EFAFB233-063F-42B5-8137-9DF3F51BA10A}">
+      <p15:sldGuideLst xmlns:p15="http://schemas.microsoft.com/office/powerpoint/2012/main"/>
+    </p:ext>
+  </p:extLst>
 </p:presentation>
 </file>
 
@@ -130,13 +135,7 @@
       </p:grpSpPr>
       <p:sp>
         <p:nvSpPr>
-          <p:cNvPr id="2" name="Título 1">
-            <a:extLst>
-              <a:ext uri="{FF2B5EF4-FFF2-40B4-BE49-F238E27FC236}">
-                <a16:creationId xmlns:a16="http://schemas.microsoft.com/office/drawing/2014/main" id="{D53CFD67-E6E3-4884-8608-369B90AD47E3}"/>
-              </a:ext>
-            </a:extLst>
-          </p:cNvPr>
+          <p:cNvPr id="2" name="Title 1"/>
           <p:cNvSpPr>
             <a:spLocks noGrp="1"/>
           </p:cNvSpPr>
@@ -146,15 +145,17 @@
         </p:nvSpPr>
         <p:spPr>
           <a:xfrm>
-            <a:off x="1524000" y="1122363"/>
-            <a:ext cx="9144000" cy="2387600"/>
-          </a:xfrm>
-        </p:spPr>
-        <p:txBody>
-          <a:bodyPr anchor="b"/>
+            <a:off x="1370693" y="1769540"/>
+            <a:ext cx="9440034" cy="1828801"/>
+          </a:xfrm>
+        </p:spPr>
+        <p:txBody>
+          <a:bodyPr anchor="b">
+            <a:normAutofit/>
+          </a:bodyPr>
           <a:lstStyle>
             <a:lvl1pPr algn="ctr">
-              <a:defRPr sz="6000"/>
+              <a:defRPr sz="5400"/>
             </a:lvl1pPr>
           </a:lstStyle>
           <a:p>
@@ -162,18 +163,13 @@
               <a:rPr lang="es-ES"/>
               <a:t>Haga clic para modificar el estilo de título del patrón</a:t>
             </a:r>
-          </a:p>
-        </p:txBody>
-      </p:sp>
-      <p:sp>
-        <p:nvSpPr>
-          <p:cNvPr id="3" name="Subtítulo 2">
-            <a:extLst>
-              <a:ext uri="{FF2B5EF4-FFF2-40B4-BE49-F238E27FC236}">
-                <a16:creationId xmlns:a16="http://schemas.microsoft.com/office/drawing/2014/main" id="{65DE118D-C226-471B-BB04-3FE1C4A792E9}"/>
-              </a:ext>
-            </a:extLst>
-          </p:cNvPr>
+            <a:endParaRPr lang="en-US" dirty="0"/>
+          </a:p>
+        </p:txBody>
+      </p:sp>
+      <p:sp>
+        <p:nvSpPr>
+          <p:cNvPr id="3" name="Subtitle 2"/>
           <p:cNvSpPr>
             <a:spLocks noGrp="1"/>
           </p:cNvSpPr>
@@ -183,48 +179,100 @@
         </p:nvSpPr>
         <p:spPr>
           <a:xfrm>
-            <a:off x="1524000" y="3602038"/>
-            <a:ext cx="9144000" cy="1655762"/>
-          </a:xfrm>
-        </p:spPr>
-        <p:txBody>
-          <a:bodyPr/>
+            <a:off x="1370693" y="3598339"/>
+            <a:ext cx="9440034" cy="1049867"/>
+          </a:xfrm>
+        </p:spPr>
+        <p:txBody>
+          <a:bodyPr anchor="t"/>
           <a:lstStyle>
             <a:lvl1pPr marL="0" indent="0" algn="ctr">
               <a:buNone/>
-              <a:defRPr sz="2400"/>
+              <a:defRPr>
+                <a:solidFill>
+                  <a:schemeClr val="tx1"/>
+                </a:solidFill>
+              </a:defRPr>
             </a:lvl1pPr>
             <a:lvl2pPr marL="457200" indent="0" algn="ctr">
               <a:buNone/>
-              <a:defRPr sz="2000"/>
+              <a:defRPr>
+                <a:solidFill>
+                  <a:schemeClr val="tx1">
+                    <a:tint val="75000"/>
+                  </a:schemeClr>
+                </a:solidFill>
+              </a:defRPr>
             </a:lvl2pPr>
             <a:lvl3pPr marL="914400" indent="0" algn="ctr">
               <a:buNone/>
-              <a:defRPr sz="1800"/>
+              <a:defRPr>
+                <a:solidFill>
+                  <a:schemeClr val="tx1">
+                    <a:tint val="75000"/>
+                  </a:schemeClr>
+                </a:solidFill>
+              </a:defRPr>
             </a:lvl3pPr>
             <a:lvl4pPr marL="1371600" indent="0" algn="ctr">
               <a:buNone/>
-              <a:defRPr sz="1600"/>
+              <a:defRPr>
+                <a:solidFill>
+                  <a:schemeClr val="tx1">
+                    <a:tint val="75000"/>
+                  </a:schemeClr>
+                </a:solidFill>
+              </a:defRPr>
             </a:lvl4pPr>
             <a:lvl5pPr marL="1828800" indent="0" algn="ctr">
               <a:buNone/>
-              <a:defRPr sz="1600"/>
+              <a:defRPr>
+                <a:solidFill>
+                  <a:schemeClr val="tx1">
+                    <a:tint val="75000"/>
+                  </a:schemeClr>
+                </a:solidFill>
+              </a:defRPr>
             </a:lvl5pPr>
             <a:lvl6pPr marL="2286000" indent="0" algn="ctr">
               <a:buNone/>
-              <a:defRPr sz="1600"/>
+              <a:defRPr>
+                <a:solidFill>
+                  <a:schemeClr val="tx1">
+                    <a:tint val="75000"/>
+                  </a:schemeClr>
+                </a:solidFill>
+              </a:defRPr>
             </a:lvl6pPr>
             <a:lvl7pPr marL="2743200" indent="0" algn="ctr">
               <a:buNone/>
-              <a:defRPr sz="1600"/>
+              <a:defRPr>
+                <a:solidFill>
+                  <a:schemeClr val="tx1">
+                    <a:tint val="75000"/>
+                  </a:schemeClr>
+                </a:solidFill>
+              </a:defRPr>
             </a:lvl7pPr>
             <a:lvl8pPr marL="3200400" indent="0" algn="ctr">
               <a:buNone/>
-              <a:defRPr sz="1600"/>
+              <a:defRPr>
+                <a:solidFill>
+                  <a:schemeClr val="tx1">
+                    <a:tint val="75000"/>
+                  </a:schemeClr>
+                </a:solidFill>
+              </a:defRPr>
             </a:lvl8pPr>
             <a:lvl9pPr marL="3657600" indent="0" algn="ctr">
               <a:buNone/>
-              <a:defRPr sz="1600"/>
+              <a:defRPr>
+                <a:solidFill>
+                  <a:schemeClr val="tx1">
+                    <a:tint val="75000"/>
+                  </a:schemeClr>
+                </a:solidFill>
+              </a:defRPr>
             </a:lvl9pPr>
           </a:lstStyle>
           <a:p>
@@ -232,18 +280,13 @@
               <a:rPr lang="es-ES"/>
               <a:t>Haga clic para modificar el estilo de subtítulo del patrón</a:t>
             </a:r>
-          </a:p>
-        </p:txBody>
-      </p:sp>
-      <p:sp>
-        <p:nvSpPr>
-          <p:cNvPr id="4" name="Marcador de fecha 3">
-            <a:extLst>
-              <a:ext uri="{FF2B5EF4-FFF2-40B4-BE49-F238E27FC236}">
-                <a16:creationId xmlns:a16="http://schemas.microsoft.com/office/drawing/2014/main" id="{B6BC8FC1-3F57-455D-BD6D-348282CF486F}"/>
-              </a:ext>
-            </a:extLst>
-          </p:cNvPr>
+            <a:endParaRPr lang="en-US" dirty="0"/>
+          </a:p>
+        </p:txBody>
+      </p:sp>
+      <p:sp>
+        <p:nvSpPr>
+          <p:cNvPr id="4" name="Date Placeholder 3"/>
           <p:cNvSpPr>
             <a:spLocks noGrp="1"/>
           </p:cNvSpPr>
@@ -266,13 +309,7 @@
       </p:sp>
       <p:sp>
         <p:nvSpPr>
-          <p:cNvPr id="5" name="Marcador de pie de página 4">
-            <a:extLst>
-              <a:ext uri="{FF2B5EF4-FFF2-40B4-BE49-F238E27FC236}">
-                <a16:creationId xmlns:a16="http://schemas.microsoft.com/office/drawing/2014/main" id="{060A9C73-6EAE-4133-80B0-094D97AFFF13}"/>
-              </a:ext>
-            </a:extLst>
-          </p:cNvPr>
+          <p:cNvPr id="5" name="Footer Placeholder 4"/>
           <p:cNvSpPr>
             <a:spLocks noGrp="1"/>
           </p:cNvSpPr>
@@ -291,13 +328,7 @@
       </p:sp>
       <p:sp>
         <p:nvSpPr>
-          <p:cNvPr id="6" name="Marcador de número de diapositiva 5">
-            <a:extLst>
-              <a:ext uri="{FF2B5EF4-FFF2-40B4-BE49-F238E27FC236}">
-                <a16:creationId xmlns:a16="http://schemas.microsoft.com/office/drawing/2014/main" id="{B889243A-5CFC-40DE-986F-9236753022DF}"/>
-              </a:ext>
-            </a:extLst>
-          </p:cNvPr>
+          <p:cNvPr id="6" name="Slide Number Placeholder 5"/>
           <p:cNvSpPr>
             <a:spLocks noGrp="1"/>
           </p:cNvSpPr>
@@ -321,7 +352,7 @@
     </p:spTree>
     <p:extLst>
       <p:ext uri="{BB962C8B-B14F-4D97-AF65-F5344CB8AC3E}">
-        <p14:creationId xmlns:p14="http://schemas.microsoft.com/office/powerpoint/2010/main" val="1491887656"/>
+        <p14:creationId xmlns:p14="http://schemas.microsoft.com/office/powerpoint/2010/main" val="243891285"/>
       </p:ext>
     </p:extLst>
   </p:cSld>
@@ -332,6 +363,2582 @@
 </file>
 
 <file path=ppt/slideLayouts/slideLayout10.xml><?xml version="1.0" encoding="utf-8"?>
+<p:sldLayout xmlns:a="http://schemas.openxmlformats.org/drawingml/2006/main" xmlns:r="http://schemas.openxmlformats.org/officeDocument/2006/relationships" xmlns:p="http://schemas.openxmlformats.org/presentationml/2006/main" preserve="1">
+  <p:cSld name="Imagen panorámica con descripción">
+    <p:spTree>
+      <p:nvGrpSpPr>
+        <p:cNvPr id="1" name=""/>
+        <p:cNvGrpSpPr/>
+        <p:nvPr/>
+      </p:nvGrpSpPr>
+      <p:grpSpPr>
+        <a:xfrm>
+          <a:off x="0" y="0"/>
+          <a:ext cx="0" cy="0"/>
+          <a:chOff x="0" y="0"/>
+          <a:chExt cx="0" cy="0"/>
+        </a:xfrm>
+      </p:grpSpPr>
+      <p:pic>
+        <p:nvPicPr>
+          <p:cNvPr id="16" name="Picture 15" descr="Slate-V2-HD-panoPhotoInset.png"/>
+          <p:cNvPicPr>
+            <a:picLocks noChangeAspect="1"/>
+          </p:cNvPicPr>
+          <p:nvPr/>
+        </p:nvPicPr>
+        <p:blipFill>
+          <a:blip r:embed="rId2">
+            <a:extLst>
+              <a:ext uri="{28A0092B-C50C-407E-A947-70E740481C1C}">
+                <a14:useLocalDpi xmlns:a14="http://schemas.microsoft.com/office/drawing/2010/main" val="0"/>
+              </a:ext>
+            </a:extLst>
+          </a:blip>
+          <a:stretch>
+            <a:fillRect/>
+          </a:stretch>
+        </p:blipFill>
+        <p:spPr>
+          <a:xfrm>
+            <a:off x="1013883" y="547807"/>
+            <a:ext cx="10141799" cy="3816806"/>
+          </a:xfrm>
+          <a:prstGeom prst="rect">
+            <a:avLst/>
+          </a:prstGeom>
+        </p:spPr>
+      </p:pic>
+      <p:sp>
+        <p:nvSpPr>
+          <p:cNvPr id="2" name="Title 1"/>
+          <p:cNvSpPr>
+            <a:spLocks noGrp="1"/>
+          </p:cNvSpPr>
+          <p:nvPr>
+            <p:ph type="title"/>
+          </p:nvPr>
+        </p:nvSpPr>
+        <p:spPr>
+          <a:xfrm>
+            <a:off x="913806" y="4565255"/>
+            <a:ext cx="10355326" cy="543472"/>
+          </a:xfrm>
+        </p:spPr>
+        <p:txBody>
+          <a:bodyPr anchor="b">
+            <a:normAutofit/>
+          </a:bodyPr>
+          <a:lstStyle>
+            <a:lvl1pPr algn="ctr">
+              <a:defRPr sz="2800"/>
+            </a:lvl1pPr>
+          </a:lstStyle>
+          <a:p>
+            <a:r>
+              <a:rPr lang="es-ES"/>
+              <a:t>Haga clic para modificar el estilo de título del patrón</a:t>
+            </a:r>
+            <a:endParaRPr lang="en-US" dirty="0"/>
+          </a:p>
+        </p:txBody>
+      </p:sp>
+      <p:sp>
+        <p:nvSpPr>
+          <p:cNvPr id="3" name="Picture Placeholder 2"/>
+          <p:cNvSpPr>
+            <a:spLocks noGrp="1" noChangeAspect="1"/>
+          </p:cNvSpPr>
+          <p:nvPr>
+            <p:ph type="pic" idx="1"/>
+          </p:nvPr>
+        </p:nvSpPr>
+        <p:spPr>
+          <a:xfrm>
+            <a:off x="1169349" y="695009"/>
+            <a:ext cx="9845346" cy="3525671"/>
+          </a:xfrm>
+          <a:effectLst>
+            <a:outerShdw blurRad="38100" dist="25400" dir="4440000">
+              <a:srgbClr val="000000">
+                <a:alpha val="36000"/>
+              </a:srgbClr>
+            </a:outerShdw>
+          </a:effectLst>
+        </p:spPr>
+        <p:txBody>
+          <a:bodyPr anchor="t">
+            <a:normAutofit/>
+          </a:bodyPr>
+          <a:lstStyle>
+            <a:lvl1pPr marL="0" indent="0" algn="ctr">
+              <a:buNone/>
+              <a:defRPr sz="2000"/>
+            </a:lvl1pPr>
+            <a:lvl2pPr marL="457200" indent="0">
+              <a:buNone/>
+              <a:defRPr sz="2000"/>
+            </a:lvl2pPr>
+            <a:lvl3pPr marL="914400" indent="0">
+              <a:buNone/>
+              <a:defRPr sz="2000"/>
+            </a:lvl3pPr>
+            <a:lvl4pPr marL="1371600" indent="0">
+              <a:buNone/>
+              <a:defRPr sz="2000"/>
+            </a:lvl4pPr>
+            <a:lvl5pPr marL="1828800" indent="0">
+              <a:buNone/>
+              <a:defRPr sz="2000"/>
+            </a:lvl5pPr>
+            <a:lvl6pPr marL="2286000" indent="0">
+              <a:buNone/>
+              <a:defRPr sz="2000"/>
+            </a:lvl6pPr>
+            <a:lvl7pPr marL="2743200" indent="0">
+              <a:buNone/>
+              <a:defRPr sz="2000"/>
+            </a:lvl7pPr>
+            <a:lvl8pPr marL="3200400" indent="0">
+              <a:buNone/>
+              <a:defRPr sz="2000"/>
+            </a:lvl8pPr>
+            <a:lvl9pPr marL="3657600" indent="0">
+              <a:buNone/>
+              <a:defRPr sz="2000"/>
+            </a:lvl9pPr>
+          </a:lstStyle>
+          <a:p>
+            <a:r>
+              <a:rPr lang="es-ES"/>
+              <a:t>Haga clic en el icono para agregar una imagen</a:t>
+            </a:r>
+            <a:endParaRPr lang="en-US" dirty="0"/>
+          </a:p>
+        </p:txBody>
+      </p:sp>
+      <p:sp>
+        <p:nvSpPr>
+          <p:cNvPr id="4" name="Text Placeholder 3"/>
+          <p:cNvSpPr>
+            <a:spLocks noGrp="1"/>
+          </p:cNvSpPr>
+          <p:nvPr>
+            <p:ph type="body" sz="half" idx="2"/>
+          </p:nvPr>
+        </p:nvSpPr>
+        <p:spPr>
+          <a:xfrm>
+            <a:off x="913795" y="5108728"/>
+            <a:ext cx="10353762" cy="682472"/>
+          </a:xfrm>
+        </p:spPr>
+        <p:txBody>
+          <a:bodyPr anchor="t"/>
+          <a:lstStyle>
+            <a:lvl1pPr marL="0" indent="0" algn="ctr">
+              <a:buNone/>
+              <a:defRPr sz="1600"/>
+            </a:lvl1pPr>
+            <a:lvl2pPr marL="457200" indent="0">
+              <a:buNone/>
+              <a:defRPr sz="1400"/>
+            </a:lvl2pPr>
+            <a:lvl3pPr marL="914400" indent="0">
+              <a:buNone/>
+              <a:defRPr sz="1200"/>
+            </a:lvl3pPr>
+            <a:lvl4pPr marL="1371600" indent="0">
+              <a:buNone/>
+              <a:defRPr sz="1000"/>
+            </a:lvl4pPr>
+            <a:lvl5pPr marL="1828800" indent="0">
+              <a:buNone/>
+              <a:defRPr sz="1000"/>
+            </a:lvl5pPr>
+            <a:lvl6pPr marL="2286000" indent="0">
+              <a:buNone/>
+              <a:defRPr sz="1000"/>
+            </a:lvl6pPr>
+            <a:lvl7pPr marL="2743200" indent="0">
+              <a:buNone/>
+              <a:defRPr sz="1000"/>
+            </a:lvl7pPr>
+            <a:lvl8pPr marL="3200400" indent="0">
+              <a:buNone/>
+              <a:defRPr sz="1000"/>
+            </a:lvl8pPr>
+            <a:lvl9pPr marL="3657600" indent="0">
+              <a:buNone/>
+              <a:defRPr sz="1000"/>
+            </a:lvl9pPr>
+          </a:lstStyle>
+          <a:p>
+            <a:pPr lvl="0"/>
+            <a:r>
+              <a:rPr lang="es-ES"/>
+              <a:t>Haga clic para modificar los estilos de texto del patrón</a:t>
+            </a:r>
+          </a:p>
+        </p:txBody>
+      </p:sp>
+      <p:sp>
+        <p:nvSpPr>
+          <p:cNvPr id="5" name="Date Placeholder 4"/>
+          <p:cNvSpPr>
+            <a:spLocks noGrp="1"/>
+          </p:cNvSpPr>
+          <p:nvPr>
+            <p:ph type="dt" sz="half" idx="10"/>
+          </p:nvPr>
+        </p:nvSpPr>
+        <p:spPr/>
+        <p:txBody>
+          <a:bodyPr/>
+          <a:lstStyle/>
+          <a:p>
+            <a:fld id="{C1D014D3-D327-46BA-BD00-216ACB05624C}" type="datetimeFigureOut">
+              <a:rPr lang="es-ES" smtClean="0"/>
+              <a:t>13/12/2024</a:t>
+            </a:fld>
+            <a:endParaRPr lang="es-ES"/>
+          </a:p>
+        </p:txBody>
+      </p:sp>
+      <p:sp>
+        <p:nvSpPr>
+          <p:cNvPr id="6" name="Footer Placeholder 5"/>
+          <p:cNvSpPr>
+            <a:spLocks noGrp="1"/>
+          </p:cNvSpPr>
+          <p:nvPr>
+            <p:ph type="ftr" sz="quarter" idx="11"/>
+          </p:nvPr>
+        </p:nvSpPr>
+        <p:spPr/>
+        <p:txBody>
+          <a:bodyPr/>
+          <a:lstStyle/>
+          <a:p>
+            <a:endParaRPr lang="es-ES"/>
+          </a:p>
+        </p:txBody>
+      </p:sp>
+      <p:sp>
+        <p:nvSpPr>
+          <p:cNvPr id="7" name="Slide Number Placeholder 6"/>
+          <p:cNvSpPr>
+            <a:spLocks noGrp="1"/>
+          </p:cNvSpPr>
+          <p:nvPr>
+            <p:ph type="sldNum" sz="quarter" idx="12"/>
+          </p:nvPr>
+        </p:nvSpPr>
+        <p:spPr/>
+        <p:txBody>
+          <a:bodyPr/>
+          <a:lstStyle/>
+          <a:p>
+            <a:fld id="{5D301A0D-5E0A-4363-99C3-0ECD854B2AC4}" type="slidenum">
+              <a:rPr lang="es-ES" smtClean="0"/>
+              <a:t>‹Nº›</a:t>
+            </a:fld>
+            <a:endParaRPr lang="es-ES"/>
+          </a:p>
+        </p:txBody>
+      </p:sp>
+    </p:spTree>
+    <p:extLst>
+      <p:ext uri="{BB962C8B-B14F-4D97-AF65-F5344CB8AC3E}">
+        <p14:creationId xmlns:p14="http://schemas.microsoft.com/office/powerpoint/2010/main" val="711578079"/>
+      </p:ext>
+    </p:extLst>
+  </p:cSld>
+  <p:clrMapOvr>
+    <a:masterClrMapping/>
+  </p:clrMapOvr>
+</p:sldLayout>
+</file>
+
+<file path=ppt/slideLayouts/slideLayout11.xml><?xml version="1.0" encoding="utf-8"?>
+<p:sldLayout xmlns:a="http://schemas.openxmlformats.org/drawingml/2006/main" xmlns:r="http://schemas.openxmlformats.org/officeDocument/2006/relationships" xmlns:p="http://schemas.openxmlformats.org/presentationml/2006/main" preserve="1">
+  <p:cSld name="Título y descripción">
+    <p:spTree>
+      <p:nvGrpSpPr>
+        <p:cNvPr id="1" name=""/>
+        <p:cNvGrpSpPr/>
+        <p:nvPr/>
+      </p:nvGrpSpPr>
+      <p:grpSpPr>
+        <a:xfrm>
+          <a:off x="0" y="0"/>
+          <a:ext cx="0" cy="0"/>
+          <a:chOff x="0" y="0"/>
+          <a:chExt cx="0" cy="0"/>
+        </a:xfrm>
+      </p:grpSpPr>
+      <p:sp>
+        <p:nvSpPr>
+          <p:cNvPr id="2" name="Title 1"/>
+          <p:cNvSpPr>
+            <a:spLocks noGrp="1"/>
+          </p:cNvSpPr>
+          <p:nvPr>
+            <p:ph type="title"/>
+          </p:nvPr>
+        </p:nvSpPr>
+        <p:spPr>
+          <a:xfrm>
+            <a:off x="913795" y="608437"/>
+            <a:ext cx="10353762" cy="3534344"/>
+          </a:xfrm>
+        </p:spPr>
+        <p:txBody>
+          <a:bodyPr anchor="ctr"/>
+          <a:lstStyle>
+            <a:lvl1pPr>
+              <a:defRPr sz="3200"/>
+            </a:lvl1pPr>
+          </a:lstStyle>
+          <a:p>
+            <a:r>
+              <a:rPr lang="es-ES"/>
+              <a:t>Haga clic para modificar el estilo de título del patrón</a:t>
+            </a:r>
+            <a:endParaRPr lang="en-US" dirty="0"/>
+          </a:p>
+        </p:txBody>
+      </p:sp>
+      <p:sp>
+        <p:nvSpPr>
+          <p:cNvPr id="4" name="Text Placeholder 3"/>
+          <p:cNvSpPr>
+            <a:spLocks noGrp="1"/>
+          </p:cNvSpPr>
+          <p:nvPr>
+            <p:ph type="body" sz="half" idx="2"/>
+          </p:nvPr>
+        </p:nvSpPr>
+        <p:spPr>
+          <a:xfrm>
+            <a:off x="913794" y="4295180"/>
+            <a:ext cx="10353763" cy="1501826"/>
+          </a:xfrm>
+        </p:spPr>
+        <p:txBody>
+          <a:bodyPr anchor="ctr"/>
+          <a:lstStyle>
+            <a:lvl1pPr marL="0" indent="0" algn="ctr">
+              <a:buNone/>
+              <a:defRPr sz="1600"/>
+            </a:lvl1pPr>
+            <a:lvl2pPr marL="457200" indent="0">
+              <a:buNone/>
+              <a:defRPr sz="1400"/>
+            </a:lvl2pPr>
+            <a:lvl3pPr marL="914400" indent="0">
+              <a:buNone/>
+              <a:defRPr sz="1200"/>
+            </a:lvl3pPr>
+            <a:lvl4pPr marL="1371600" indent="0">
+              <a:buNone/>
+              <a:defRPr sz="1000"/>
+            </a:lvl4pPr>
+            <a:lvl5pPr marL="1828800" indent="0">
+              <a:buNone/>
+              <a:defRPr sz="1000"/>
+            </a:lvl5pPr>
+            <a:lvl6pPr marL="2286000" indent="0">
+              <a:buNone/>
+              <a:defRPr sz="1000"/>
+            </a:lvl6pPr>
+            <a:lvl7pPr marL="2743200" indent="0">
+              <a:buNone/>
+              <a:defRPr sz="1000"/>
+            </a:lvl7pPr>
+            <a:lvl8pPr marL="3200400" indent="0">
+              <a:buNone/>
+              <a:defRPr sz="1000"/>
+            </a:lvl8pPr>
+            <a:lvl9pPr marL="3657600" indent="0">
+              <a:buNone/>
+              <a:defRPr sz="1000"/>
+            </a:lvl9pPr>
+          </a:lstStyle>
+          <a:p>
+            <a:pPr lvl="0"/>
+            <a:r>
+              <a:rPr lang="es-ES"/>
+              <a:t>Haga clic para modificar los estilos de texto del patrón</a:t>
+            </a:r>
+          </a:p>
+        </p:txBody>
+      </p:sp>
+      <p:sp>
+        <p:nvSpPr>
+          <p:cNvPr id="5" name="Date Placeholder 4"/>
+          <p:cNvSpPr>
+            <a:spLocks noGrp="1"/>
+          </p:cNvSpPr>
+          <p:nvPr>
+            <p:ph type="dt" sz="half" idx="10"/>
+          </p:nvPr>
+        </p:nvSpPr>
+        <p:spPr/>
+        <p:txBody>
+          <a:bodyPr/>
+          <a:lstStyle/>
+          <a:p>
+            <a:fld id="{C1D014D3-D327-46BA-BD00-216ACB05624C}" type="datetimeFigureOut">
+              <a:rPr lang="es-ES" smtClean="0"/>
+              <a:t>13/12/2024</a:t>
+            </a:fld>
+            <a:endParaRPr lang="es-ES"/>
+          </a:p>
+        </p:txBody>
+      </p:sp>
+      <p:sp>
+        <p:nvSpPr>
+          <p:cNvPr id="6" name="Footer Placeholder 5"/>
+          <p:cNvSpPr>
+            <a:spLocks noGrp="1"/>
+          </p:cNvSpPr>
+          <p:nvPr>
+            <p:ph type="ftr" sz="quarter" idx="11"/>
+          </p:nvPr>
+        </p:nvSpPr>
+        <p:spPr/>
+        <p:txBody>
+          <a:bodyPr/>
+          <a:lstStyle/>
+          <a:p>
+            <a:endParaRPr lang="es-ES"/>
+          </a:p>
+        </p:txBody>
+      </p:sp>
+      <p:sp>
+        <p:nvSpPr>
+          <p:cNvPr id="7" name="Slide Number Placeholder 6"/>
+          <p:cNvSpPr>
+            <a:spLocks noGrp="1"/>
+          </p:cNvSpPr>
+          <p:nvPr>
+            <p:ph type="sldNum" sz="quarter" idx="12"/>
+          </p:nvPr>
+        </p:nvSpPr>
+        <p:spPr/>
+        <p:txBody>
+          <a:bodyPr/>
+          <a:lstStyle/>
+          <a:p>
+            <a:fld id="{5D301A0D-5E0A-4363-99C3-0ECD854B2AC4}" type="slidenum">
+              <a:rPr lang="es-ES" smtClean="0"/>
+              <a:t>‹Nº›</a:t>
+            </a:fld>
+            <a:endParaRPr lang="es-ES"/>
+          </a:p>
+        </p:txBody>
+      </p:sp>
+    </p:spTree>
+    <p:extLst>
+      <p:ext uri="{BB962C8B-B14F-4D97-AF65-F5344CB8AC3E}">
+        <p14:creationId xmlns:p14="http://schemas.microsoft.com/office/powerpoint/2010/main" val="1409594639"/>
+      </p:ext>
+    </p:extLst>
+  </p:cSld>
+  <p:clrMapOvr>
+    <a:masterClrMapping/>
+  </p:clrMapOvr>
+</p:sldLayout>
+</file>
+
+<file path=ppt/slideLayouts/slideLayout12.xml><?xml version="1.0" encoding="utf-8"?>
+<p:sldLayout xmlns:a="http://schemas.openxmlformats.org/drawingml/2006/main" xmlns:r="http://schemas.openxmlformats.org/officeDocument/2006/relationships" xmlns:p="http://schemas.openxmlformats.org/presentationml/2006/main" preserve="1">
+  <p:cSld name="Cita con descripción">
+    <p:spTree>
+      <p:nvGrpSpPr>
+        <p:cNvPr id="1" name=""/>
+        <p:cNvGrpSpPr/>
+        <p:nvPr/>
+      </p:nvGrpSpPr>
+      <p:grpSpPr>
+        <a:xfrm>
+          <a:off x="0" y="0"/>
+          <a:ext cx="0" cy="0"/>
+          <a:chOff x="0" y="0"/>
+          <a:chExt cx="0" cy="0"/>
+        </a:xfrm>
+      </p:grpSpPr>
+      <p:sp>
+        <p:nvSpPr>
+          <p:cNvPr id="2" name="Title 1"/>
+          <p:cNvSpPr>
+            <a:spLocks noGrp="1"/>
+          </p:cNvSpPr>
+          <p:nvPr>
+            <p:ph type="title"/>
+          </p:nvPr>
+        </p:nvSpPr>
+        <p:spPr>
+          <a:xfrm>
+            <a:off x="1446212" y="609600"/>
+            <a:ext cx="9302752" cy="2992904"/>
+          </a:xfrm>
+        </p:spPr>
+        <p:txBody>
+          <a:bodyPr anchor="ctr"/>
+          <a:lstStyle>
+            <a:lvl1pPr>
+              <a:defRPr sz="3200"/>
+            </a:lvl1pPr>
+          </a:lstStyle>
+          <a:p>
+            <a:r>
+              <a:rPr lang="es-ES"/>
+              <a:t>Haga clic para modificar el estilo de título del patrón</a:t>
+            </a:r>
+            <a:endParaRPr lang="en-US" dirty="0"/>
+          </a:p>
+        </p:txBody>
+      </p:sp>
+      <p:sp>
+        <p:nvSpPr>
+          <p:cNvPr id="12" name="Text Placeholder 3"/>
+          <p:cNvSpPr>
+            <a:spLocks noGrp="1"/>
+          </p:cNvSpPr>
+          <p:nvPr>
+            <p:ph type="body" sz="half" idx="13"/>
+          </p:nvPr>
+        </p:nvSpPr>
+        <p:spPr>
+          <a:xfrm>
+            <a:off x="1720644" y="3610032"/>
+            <a:ext cx="8752299" cy="532749"/>
+          </a:xfrm>
+        </p:spPr>
+        <p:txBody>
+          <a:bodyPr anchor="t">
+            <a:normAutofit/>
+          </a:bodyPr>
+          <a:lstStyle>
+            <a:lvl1pPr marL="0" indent="0" algn="r">
+              <a:buNone/>
+              <a:defRPr sz="1400"/>
+            </a:lvl1pPr>
+            <a:lvl2pPr marL="457200" indent="0">
+              <a:buNone/>
+              <a:defRPr sz="1400"/>
+            </a:lvl2pPr>
+            <a:lvl3pPr marL="914400" indent="0">
+              <a:buNone/>
+              <a:defRPr sz="1200"/>
+            </a:lvl3pPr>
+            <a:lvl4pPr marL="1371600" indent="0">
+              <a:buNone/>
+              <a:defRPr sz="1000"/>
+            </a:lvl4pPr>
+            <a:lvl5pPr marL="1828800" indent="0">
+              <a:buNone/>
+              <a:defRPr sz="1000"/>
+            </a:lvl5pPr>
+            <a:lvl6pPr marL="2286000" indent="0">
+              <a:buNone/>
+              <a:defRPr sz="1000"/>
+            </a:lvl6pPr>
+            <a:lvl7pPr marL="2743200" indent="0">
+              <a:buNone/>
+              <a:defRPr sz="1000"/>
+            </a:lvl7pPr>
+            <a:lvl8pPr marL="3200400" indent="0">
+              <a:buNone/>
+              <a:defRPr sz="1000"/>
+            </a:lvl8pPr>
+            <a:lvl9pPr marL="3657600" indent="0">
+              <a:buNone/>
+              <a:defRPr sz="1000"/>
+            </a:lvl9pPr>
+          </a:lstStyle>
+          <a:p>
+            <a:pPr lvl="0"/>
+            <a:r>
+              <a:rPr lang="es-ES"/>
+              <a:t>Haga clic para modificar los estilos de texto del patrón</a:t>
+            </a:r>
+          </a:p>
+        </p:txBody>
+      </p:sp>
+      <p:sp>
+        <p:nvSpPr>
+          <p:cNvPr id="4" name="Text Placeholder 3"/>
+          <p:cNvSpPr>
+            <a:spLocks noGrp="1"/>
+          </p:cNvSpPr>
+          <p:nvPr>
+            <p:ph type="body" sz="half" idx="2"/>
+          </p:nvPr>
+        </p:nvSpPr>
+        <p:spPr>
+          <a:xfrm>
+            <a:off x="913794" y="4304353"/>
+            <a:ext cx="10353763" cy="1489496"/>
+          </a:xfrm>
+        </p:spPr>
+        <p:txBody>
+          <a:bodyPr anchor="ctr">
+            <a:normAutofit/>
+          </a:bodyPr>
+          <a:lstStyle>
+            <a:lvl1pPr marL="0" indent="0" algn="ctr">
+              <a:buNone/>
+              <a:defRPr sz="1600"/>
+            </a:lvl1pPr>
+            <a:lvl2pPr marL="457200" indent="0">
+              <a:buNone/>
+              <a:defRPr sz="1400"/>
+            </a:lvl2pPr>
+            <a:lvl3pPr marL="914400" indent="0">
+              <a:buNone/>
+              <a:defRPr sz="1200"/>
+            </a:lvl3pPr>
+            <a:lvl4pPr marL="1371600" indent="0">
+              <a:buNone/>
+              <a:defRPr sz="1000"/>
+            </a:lvl4pPr>
+            <a:lvl5pPr marL="1828800" indent="0">
+              <a:buNone/>
+              <a:defRPr sz="1000"/>
+            </a:lvl5pPr>
+            <a:lvl6pPr marL="2286000" indent="0">
+              <a:buNone/>
+              <a:defRPr sz="1000"/>
+            </a:lvl6pPr>
+            <a:lvl7pPr marL="2743200" indent="0">
+              <a:buNone/>
+              <a:defRPr sz="1000"/>
+            </a:lvl7pPr>
+            <a:lvl8pPr marL="3200400" indent="0">
+              <a:buNone/>
+              <a:defRPr sz="1000"/>
+            </a:lvl8pPr>
+            <a:lvl9pPr marL="3657600" indent="0">
+              <a:buNone/>
+              <a:defRPr sz="1000"/>
+            </a:lvl9pPr>
+          </a:lstStyle>
+          <a:p>
+            <a:pPr lvl="0"/>
+            <a:r>
+              <a:rPr lang="es-ES"/>
+              <a:t>Haga clic para modificar los estilos de texto del patrón</a:t>
+            </a:r>
+          </a:p>
+        </p:txBody>
+      </p:sp>
+      <p:sp>
+        <p:nvSpPr>
+          <p:cNvPr id="5" name="Date Placeholder 4"/>
+          <p:cNvSpPr>
+            <a:spLocks noGrp="1"/>
+          </p:cNvSpPr>
+          <p:nvPr>
+            <p:ph type="dt" sz="half" idx="10"/>
+          </p:nvPr>
+        </p:nvSpPr>
+        <p:spPr/>
+        <p:txBody>
+          <a:bodyPr/>
+          <a:lstStyle/>
+          <a:p>
+            <a:fld id="{C1D014D3-D327-46BA-BD00-216ACB05624C}" type="datetimeFigureOut">
+              <a:rPr lang="es-ES" smtClean="0"/>
+              <a:t>13/12/2024</a:t>
+            </a:fld>
+            <a:endParaRPr lang="es-ES"/>
+          </a:p>
+        </p:txBody>
+      </p:sp>
+      <p:sp>
+        <p:nvSpPr>
+          <p:cNvPr id="6" name="Footer Placeholder 5"/>
+          <p:cNvSpPr>
+            <a:spLocks noGrp="1"/>
+          </p:cNvSpPr>
+          <p:nvPr>
+            <p:ph type="ftr" sz="quarter" idx="11"/>
+          </p:nvPr>
+        </p:nvSpPr>
+        <p:spPr/>
+        <p:txBody>
+          <a:bodyPr/>
+          <a:lstStyle/>
+          <a:p>
+            <a:endParaRPr lang="es-ES"/>
+          </a:p>
+        </p:txBody>
+      </p:sp>
+      <p:sp>
+        <p:nvSpPr>
+          <p:cNvPr id="7" name="Slide Number Placeholder 6"/>
+          <p:cNvSpPr>
+            <a:spLocks noGrp="1"/>
+          </p:cNvSpPr>
+          <p:nvPr>
+            <p:ph type="sldNum" sz="quarter" idx="12"/>
+          </p:nvPr>
+        </p:nvSpPr>
+        <p:spPr/>
+        <p:txBody>
+          <a:bodyPr/>
+          <a:lstStyle/>
+          <a:p>
+            <a:fld id="{5D301A0D-5E0A-4363-99C3-0ECD854B2AC4}" type="slidenum">
+              <a:rPr lang="es-ES" smtClean="0"/>
+              <a:t>‹Nº›</a:t>
+            </a:fld>
+            <a:endParaRPr lang="es-ES"/>
+          </a:p>
+        </p:txBody>
+      </p:sp>
+      <p:sp>
+        <p:nvSpPr>
+          <p:cNvPr id="11" name="TextBox 10"/>
+          <p:cNvSpPr txBox="1"/>
+          <p:nvPr/>
+        </p:nvSpPr>
+        <p:spPr>
+          <a:xfrm>
+            <a:off x="990600" y="884796"/>
+            <a:ext cx="609600" cy="584776"/>
+          </a:xfrm>
+          <a:prstGeom prst="rect">
+            <a:avLst/>
+          </a:prstGeom>
+        </p:spPr>
+        <p:txBody>
+          <a:bodyPr vert="horz" lIns="91440" tIns="45720" rIns="91440" bIns="45720" rtlCol="0" anchor="ctr">
+            <a:noAutofit/>
+          </a:bodyPr>
+          <a:lstStyle>
+            <a:lvl1pPr>
+              <a:spcBef>
+                <a:spcPct val="0"/>
+              </a:spcBef>
+              <a:buNone/>
+              <a:defRPr sz="3200" b="0" cap="all">
+                <a:ln w="3175" cmpd="sng">
+                  <a:noFill/>
+                </a:ln>
+                <a:effectLst>
+                  <a:glow rad="38100">
+                    <a:schemeClr val="bg1">
+                      <a:lumMod val="65000"/>
+                      <a:lumOff val="35000"/>
+                      <a:alpha val="40000"/>
+                    </a:schemeClr>
+                  </a:glow>
+                  <a:outerShdw blurRad="28575" dist="38100" dir="14040000" algn="tl" rotWithShape="0">
+                    <a:srgbClr val="000000">
+                      <a:alpha val="25000"/>
+                    </a:srgbClr>
+                  </a:outerShdw>
+                </a:effectLst>
+              </a:defRPr>
+            </a:lvl1pPr>
+            <a:lvl2pPr>
+              <a:defRPr>
+                <a:solidFill>
+                  <a:schemeClr val="tx2"/>
+                </a:solidFill>
+              </a:defRPr>
+            </a:lvl2pPr>
+            <a:lvl3pPr>
+              <a:defRPr>
+                <a:solidFill>
+                  <a:schemeClr val="tx2"/>
+                </a:solidFill>
+              </a:defRPr>
+            </a:lvl3pPr>
+            <a:lvl4pPr>
+              <a:defRPr>
+                <a:solidFill>
+                  <a:schemeClr val="tx2"/>
+                </a:solidFill>
+              </a:defRPr>
+            </a:lvl4pPr>
+            <a:lvl5pPr>
+              <a:defRPr>
+                <a:solidFill>
+                  <a:schemeClr val="tx2"/>
+                </a:solidFill>
+              </a:defRPr>
+            </a:lvl5pPr>
+            <a:lvl6pPr>
+              <a:defRPr>
+                <a:solidFill>
+                  <a:schemeClr val="tx2"/>
+                </a:solidFill>
+              </a:defRPr>
+            </a:lvl6pPr>
+            <a:lvl7pPr>
+              <a:defRPr>
+                <a:solidFill>
+                  <a:schemeClr val="tx2"/>
+                </a:solidFill>
+              </a:defRPr>
+            </a:lvl7pPr>
+            <a:lvl8pPr>
+              <a:defRPr>
+                <a:solidFill>
+                  <a:schemeClr val="tx2"/>
+                </a:solidFill>
+              </a:defRPr>
+            </a:lvl8pPr>
+            <a:lvl9pPr>
+              <a:defRPr>
+                <a:solidFill>
+                  <a:schemeClr val="tx2"/>
+                </a:solidFill>
+              </a:defRPr>
+            </a:lvl9pPr>
+          </a:lstStyle>
+          <a:p>
+            <a:pPr lvl="0"/>
+            <a:r>
+              <a:rPr lang="en-US" sz="8000" dirty="0">
+                <a:solidFill>
+                  <a:schemeClr val="tx1"/>
+                </a:solidFill>
+                <a:effectLst/>
+              </a:rPr>
+              <a:t>“</a:t>
+            </a:r>
+          </a:p>
+        </p:txBody>
+      </p:sp>
+      <p:sp>
+        <p:nvSpPr>
+          <p:cNvPr id="13" name="TextBox 12"/>
+          <p:cNvSpPr txBox="1"/>
+          <p:nvPr/>
+        </p:nvSpPr>
+        <p:spPr>
+          <a:xfrm>
+            <a:off x="10504716" y="2928258"/>
+            <a:ext cx="609600" cy="584776"/>
+          </a:xfrm>
+          <a:prstGeom prst="rect">
+            <a:avLst/>
+          </a:prstGeom>
+        </p:spPr>
+        <p:txBody>
+          <a:bodyPr vert="horz" lIns="91440" tIns="45720" rIns="91440" bIns="45720" rtlCol="0" anchor="ctr">
+            <a:noAutofit/>
+          </a:bodyPr>
+          <a:lstStyle>
+            <a:lvl1pPr>
+              <a:spcBef>
+                <a:spcPct val="0"/>
+              </a:spcBef>
+              <a:buNone/>
+              <a:defRPr sz="3200" b="0" cap="all">
+                <a:ln w="3175" cmpd="sng">
+                  <a:noFill/>
+                </a:ln>
+                <a:effectLst>
+                  <a:glow rad="38100">
+                    <a:schemeClr val="bg1">
+                      <a:lumMod val="65000"/>
+                      <a:lumOff val="35000"/>
+                      <a:alpha val="40000"/>
+                    </a:schemeClr>
+                  </a:glow>
+                  <a:outerShdw blurRad="28575" dist="38100" dir="14040000" algn="tl" rotWithShape="0">
+                    <a:srgbClr val="000000">
+                      <a:alpha val="25000"/>
+                    </a:srgbClr>
+                  </a:outerShdw>
+                </a:effectLst>
+              </a:defRPr>
+            </a:lvl1pPr>
+            <a:lvl2pPr>
+              <a:defRPr>
+                <a:solidFill>
+                  <a:schemeClr val="tx2"/>
+                </a:solidFill>
+              </a:defRPr>
+            </a:lvl2pPr>
+            <a:lvl3pPr>
+              <a:defRPr>
+                <a:solidFill>
+                  <a:schemeClr val="tx2"/>
+                </a:solidFill>
+              </a:defRPr>
+            </a:lvl3pPr>
+            <a:lvl4pPr>
+              <a:defRPr>
+                <a:solidFill>
+                  <a:schemeClr val="tx2"/>
+                </a:solidFill>
+              </a:defRPr>
+            </a:lvl4pPr>
+            <a:lvl5pPr>
+              <a:defRPr>
+                <a:solidFill>
+                  <a:schemeClr val="tx2"/>
+                </a:solidFill>
+              </a:defRPr>
+            </a:lvl5pPr>
+            <a:lvl6pPr>
+              <a:defRPr>
+                <a:solidFill>
+                  <a:schemeClr val="tx2"/>
+                </a:solidFill>
+              </a:defRPr>
+            </a:lvl6pPr>
+            <a:lvl7pPr>
+              <a:defRPr>
+                <a:solidFill>
+                  <a:schemeClr val="tx2"/>
+                </a:solidFill>
+              </a:defRPr>
+            </a:lvl7pPr>
+            <a:lvl8pPr>
+              <a:defRPr>
+                <a:solidFill>
+                  <a:schemeClr val="tx2"/>
+                </a:solidFill>
+              </a:defRPr>
+            </a:lvl8pPr>
+            <a:lvl9pPr>
+              <a:defRPr>
+                <a:solidFill>
+                  <a:schemeClr val="tx2"/>
+                </a:solidFill>
+              </a:defRPr>
+            </a:lvl9pPr>
+          </a:lstStyle>
+          <a:p>
+            <a:pPr lvl="0" algn="r"/>
+            <a:r>
+              <a:rPr lang="en-US" sz="8000" dirty="0">
+                <a:solidFill>
+                  <a:schemeClr val="tx1"/>
+                </a:solidFill>
+                <a:effectLst/>
+              </a:rPr>
+              <a:t>”</a:t>
+            </a:r>
+          </a:p>
+        </p:txBody>
+      </p:sp>
+    </p:spTree>
+    <p:extLst>
+      <p:ext uri="{BB962C8B-B14F-4D97-AF65-F5344CB8AC3E}">
+        <p14:creationId xmlns:p14="http://schemas.microsoft.com/office/powerpoint/2010/main" val="1074916570"/>
+      </p:ext>
+    </p:extLst>
+  </p:cSld>
+  <p:clrMapOvr>
+    <a:masterClrMapping/>
+  </p:clrMapOvr>
+</p:sldLayout>
+</file>
+
+<file path=ppt/slideLayouts/slideLayout13.xml><?xml version="1.0" encoding="utf-8"?>
+<p:sldLayout xmlns:a="http://schemas.openxmlformats.org/drawingml/2006/main" xmlns:r="http://schemas.openxmlformats.org/officeDocument/2006/relationships" xmlns:p="http://schemas.openxmlformats.org/presentationml/2006/main" preserve="1">
+  <p:cSld name="Tarjeta de nombre">
+    <p:spTree>
+      <p:nvGrpSpPr>
+        <p:cNvPr id="1" name=""/>
+        <p:cNvGrpSpPr/>
+        <p:nvPr/>
+      </p:nvGrpSpPr>
+      <p:grpSpPr>
+        <a:xfrm>
+          <a:off x="0" y="0"/>
+          <a:ext cx="0" cy="0"/>
+          <a:chOff x="0" y="0"/>
+          <a:chExt cx="0" cy="0"/>
+        </a:xfrm>
+      </p:grpSpPr>
+      <p:sp>
+        <p:nvSpPr>
+          <p:cNvPr id="2" name="Title 1"/>
+          <p:cNvSpPr>
+            <a:spLocks noGrp="1"/>
+          </p:cNvSpPr>
+          <p:nvPr>
+            <p:ph type="title"/>
+          </p:nvPr>
+        </p:nvSpPr>
+        <p:spPr>
+          <a:xfrm>
+            <a:off x="913794" y="2126942"/>
+            <a:ext cx="10353763" cy="2511835"/>
+          </a:xfrm>
+        </p:spPr>
+        <p:txBody>
+          <a:bodyPr anchor="b"/>
+          <a:lstStyle>
+            <a:lvl1pPr>
+              <a:defRPr sz="3200"/>
+            </a:lvl1pPr>
+          </a:lstStyle>
+          <a:p>
+            <a:r>
+              <a:rPr lang="es-ES"/>
+              <a:t>Haga clic para modificar el estilo de título del patrón</a:t>
+            </a:r>
+            <a:endParaRPr lang="en-US" dirty="0"/>
+          </a:p>
+        </p:txBody>
+      </p:sp>
+      <p:sp>
+        <p:nvSpPr>
+          <p:cNvPr id="4" name="Text Placeholder 3"/>
+          <p:cNvSpPr>
+            <a:spLocks noGrp="1"/>
+          </p:cNvSpPr>
+          <p:nvPr>
+            <p:ph type="body" sz="half" idx="2"/>
+          </p:nvPr>
+        </p:nvSpPr>
+        <p:spPr>
+          <a:xfrm>
+            <a:off x="913784" y="4650556"/>
+            <a:ext cx="10352199" cy="1140644"/>
+          </a:xfrm>
+        </p:spPr>
+        <p:txBody>
+          <a:bodyPr anchor="t"/>
+          <a:lstStyle>
+            <a:lvl1pPr marL="0" indent="0" algn="ctr">
+              <a:buNone/>
+              <a:defRPr sz="1600"/>
+            </a:lvl1pPr>
+            <a:lvl2pPr marL="457200" indent="0">
+              <a:buNone/>
+              <a:defRPr sz="1400"/>
+            </a:lvl2pPr>
+            <a:lvl3pPr marL="914400" indent="0">
+              <a:buNone/>
+              <a:defRPr sz="1200"/>
+            </a:lvl3pPr>
+            <a:lvl4pPr marL="1371600" indent="0">
+              <a:buNone/>
+              <a:defRPr sz="1000"/>
+            </a:lvl4pPr>
+            <a:lvl5pPr marL="1828800" indent="0">
+              <a:buNone/>
+              <a:defRPr sz="1000"/>
+            </a:lvl5pPr>
+            <a:lvl6pPr marL="2286000" indent="0">
+              <a:buNone/>
+              <a:defRPr sz="1000"/>
+            </a:lvl6pPr>
+            <a:lvl7pPr marL="2743200" indent="0">
+              <a:buNone/>
+              <a:defRPr sz="1000"/>
+            </a:lvl7pPr>
+            <a:lvl8pPr marL="3200400" indent="0">
+              <a:buNone/>
+              <a:defRPr sz="1000"/>
+            </a:lvl8pPr>
+            <a:lvl9pPr marL="3657600" indent="0">
+              <a:buNone/>
+              <a:defRPr sz="1000"/>
+            </a:lvl9pPr>
+          </a:lstStyle>
+          <a:p>
+            <a:pPr lvl="0"/>
+            <a:r>
+              <a:rPr lang="es-ES"/>
+              <a:t>Haga clic para modificar los estilos de texto del patrón</a:t>
+            </a:r>
+          </a:p>
+        </p:txBody>
+      </p:sp>
+      <p:sp>
+        <p:nvSpPr>
+          <p:cNvPr id="5" name="Date Placeholder 4"/>
+          <p:cNvSpPr>
+            <a:spLocks noGrp="1"/>
+          </p:cNvSpPr>
+          <p:nvPr>
+            <p:ph type="dt" sz="half" idx="10"/>
+          </p:nvPr>
+        </p:nvSpPr>
+        <p:spPr/>
+        <p:txBody>
+          <a:bodyPr/>
+          <a:lstStyle/>
+          <a:p>
+            <a:fld id="{C1D014D3-D327-46BA-BD00-216ACB05624C}" type="datetimeFigureOut">
+              <a:rPr lang="es-ES" smtClean="0"/>
+              <a:t>13/12/2024</a:t>
+            </a:fld>
+            <a:endParaRPr lang="es-ES"/>
+          </a:p>
+        </p:txBody>
+      </p:sp>
+      <p:sp>
+        <p:nvSpPr>
+          <p:cNvPr id="6" name="Footer Placeholder 5"/>
+          <p:cNvSpPr>
+            <a:spLocks noGrp="1"/>
+          </p:cNvSpPr>
+          <p:nvPr>
+            <p:ph type="ftr" sz="quarter" idx="11"/>
+          </p:nvPr>
+        </p:nvSpPr>
+        <p:spPr/>
+        <p:txBody>
+          <a:bodyPr/>
+          <a:lstStyle/>
+          <a:p>
+            <a:endParaRPr lang="es-ES"/>
+          </a:p>
+        </p:txBody>
+      </p:sp>
+      <p:sp>
+        <p:nvSpPr>
+          <p:cNvPr id="7" name="Slide Number Placeholder 6"/>
+          <p:cNvSpPr>
+            <a:spLocks noGrp="1"/>
+          </p:cNvSpPr>
+          <p:nvPr>
+            <p:ph type="sldNum" sz="quarter" idx="12"/>
+          </p:nvPr>
+        </p:nvSpPr>
+        <p:spPr/>
+        <p:txBody>
+          <a:bodyPr/>
+          <a:lstStyle/>
+          <a:p>
+            <a:fld id="{5D301A0D-5E0A-4363-99C3-0ECD854B2AC4}" type="slidenum">
+              <a:rPr lang="es-ES" smtClean="0"/>
+              <a:t>‹Nº›</a:t>
+            </a:fld>
+            <a:endParaRPr lang="es-ES"/>
+          </a:p>
+        </p:txBody>
+      </p:sp>
+    </p:spTree>
+    <p:extLst>
+      <p:ext uri="{BB962C8B-B14F-4D97-AF65-F5344CB8AC3E}">
+        <p14:creationId xmlns:p14="http://schemas.microsoft.com/office/powerpoint/2010/main" val="435555306"/>
+      </p:ext>
+    </p:extLst>
+  </p:cSld>
+  <p:clrMapOvr>
+    <a:masterClrMapping/>
+  </p:clrMapOvr>
+</p:sldLayout>
+</file>
+
+<file path=ppt/slideLayouts/slideLayout14.xml><?xml version="1.0" encoding="utf-8"?>
+<p:sldLayout xmlns:a="http://schemas.openxmlformats.org/drawingml/2006/main" xmlns:r="http://schemas.openxmlformats.org/officeDocument/2006/relationships" xmlns:p="http://schemas.openxmlformats.org/presentationml/2006/main" preserve="1">
+  <p:cSld name="Columna 3">
+    <p:spTree>
+      <p:nvGrpSpPr>
+        <p:cNvPr id="1" name=""/>
+        <p:cNvGrpSpPr/>
+        <p:nvPr/>
+      </p:nvGrpSpPr>
+      <p:grpSpPr>
+        <a:xfrm>
+          <a:off x="0" y="0"/>
+          <a:ext cx="0" cy="0"/>
+          <a:chOff x="0" y="0"/>
+          <a:chExt cx="0" cy="0"/>
+        </a:xfrm>
+      </p:grpSpPr>
+      <p:sp>
+        <p:nvSpPr>
+          <p:cNvPr id="15" name="Title 1"/>
+          <p:cNvSpPr>
+            <a:spLocks noGrp="1"/>
+          </p:cNvSpPr>
+          <p:nvPr>
+            <p:ph type="title"/>
+          </p:nvPr>
+        </p:nvSpPr>
+        <p:spPr>
+          <a:xfrm>
+            <a:off x="913795" y="609600"/>
+            <a:ext cx="10353762" cy="970450"/>
+          </a:xfrm>
+        </p:spPr>
+        <p:txBody>
+          <a:bodyPr/>
+          <a:lstStyle/>
+          <a:p>
+            <a:r>
+              <a:rPr lang="es-ES"/>
+              <a:t>Haga clic para modificar el estilo de título del patrón</a:t>
+            </a:r>
+            <a:endParaRPr lang="en-US" dirty="0"/>
+          </a:p>
+        </p:txBody>
+      </p:sp>
+      <p:sp>
+        <p:nvSpPr>
+          <p:cNvPr id="7" name="Text Placeholder 2"/>
+          <p:cNvSpPr>
+            <a:spLocks noGrp="1"/>
+          </p:cNvSpPr>
+          <p:nvPr>
+            <p:ph type="body" idx="1"/>
+          </p:nvPr>
+        </p:nvSpPr>
+        <p:spPr>
+          <a:xfrm>
+            <a:off x="913795" y="1885950"/>
+            <a:ext cx="3300984" cy="576262"/>
+          </a:xfrm>
+        </p:spPr>
+        <p:txBody>
+          <a:bodyPr anchor="b">
+            <a:noAutofit/>
+          </a:bodyPr>
+          <a:lstStyle>
+            <a:lvl1pPr marL="0" indent="0" algn="ctr">
+              <a:buNone/>
+              <a:defRPr sz="2400" b="0">
+                <a:solidFill>
+                  <a:schemeClr val="tx1"/>
+                </a:solidFill>
+              </a:defRPr>
+            </a:lvl1pPr>
+            <a:lvl2pPr marL="457200" indent="0">
+              <a:buNone/>
+              <a:defRPr sz="2000" b="1"/>
+            </a:lvl2pPr>
+            <a:lvl3pPr marL="914400" indent="0">
+              <a:buNone/>
+              <a:defRPr sz="1800" b="1"/>
+            </a:lvl3pPr>
+            <a:lvl4pPr marL="1371600" indent="0">
+              <a:buNone/>
+              <a:defRPr sz="1600" b="1"/>
+            </a:lvl4pPr>
+            <a:lvl5pPr marL="1828800" indent="0">
+              <a:buNone/>
+              <a:defRPr sz="1600" b="1"/>
+            </a:lvl5pPr>
+            <a:lvl6pPr marL="2286000" indent="0">
+              <a:buNone/>
+              <a:defRPr sz="1600" b="1"/>
+            </a:lvl6pPr>
+            <a:lvl7pPr marL="2743200" indent="0">
+              <a:buNone/>
+              <a:defRPr sz="1600" b="1"/>
+            </a:lvl7pPr>
+            <a:lvl8pPr marL="3200400" indent="0">
+              <a:buNone/>
+              <a:defRPr sz="1600" b="1"/>
+            </a:lvl8pPr>
+            <a:lvl9pPr marL="3657600" indent="0">
+              <a:buNone/>
+              <a:defRPr sz="1600" b="1"/>
+            </a:lvl9pPr>
+          </a:lstStyle>
+          <a:p>
+            <a:pPr lvl="0"/>
+            <a:r>
+              <a:rPr lang="es-ES"/>
+              <a:t>Haga clic para modificar los estilos de texto del patrón</a:t>
+            </a:r>
+          </a:p>
+        </p:txBody>
+      </p:sp>
+      <p:sp>
+        <p:nvSpPr>
+          <p:cNvPr id="8" name="Text Placeholder 3"/>
+          <p:cNvSpPr>
+            <a:spLocks noGrp="1"/>
+          </p:cNvSpPr>
+          <p:nvPr>
+            <p:ph type="body" sz="half" idx="15"/>
+          </p:nvPr>
+        </p:nvSpPr>
+        <p:spPr>
+          <a:xfrm>
+            <a:off x="913795" y="2571750"/>
+            <a:ext cx="3300984" cy="3219450"/>
+          </a:xfrm>
+        </p:spPr>
+        <p:txBody>
+          <a:bodyPr anchor="t">
+            <a:normAutofit/>
+          </a:bodyPr>
+          <a:lstStyle>
+            <a:lvl1pPr marL="0" indent="0" algn="ctr">
+              <a:buNone/>
+              <a:defRPr sz="1400"/>
+            </a:lvl1pPr>
+            <a:lvl2pPr marL="457200" indent="0">
+              <a:buNone/>
+              <a:defRPr sz="1200"/>
+            </a:lvl2pPr>
+            <a:lvl3pPr marL="914400" indent="0">
+              <a:buNone/>
+              <a:defRPr sz="1000"/>
+            </a:lvl3pPr>
+            <a:lvl4pPr marL="1371600" indent="0">
+              <a:buNone/>
+              <a:defRPr sz="900"/>
+            </a:lvl4pPr>
+            <a:lvl5pPr marL="1828800" indent="0">
+              <a:buNone/>
+              <a:defRPr sz="900"/>
+            </a:lvl5pPr>
+            <a:lvl6pPr marL="2286000" indent="0">
+              <a:buNone/>
+              <a:defRPr sz="900"/>
+            </a:lvl6pPr>
+            <a:lvl7pPr marL="2743200" indent="0">
+              <a:buNone/>
+              <a:defRPr sz="900"/>
+            </a:lvl7pPr>
+            <a:lvl8pPr marL="3200400" indent="0">
+              <a:buNone/>
+              <a:defRPr sz="900"/>
+            </a:lvl8pPr>
+            <a:lvl9pPr marL="3657600" indent="0">
+              <a:buNone/>
+              <a:defRPr sz="900"/>
+            </a:lvl9pPr>
+          </a:lstStyle>
+          <a:p>
+            <a:pPr lvl="0"/>
+            <a:r>
+              <a:rPr lang="es-ES"/>
+              <a:t>Haga clic para modificar los estilos de texto del patrón</a:t>
+            </a:r>
+          </a:p>
+        </p:txBody>
+      </p:sp>
+      <p:sp>
+        <p:nvSpPr>
+          <p:cNvPr id="9" name="Text Placeholder 4"/>
+          <p:cNvSpPr>
+            <a:spLocks noGrp="1"/>
+          </p:cNvSpPr>
+          <p:nvPr>
+            <p:ph type="body" sz="quarter" idx="3"/>
+          </p:nvPr>
+        </p:nvSpPr>
+        <p:spPr>
+          <a:xfrm>
+            <a:off x="4446711" y="1885950"/>
+            <a:ext cx="3300984" cy="576262"/>
+          </a:xfrm>
+        </p:spPr>
+        <p:txBody>
+          <a:bodyPr anchor="b">
+            <a:noAutofit/>
+          </a:bodyPr>
+          <a:lstStyle>
+            <a:lvl1pPr marL="0" indent="0" algn="ctr">
+              <a:buNone/>
+              <a:defRPr sz="2400" b="0">
+                <a:solidFill>
+                  <a:schemeClr val="tx1"/>
+                </a:solidFill>
+              </a:defRPr>
+            </a:lvl1pPr>
+            <a:lvl2pPr marL="457200" indent="0">
+              <a:buNone/>
+              <a:defRPr sz="2000" b="1"/>
+            </a:lvl2pPr>
+            <a:lvl3pPr marL="914400" indent="0">
+              <a:buNone/>
+              <a:defRPr sz="1800" b="1"/>
+            </a:lvl3pPr>
+            <a:lvl4pPr marL="1371600" indent="0">
+              <a:buNone/>
+              <a:defRPr sz="1600" b="1"/>
+            </a:lvl4pPr>
+            <a:lvl5pPr marL="1828800" indent="0">
+              <a:buNone/>
+              <a:defRPr sz="1600" b="1"/>
+            </a:lvl5pPr>
+            <a:lvl6pPr marL="2286000" indent="0">
+              <a:buNone/>
+              <a:defRPr sz="1600" b="1"/>
+            </a:lvl6pPr>
+            <a:lvl7pPr marL="2743200" indent="0">
+              <a:buNone/>
+              <a:defRPr sz="1600" b="1"/>
+            </a:lvl7pPr>
+            <a:lvl8pPr marL="3200400" indent="0">
+              <a:buNone/>
+              <a:defRPr sz="1600" b="1"/>
+            </a:lvl8pPr>
+            <a:lvl9pPr marL="3657600" indent="0">
+              <a:buNone/>
+              <a:defRPr sz="1600" b="1"/>
+            </a:lvl9pPr>
+          </a:lstStyle>
+          <a:p>
+            <a:pPr lvl="0"/>
+            <a:r>
+              <a:rPr lang="es-ES"/>
+              <a:t>Haga clic para modificar los estilos de texto del patrón</a:t>
+            </a:r>
+          </a:p>
+        </p:txBody>
+      </p:sp>
+      <p:sp>
+        <p:nvSpPr>
+          <p:cNvPr id="10" name="Text Placeholder 3"/>
+          <p:cNvSpPr>
+            <a:spLocks noGrp="1"/>
+          </p:cNvSpPr>
+          <p:nvPr>
+            <p:ph type="body" sz="half" idx="16"/>
+          </p:nvPr>
+        </p:nvSpPr>
+        <p:spPr>
+          <a:xfrm>
+            <a:off x="4441435" y="2571750"/>
+            <a:ext cx="3300984" cy="3219450"/>
+          </a:xfrm>
+        </p:spPr>
+        <p:txBody>
+          <a:bodyPr anchor="t">
+            <a:normAutofit/>
+          </a:bodyPr>
+          <a:lstStyle>
+            <a:lvl1pPr marL="0" indent="0" algn="ctr">
+              <a:buNone/>
+              <a:defRPr sz="1400"/>
+            </a:lvl1pPr>
+            <a:lvl2pPr marL="457200" indent="0">
+              <a:buNone/>
+              <a:defRPr sz="1200"/>
+            </a:lvl2pPr>
+            <a:lvl3pPr marL="914400" indent="0">
+              <a:buNone/>
+              <a:defRPr sz="1000"/>
+            </a:lvl3pPr>
+            <a:lvl4pPr marL="1371600" indent="0">
+              <a:buNone/>
+              <a:defRPr sz="900"/>
+            </a:lvl4pPr>
+            <a:lvl5pPr marL="1828800" indent="0">
+              <a:buNone/>
+              <a:defRPr sz="900"/>
+            </a:lvl5pPr>
+            <a:lvl6pPr marL="2286000" indent="0">
+              <a:buNone/>
+              <a:defRPr sz="900"/>
+            </a:lvl6pPr>
+            <a:lvl7pPr marL="2743200" indent="0">
+              <a:buNone/>
+              <a:defRPr sz="900"/>
+            </a:lvl7pPr>
+            <a:lvl8pPr marL="3200400" indent="0">
+              <a:buNone/>
+              <a:defRPr sz="900"/>
+            </a:lvl8pPr>
+            <a:lvl9pPr marL="3657600" indent="0">
+              <a:buNone/>
+              <a:defRPr sz="900"/>
+            </a:lvl9pPr>
+          </a:lstStyle>
+          <a:p>
+            <a:pPr lvl="0"/>
+            <a:r>
+              <a:rPr lang="es-ES"/>
+              <a:t>Haga clic para modificar los estilos de texto del patrón</a:t>
+            </a:r>
+          </a:p>
+        </p:txBody>
+      </p:sp>
+      <p:sp>
+        <p:nvSpPr>
+          <p:cNvPr id="11" name="Text Placeholder 4"/>
+          <p:cNvSpPr>
+            <a:spLocks noGrp="1"/>
+          </p:cNvSpPr>
+          <p:nvPr>
+            <p:ph type="body" sz="quarter" idx="13"/>
+          </p:nvPr>
+        </p:nvSpPr>
+        <p:spPr>
+          <a:xfrm>
+            <a:off x="7966572" y="1885950"/>
+            <a:ext cx="3300984" cy="576262"/>
+          </a:xfrm>
+        </p:spPr>
+        <p:txBody>
+          <a:bodyPr anchor="b">
+            <a:noAutofit/>
+          </a:bodyPr>
+          <a:lstStyle>
+            <a:lvl1pPr marL="0" indent="0" algn="ctr">
+              <a:buNone/>
+              <a:defRPr sz="2400" b="0">
+                <a:solidFill>
+                  <a:schemeClr val="tx1"/>
+                </a:solidFill>
+              </a:defRPr>
+            </a:lvl1pPr>
+            <a:lvl2pPr marL="457200" indent="0">
+              <a:buNone/>
+              <a:defRPr sz="2000" b="1"/>
+            </a:lvl2pPr>
+            <a:lvl3pPr marL="914400" indent="0">
+              <a:buNone/>
+              <a:defRPr sz="1800" b="1"/>
+            </a:lvl3pPr>
+            <a:lvl4pPr marL="1371600" indent="0">
+              <a:buNone/>
+              <a:defRPr sz="1600" b="1"/>
+            </a:lvl4pPr>
+            <a:lvl5pPr marL="1828800" indent="0">
+              <a:buNone/>
+              <a:defRPr sz="1600" b="1"/>
+            </a:lvl5pPr>
+            <a:lvl6pPr marL="2286000" indent="0">
+              <a:buNone/>
+              <a:defRPr sz="1600" b="1"/>
+            </a:lvl6pPr>
+            <a:lvl7pPr marL="2743200" indent="0">
+              <a:buNone/>
+              <a:defRPr sz="1600" b="1"/>
+            </a:lvl7pPr>
+            <a:lvl8pPr marL="3200400" indent="0">
+              <a:buNone/>
+              <a:defRPr sz="1600" b="1"/>
+            </a:lvl8pPr>
+            <a:lvl9pPr marL="3657600" indent="0">
+              <a:buNone/>
+              <a:defRPr sz="1600" b="1"/>
+            </a:lvl9pPr>
+          </a:lstStyle>
+          <a:p>
+            <a:pPr lvl="0"/>
+            <a:r>
+              <a:rPr lang="es-ES"/>
+              <a:t>Haga clic para modificar los estilos de texto del patrón</a:t>
+            </a:r>
+          </a:p>
+        </p:txBody>
+      </p:sp>
+      <p:sp>
+        <p:nvSpPr>
+          <p:cNvPr id="12" name="Text Placeholder 3"/>
+          <p:cNvSpPr>
+            <a:spLocks noGrp="1"/>
+          </p:cNvSpPr>
+          <p:nvPr>
+            <p:ph type="body" sz="half" idx="17"/>
+          </p:nvPr>
+        </p:nvSpPr>
+        <p:spPr>
+          <a:xfrm>
+            <a:off x="7966572" y="2571750"/>
+            <a:ext cx="3300984" cy="3219450"/>
+          </a:xfrm>
+        </p:spPr>
+        <p:txBody>
+          <a:bodyPr anchor="t">
+            <a:normAutofit/>
+          </a:bodyPr>
+          <a:lstStyle>
+            <a:lvl1pPr marL="0" indent="0" algn="ctr">
+              <a:buNone/>
+              <a:defRPr sz="1400"/>
+            </a:lvl1pPr>
+            <a:lvl2pPr marL="457200" indent="0">
+              <a:buNone/>
+              <a:defRPr sz="1200"/>
+            </a:lvl2pPr>
+            <a:lvl3pPr marL="914400" indent="0">
+              <a:buNone/>
+              <a:defRPr sz="1000"/>
+            </a:lvl3pPr>
+            <a:lvl4pPr marL="1371600" indent="0">
+              <a:buNone/>
+              <a:defRPr sz="900"/>
+            </a:lvl4pPr>
+            <a:lvl5pPr marL="1828800" indent="0">
+              <a:buNone/>
+              <a:defRPr sz="900"/>
+            </a:lvl5pPr>
+            <a:lvl6pPr marL="2286000" indent="0">
+              <a:buNone/>
+              <a:defRPr sz="900"/>
+            </a:lvl6pPr>
+            <a:lvl7pPr marL="2743200" indent="0">
+              <a:buNone/>
+              <a:defRPr sz="900"/>
+            </a:lvl7pPr>
+            <a:lvl8pPr marL="3200400" indent="0">
+              <a:buNone/>
+              <a:defRPr sz="900"/>
+            </a:lvl8pPr>
+            <a:lvl9pPr marL="3657600" indent="0">
+              <a:buNone/>
+              <a:defRPr sz="900"/>
+            </a:lvl9pPr>
+          </a:lstStyle>
+          <a:p>
+            <a:pPr lvl="0"/>
+            <a:r>
+              <a:rPr lang="es-ES"/>
+              <a:t>Haga clic para modificar los estilos de texto del patrón</a:t>
+            </a:r>
+          </a:p>
+        </p:txBody>
+      </p:sp>
+      <p:sp>
+        <p:nvSpPr>
+          <p:cNvPr id="3" name="Date Placeholder 2"/>
+          <p:cNvSpPr>
+            <a:spLocks noGrp="1"/>
+          </p:cNvSpPr>
+          <p:nvPr>
+            <p:ph type="dt" sz="half" idx="10"/>
+          </p:nvPr>
+        </p:nvSpPr>
+        <p:spPr/>
+        <p:txBody>
+          <a:bodyPr/>
+          <a:lstStyle/>
+          <a:p>
+            <a:fld id="{C1D014D3-D327-46BA-BD00-216ACB05624C}" type="datetimeFigureOut">
+              <a:rPr lang="es-ES" smtClean="0"/>
+              <a:t>13/12/2024</a:t>
+            </a:fld>
+            <a:endParaRPr lang="es-ES"/>
+          </a:p>
+        </p:txBody>
+      </p:sp>
+      <p:sp>
+        <p:nvSpPr>
+          <p:cNvPr id="4" name="Footer Placeholder 3"/>
+          <p:cNvSpPr>
+            <a:spLocks noGrp="1"/>
+          </p:cNvSpPr>
+          <p:nvPr>
+            <p:ph type="ftr" sz="quarter" idx="11"/>
+          </p:nvPr>
+        </p:nvSpPr>
+        <p:spPr/>
+        <p:txBody>
+          <a:bodyPr/>
+          <a:lstStyle/>
+          <a:p>
+            <a:endParaRPr lang="es-ES"/>
+          </a:p>
+        </p:txBody>
+      </p:sp>
+      <p:sp>
+        <p:nvSpPr>
+          <p:cNvPr id="5" name="Slide Number Placeholder 4"/>
+          <p:cNvSpPr>
+            <a:spLocks noGrp="1"/>
+          </p:cNvSpPr>
+          <p:nvPr>
+            <p:ph type="sldNum" sz="quarter" idx="12"/>
+          </p:nvPr>
+        </p:nvSpPr>
+        <p:spPr/>
+        <p:txBody>
+          <a:bodyPr/>
+          <a:lstStyle/>
+          <a:p>
+            <a:fld id="{5D301A0D-5E0A-4363-99C3-0ECD854B2AC4}" type="slidenum">
+              <a:rPr lang="es-ES" smtClean="0"/>
+              <a:t>‹Nº›</a:t>
+            </a:fld>
+            <a:endParaRPr lang="es-ES"/>
+          </a:p>
+        </p:txBody>
+      </p:sp>
+    </p:spTree>
+    <p:extLst>
+      <p:ext uri="{BB962C8B-B14F-4D97-AF65-F5344CB8AC3E}">
+        <p14:creationId xmlns:p14="http://schemas.microsoft.com/office/powerpoint/2010/main" val="2077260738"/>
+      </p:ext>
+    </p:extLst>
+  </p:cSld>
+  <p:clrMapOvr>
+    <a:masterClrMapping/>
+  </p:clrMapOvr>
+</p:sldLayout>
+</file>
+
+<file path=ppt/slideLayouts/slideLayout15.xml><?xml version="1.0" encoding="utf-8"?>
+<p:sldLayout xmlns:a="http://schemas.openxmlformats.org/drawingml/2006/main" xmlns:r="http://schemas.openxmlformats.org/officeDocument/2006/relationships" xmlns:p="http://schemas.openxmlformats.org/presentationml/2006/main" preserve="1">
+  <p:cSld name="Columna de imagen 3">
+    <p:spTree>
+      <p:nvGrpSpPr>
+        <p:cNvPr id="1" name=""/>
+        <p:cNvGrpSpPr/>
+        <p:nvPr/>
+      </p:nvGrpSpPr>
+      <p:grpSpPr>
+        <a:xfrm>
+          <a:off x="0" y="0"/>
+          <a:ext cx="0" cy="0"/>
+          <a:chOff x="0" y="0"/>
+          <a:chExt cx="0" cy="0"/>
+        </a:xfrm>
+      </p:grpSpPr>
+      <p:pic>
+        <p:nvPicPr>
+          <p:cNvPr id="2" name="Picture 1" descr="Slate-V2-HD-3colPhotoInset.png"/>
+          <p:cNvPicPr>
+            <a:picLocks noChangeAspect="1"/>
+          </p:cNvPicPr>
+          <p:nvPr/>
+        </p:nvPicPr>
+        <p:blipFill>
+          <a:blip r:embed="rId2">
+            <a:extLst>
+              <a:ext uri="{28A0092B-C50C-407E-A947-70E740481C1C}">
+                <a14:useLocalDpi xmlns:a14="http://schemas.microsoft.com/office/drawing/2010/main" val="0"/>
+              </a:ext>
+            </a:extLst>
+          </a:blip>
+          <a:stretch>
+            <a:fillRect/>
+          </a:stretch>
+        </p:blipFill>
+        <p:spPr>
+          <a:xfrm>
+            <a:off x="897962" y="1818214"/>
+            <a:ext cx="3339972" cy="1847851"/>
+          </a:xfrm>
+          <a:prstGeom prst="rect">
+            <a:avLst/>
+          </a:prstGeom>
+        </p:spPr>
+      </p:pic>
+      <p:pic>
+        <p:nvPicPr>
+          <p:cNvPr id="36" name="Picture 35" descr="Slate-V2-HD-3colPhotoInset.png"/>
+          <p:cNvPicPr>
+            <a:picLocks noChangeAspect="1"/>
+          </p:cNvPicPr>
+          <p:nvPr/>
+        </p:nvPicPr>
+        <p:blipFill>
+          <a:blip r:embed="rId2">
+            <a:extLst>
+              <a:ext uri="{28A0092B-C50C-407E-A947-70E740481C1C}">
+                <a14:useLocalDpi xmlns:a14="http://schemas.microsoft.com/office/drawing/2010/main" val="0"/>
+              </a:ext>
+            </a:extLst>
+          </a:blip>
+          <a:stretch>
+            <a:fillRect/>
+          </a:stretch>
+        </p:blipFill>
+        <p:spPr>
+          <a:xfrm>
+            <a:off x="4403800" y="1818214"/>
+            <a:ext cx="3339972" cy="1847851"/>
+          </a:xfrm>
+          <a:prstGeom prst="rect">
+            <a:avLst/>
+          </a:prstGeom>
+        </p:spPr>
+      </p:pic>
+      <p:pic>
+        <p:nvPicPr>
+          <p:cNvPr id="37" name="Picture 36" descr="Slate-V2-HD-3colPhotoInset.png"/>
+          <p:cNvPicPr>
+            <a:picLocks noChangeAspect="1"/>
+          </p:cNvPicPr>
+          <p:nvPr/>
+        </p:nvPicPr>
+        <p:blipFill>
+          <a:blip r:embed="rId2">
+            <a:extLst>
+              <a:ext uri="{28A0092B-C50C-407E-A947-70E740481C1C}">
+                <a14:useLocalDpi xmlns:a14="http://schemas.microsoft.com/office/drawing/2010/main" val="0"/>
+              </a:ext>
+            </a:extLst>
+          </a:blip>
+          <a:stretch>
+            <a:fillRect/>
+          </a:stretch>
+        </p:blipFill>
+        <p:spPr>
+          <a:xfrm>
+            <a:off x="7936051" y="1818214"/>
+            <a:ext cx="3339972" cy="1847851"/>
+          </a:xfrm>
+          <a:prstGeom prst="rect">
+            <a:avLst/>
+          </a:prstGeom>
+        </p:spPr>
+      </p:pic>
+      <p:sp>
+        <p:nvSpPr>
+          <p:cNvPr id="30" name="Title 1"/>
+          <p:cNvSpPr>
+            <a:spLocks noGrp="1"/>
+          </p:cNvSpPr>
+          <p:nvPr>
+            <p:ph type="title"/>
+          </p:nvPr>
+        </p:nvSpPr>
+        <p:spPr>
+          <a:xfrm>
+            <a:off x="913794" y="609600"/>
+            <a:ext cx="10353763" cy="970450"/>
+          </a:xfrm>
+        </p:spPr>
+        <p:txBody>
+          <a:bodyPr/>
+          <a:lstStyle/>
+          <a:p>
+            <a:r>
+              <a:rPr lang="es-ES"/>
+              <a:t>Haga clic para modificar el estilo de título del patrón</a:t>
+            </a:r>
+            <a:endParaRPr lang="en-US" dirty="0"/>
+          </a:p>
+        </p:txBody>
+      </p:sp>
+      <p:sp>
+        <p:nvSpPr>
+          <p:cNvPr id="19" name="Text Placeholder 2"/>
+          <p:cNvSpPr>
+            <a:spLocks noGrp="1"/>
+          </p:cNvSpPr>
+          <p:nvPr>
+            <p:ph type="body" idx="1"/>
+          </p:nvPr>
+        </p:nvSpPr>
+        <p:spPr>
+          <a:xfrm>
+            <a:off x="913795" y="3904106"/>
+            <a:ext cx="3300984" cy="576262"/>
+          </a:xfrm>
+        </p:spPr>
+        <p:txBody>
+          <a:bodyPr anchor="b">
+            <a:noAutofit/>
+          </a:bodyPr>
+          <a:lstStyle>
+            <a:lvl1pPr marL="0" indent="0" algn="ctr">
+              <a:buNone/>
+              <a:defRPr sz="2000" b="0">
+                <a:solidFill>
+                  <a:schemeClr val="tx1"/>
+                </a:solidFill>
+              </a:defRPr>
+            </a:lvl1pPr>
+            <a:lvl2pPr marL="457200" indent="0">
+              <a:buNone/>
+              <a:defRPr sz="2000" b="1"/>
+            </a:lvl2pPr>
+            <a:lvl3pPr marL="914400" indent="0">
+              <a:buNone/>
+              <a:defRPr sz="1800" b="1"/>
+            </a:lvl3pPr>
+            <a:lvl4pPr marL="1371600" indent="0">
+              <a:buNone/>
+              <a:defRPr sz="1600" b="1"/>
+            </a:lvl4pPr>
+            <a:lvl5pPr marL="1828800" indent="0">
+              <a:buNone/>
+              <a:defRPr sz="1600" b="1"/>
+            </a:lvl5pPr>
+            <a:lvl6pPr marL="2286000" indent="0">
+              <a:buNone/>
+              <a:defRPr sz="1600" b="1"/>
+            </a:lvl6pPr>
+            <a:lvl7pPr marL="2743200" indent="0">
+              <a:buNone/>
+              <a:defRPr sz="1600" b="1"/>
+            </a:lvl7pPr>
+            <a:lvl8pPr marL="3200400" indent="0">
+              <a:buNone/>
+              <a:defRPr sz="1600" b="1"/>
+            </a:lvl8pPr>
+            <a:lvl9pPr marL="3657600" indent="0">
+              <a:buNone/>
+              <a:defRPr sz="1600" b="1"/>
+            </a:lvl9pPr>
+          </a:lstStyle>
+          <a:p>
+            <a:pPr lvl="0"/>
+            <a:r>
+              <a:rPr lang="es-ES"/>
+              <a:t>Haga clic para modificar los estilos de texto del patrón</a:t>
+            </a:r>
+          </a:p>
+        </p:txBody>
+      </p:sp>
+      <p:sp>
+        <p:nvSpPr>
+          <p:cNvPr id="20" name="Picture Placeholder 2"/>
+          <p:cNvSpPr>
+            <a:spLocks noGrp="1" noChangeAspect="1"/>
+          </p:cNvSpPr>
+          <p:nvPr>
+            <p:ph type="pic" idx="15"/>
+          </p:nvPr>
+        </p:nvSpPr>
+        <p:spPr>
+          <a:xfrm>
+            <a:off x="1018102" y="1938918"/>
+            <a:ext cx="3092368" cy="1602954"/>
+          </a:xfrm>
+          <a:prstGeom prst="roundRect">
+            <a:avLst>
+              <a:gd name="adj" fmla="val 1858"/>
+            </a:avLst>
+          </a:prstGeom>
+          <a:effectLst>
+            <a:outerShdw blurRad="38100" dist="25400" dir="4440000">
+              <a:srgbClr val="000000">
+                <a:alpha val="36000"/>
+              </a:srgbClr>
+            </a:outerShdw>
+          </a:effectLst>
+        </p:spPr>
+        <p:txBody>
+          <a:bodyPr anchor="t">
+            <a:normAutofit/>
+          </a:bodyPr>
+          <a:lstStyle>
+            <a:lvl1pPr marL="0" indent="0" algn="ctr">
+              <a:buNone/>
+              <a:defRPr sz="1600"/>
+            </a:lvl1pPr>
+            <a:lvl2pPr marL="457200" indent="0">
+              <a:buNone/>
+              <a:defRPr sz="1600"/>
+            </a:lvl2pPr>
+            <a:lvl3pPr marL="914400" indent="0">
+              <a:buNone/>
+              <a:defRPr sz="1600"/>
+            </a:lvl3pPr>
+            <a:lvl4pPr marL="1371600" indent="0">
+              <a:buNone/>
+              <a:defRPr sz="1600"/>
+            </a:lvl4pPr>
+            <a:lvl5pPr marL="1828800" indent="0">
+              <a:buNone/>
+              <a:defRPr sz="1600"/>
+            </a:lvl5pPr>
+            <a:lvl6pPr marL="2286000" indent="0">
+              <a:buNone/>
+              <a:defRPr sz="1600"/>
+            </a:lvl6pPr>
+            <a:lvl7pPr marL="2743200" indent="0">
+              <a:buNone/>
+              <a:defRPr sz="1600"/>
+            </a:lvl7pPr>
+            <a:lvl8pPr marL="3200400" indent="0">
+              <a:buNone/>
+              <a:defRPr sz="1600"/>
+            </a:lvl8pPr>
+            <a:lvl9pPr marL="3657600" indent="0">
+              <a:buNone/>
+              <a:defRPr sz="1600"/>
+            </a:lvl9pPr>
+          </a:lstStyle>
+          <a:p>
+            <a:r>
+              <a:rPr lang="es-ES"/>
+              <a:t>Haga clic en el icono para agregar una imagen</a:t>
+            </a:r>
+            <a:endParaRPr lang="en-US" dirty="0"/>
+          </a:p>
+        </p:txBody>
+      </p:sp>
+      <p:sp>
+        <p:nvSpPr>
+          <p:cNvPr id="21" name="Text Placeholder 3"/>
+          <p:cNvSpPr>
+            <a:spLocks noGrp="1"/>
+          </p:cNvSpPr>
+          <p:nvPr>
+            <p:ph type="body" sz="half" idx="18"/>
+          </p:nvPr>
+        </p:nvSpPr>
+        <p:spPr>
+          <a:xfrm>
+            <a:off x="913795" y="4480368"/>
+            <a:ext cx="3300984" cy="1310833"/>
+          </a:xfrm>
+        </p:spPr>
+        <p:txBody>
+          <a:bodyPr anchor="t">
+            <a:normAutofit/>
+          </a:bodyPr>
+          <a:lstStyle>
+            <a:lvl1pPr marL="0" indent="0" algn="ctr">
+              <a:buNone/>
+              <a:defRPr sz="1400"/>
+            </a:lvl1pPr>
+            <a:lvl2pPr marL="457200" indent="0">
+              <a:buNone/>
+              <a:defRPr sz="1200"/>
+            </a:lvl2pPr>
+            <a:lvl3pPr marL="914400" indent="0">
+              <a:buNone/>
+              <a:defRPr sz="1000"/>
+            </a:lvl3pPr>
+            <a:lvl4pPr marL="1371600" indent="0">
+              <a:buNone/>
+              <a:defRPr sz="900"/>
+            </a:lvl4pPr>
+            <a:lvl5pPr marL="1828800" indent="0">
+              <a:buNone/>
+              <a:defRPr sz="900"/>
+            </a:lvl5pPr>
+            <a:lvl6pPr marL="2286000" indent="0">
+              <a:buNone/>
+              <a:defRPr sz="900"/>
+            </a:lvl6pPr>
+            <a:lvl7pPr marL="2743200" indent="0">
+              <a:buNone/>
+              <a:defRPr sz="900"/>
+            </a:lvl7pPr>
+            <a:lvl8pPr marL="3200400" indent="0">
+              <a:buNone/>
+              <a:defRPr sz="900"/>
+            </a:lvl8pPr>
+            <a:lvl9pPr marL="3657600" indent="0">
+              <a:buNone/>
+              <a:defRPr sz="900"/>
+            </a:lvl9pPr>
+          </a:lstStyle>
+          <a:p>
+            <a:pPr lvl="0"/>
+            <a:r>
+              <a:rPr lang="es-ES"/>
+              <a:t>Haga clic para modificar los estilos de texto del patrón</a:t>
+            </a:r>
+          </a:p>
+        </p:txBody>
+      </p:sp>
+      <p:sp>
+        <p:nvSpPr>
+          <p:cNvPr id="22" name="Text Placeholder 4"/>
+          <p:cNvSpPr>
+            <a:spLocks noGrp="1"/>
+          </p:cNvSpPr>
+          <p:nvPr>
+            <p:ph type="body" sz="quarter" idx="3"/>
+          </p:nvPr>
+        </p:nvSpPr>
+        <p:spPr>
+          <a:xfrm>
+            <a:off x="4442788" y="3904106"/>
+            <a:ext cx="3300984" cy="576262"/>
+          </a:xfrm>
+        </p:spPr>
+        <p:txBody>
+          <a:bodyPr anchor="b">
+            <a:noAutofit/>
+          </a:bodyPr>
+          <a:lstStyle>
+            <a:lvl1pPr marL="0" indent="0" algn="ctr">
+              <a:buNone/>
+              <a:defRPr sz="2000" b="0">
+                <a:solidFill>
+                  <a:schemeClr val="tx1"/>
+                </a:solidFill>
+              </a:defRPr>
+            </a:lvl1pPr>
+            <a:lvl2pPr marL="457200" indent="0">
+              <a:buNone/>
+              <a:defRPr sz="2000" b="1"/>
+            </a:lvl2pPr>
+            <a:lvl3pPr marL="914400" indent="0">
+              <a:buNone/>
+              <a:defRPr sz="1800" b="1"/>
+            </a:lvl3pPr>
+            <a:lvl4pPr marL="1371600" indent="0">
+              <a:buNone/>
+              <a:defRPr sz="1600" b="1"/>
+            </a:lvl4pPr>
+            <a:lvl5pPr marL="1828800" indent="0">
+              <a:buNone/>
+              <a:defRPr sz="1600" b="1"/>
+            </a:lvl5pPr>
+            <a:lvl6pPr marL="2286000" indent="0">
+              <a:buNone/>
+              <a:defRPr sz="1600" b="1"/>
+            </a:lvl6pPr>
+            <a:lvl7pPr marL="2743200" indent="0">
+              <a:buNone/>
+              <a:defRPr sz="1600" b="1"/>
+            </a:lvl7pPr>
+            <a:lvl8pPr marL="3200400" indent="0">
+              <a:buNone/>
+              <a:defRPr sz="1600" b="1"/>
+            </a:lvl8pPr>
+            <a:lvl9pPr marL="3657600" indent="0">
+              <a:buNone/>
+              <a:defRPr sz="1600" b="1"/>
+            </a:lvl9pPr>
+          </a:lstStyle>
+          <a:p>
+            <a:pPr lvl="0"/>
+            <a:r>
+              <a:rPr lang="es-ES"/>
+              <a:t>Haga clic para modificar los estilos de texto del patrón</a:t>
+            </a:r>
+          </a:p>
+        </p:txBody>
+      </p:sp>
+      <p:sp>
+        <p:nvSpPr>
+          <p:cNvPr id="23" name="Picture Placeholder 2"/>
+          <p:cNvSpPr>
+            <a:spLocks noGrp="1" noChangeAspect="1"/>
+          </p:cNvSpPr>
+          <p:nvPr>
+            <p:ph type="pic" idx="21"/>
+          </p:nvPr>
+        </p:nvSpPr>
+        <p:spPr>
+          <a:xfrm>
+            <a:off x="4545743" y="1939094"/>
+            <a:ext cx="3092368" cy="1608164"/>
+          </a:xfrm>
+          <a:prstGeom prst="roundRect">
+            <a:avLst>
+              <a:gd name="adj" fmla="val 1858"/>
+            </a:avLst>
+          </a:prstGeom>
+          <a:effectLst>
+            <a:outerShdw blurRad="38100" dist="25400" dir="4440000">
+              <a:srgbClr val="000000">
+                <a:alpha val="36000"/>
+              </a:srgbClr>
+            </a:outerShdw>
+          </a:effectLst>
+        </p:spPr>
+        <p:txBody>
+          <a:bodyPr anchor="t">
+            <a:normAutofit/>
+          </a:bodyPr>
+          <a:lstStyle>
+            <a:lvl1pPr marL="0" indent="0" algn="ctr">
+              <a:buNone/>
+              <a:defRPr sz="1600"/>
+            </a:lvl1pPr>
+            <a:lvl2pPr marL="457200" indent="0">
+              <a:buNone/>
+              <a:defRPr sz="1600"/>
+            </a:lvl2pPr>
+            <a:lvl3pPr marL="914400" indent="0">
+              <a:buNone/>
+              <a:defRPr sz="1600"/>
+            </a:lvl3pPr>
+            <a:lvl4pPr marL="1371600" indent="0">
+              <a:buNone/>
+              <a:defRPr sz="1600"/>
+            </a:lvl4pPr>
+            <a:lvl5pPr marL="1828800" indent="0">
+              <a:buNone/>
+              <a:defRPr sz="1600"/>
+            </a:lvl5pPr>
+            <a:lvl6pPr marL="2286000" indent="0">
+              <a:buNone/>
+              <a:defRPr sz="1600"/>
+            </a:lvl6pPr>
+            <a:lvl7pPr marL="2743200" indent="0">
+              <a:buNone/>
+              <a:defRPr sz="1600"/>
+            </a:lvl7pPr>
+            <a:lvl8pPr marL="3200400" indent="0">
+              <a:buNone/>
+              <a:defRPr sz="1600"/>
+            </a:lvl8pPr>
+            <a:lvl9pPr marL="3657600" indent="0">
+              <a:buNone/>
+              <a:defRPr sz="1600"/>
+            </a:lvl9pPr>
+          </a:lstStyle>
+          <a:p>
+            <a:r>
+              <a:rPr lang="es-ES"/>
+              <a:t>Haga clic en el icono para agregar una imagen</a:t>
+            </a:r>
+            <a:endParaRPr lang="en-US" dirty="0"/>
+          </a:p>
+        </p:txBody>
+      </p:sp>
+      <p:sp>
+        <p:nvSpPr>
+          <p:cNvPr id="24" name="Text Placeholder 3"/>
+          <p:cNvSpPr>
+            <a:spLocks noGrp="1"/>
+          </p:cNvSpPr>
+          <p:nvPr>
+            <p:ph type="body" sz="half" idx="19"/>
+          </p:nvPr>
+        </p:nvSpPr>
+        <p:spPr>
+          <a:xfrm>
+            <a:off x="4441435" y="4480367"/>
+            <a:ext cx="3300984" cy="1310833"/>
+          </a:xfrm>
+        </p:spPr>
+        <p:txBody>
+          <a:bodyPr anchor="t">
+            <a:normAutofit/>
+          </a:bodyPr>
+          <a:lstStyle>
+            <a:lvl1pPr marL="0" indent="0" algn="ctr">
+              <a:buNone/>
+              <a:defRPr sz="1400"/>
+            </a:lvl1pPr>
+            <a:lvl2pPr marL="457200" indent="0">
+              <a:buNone/>
+              <a:defRPr sz="1200"/>
+            </a:lvl2pPr>
+            <a:lvl3pPr marL="914400" indent="0">
+              <a:buNone/>
+              <a:defRPr sz="1000"/>
+            </a:lvl3pPr>
+            <a:lvl4pPr marL="1371600" indent="0">
+              <a:buNone/>
+              <a:defRPr sz="900"/>
+            </a:lvl4pPr>
+            <a:lvl5pPr marL="1828800" indent="0">
+              <a:buNone/>
+              <a:defRPr sz="900"/>
+            </a:lvl5pPr>
+            <a:lvl6pPr marL="2286000" indent="0">
+              <a:buNone/>
+              <a:defRPr sz="900"/>
+            </a:lvl6pPr>
+            <a:lvl7pPr marL="2743200" indent="0">
+              <a:buNone/>
+              <a:defRPr sz="900"/>
+            </a:lvl7pPr>
+            <a:lvl8pPr marL="3200400" indent="0">
+              <a:buNone/>
+              <a:defRPr sz="900"/>
+            </a:lvl8pPr>
+            <a:lvl9pPr marL="3657600" indent="0">
+              <a:buNone/>
+              <a:defRPr sz="900"/>
+            </a:lvl9pPr>
+          </a:lstStyle>
+          <a:p>
+            <a:pPr lvl="0"/>
+            <a:r>
+              <a:rPr lang="es-ES"/>
+              <a:t>Haga clic para modificar los estilos de texto del patrón</a:t>
+            </a:r>
+          </a:p>
+        </p:txBody>
+      </p:sp>
+      <p:sp>
+        <p:nvSpPr>
+          <p:cNvPr id="25" name="Text Placeholder 4"/>
+          <p:cNvSpPr>
+            <a:spLocks noGrp="1"/>
+          </p:cNvSpPr>
+          <p:nvPr>
+            <p:ph type="body" sz="quarter" idx="13"/>
+          </p:nvPr>
+        </p:nvSpPr>
+        <p:spPr>
+          <a:xfrm>
+            <a:off x="7966697" y="3904106"/>
+            <a:ext cx="3300984" cy="576262"/>
+          </a:xfrm>
+        </p:spPr>
+        <p:txBody>
+          <a:bodyPr anchor="b">
+            <a:noAutofit/>
+          </a:bodyPr>
+          <a:lstStyle>
+            <a:lvl1pPr marL="0" indent="0" algn="ctr">
+              <a:buNone/>
+              <a:defRPr sz="2000" b="0">
+                <a:solidFill>
+                  <a:schemeClr val="tx1"/>
+                </a:solidFill>
+              </a:defRPr>
+            </a:lvl1pPr>
+            <a:lvl2pPr marL="457200" indent="0">
+              <a:buNone/>
+              <a:defRPr sz="2000" b="1"/>
+            </a:lvl2pPr>
+            <a:lvl3pPr marL="914400" indent="0">
+              <a:buNone/>
+              <a:defRPr sz="1800" b="1"/>
+            </a:lvl3pPr>
+            <a:lvl4pPr marL="1371600" indent="0">
+              <a:buNone/>
+              <a:defRPr sz="1600" b="1"/>
+            </a:lvl4pPr>
+            <a:lvl5pPr marL="1828800" indent="0">
+              <a:buNone/>
+              <a:defRPr sz="1600" b="1"/>
+            </a:lvl5pPr>
+            <a:lvl6pPr marL="2286000" indent="0">
+              <a:buNone/>
+              <a:defRPr sz="1600" b="1"/>
+            </a:lvl6pPr>
+            <a:lvl7pPr marL="2743200" indent="0">
+              <a:buNone/>
+              <a:defRPr sz="1600" b="1"/>
+            </a:lvl7pPr>
+            <a:lvl8pPr marL="3200400" indent="0">
+              <a:buNone/>
+              <a:defRPr sz="1600" b="1"/>
+            </a:lvl8pPr>
+            <a:lvl9pPr marL="3657600" indent="0">
+              <a:buNone/>
+              <a:defRPr sz="1600" b="1"/>
+            </a:lvl9pPr>
+          </a:lstStyle>
+          <a:p>
+            <a:pPr lvl="0"/>
+            <a:r>
+              <a:rPr lang="es-ES"/>
+              <a:t>Haga clic para modificar los estilos de texto del patrón</a:t>
+            </a:r>
+          </a:p>
+        </p:txBody>
+      </p:sp>
+      <p:sp>
+        <p:nvSpPr>
+          <p:cNvPr id="26" name="Picture Placeholder 2"/>
+          <p:cNvSpPr>
+            <a:spLocks noGrp="1" noChangeAspect="1"/>
+          </p:cNvSpPr>
+          <p:nvPr>
+            <p:ph type="pic" idx="22"/>
+          </p:nvPr>
+        </p:nvSpPr>
+        <p:spPr>
+          <a:xfrm>
+            <a:off x="8075698" y="1934432"/>
+            <a:ext cx="3092368" cy="1607294"/>
+          </a:xfrm>
+          <a:prstGeom prst="roundRect">
+            <a:avLst>
+              <a:gd name="adj" fmla="val 1858"/>
+            </a:avLst>
+          </a:prstGeom>
+          <a:effectLst>
+            <a:outerShdw blurRad="38100" dist="25400" dir="4440000">
+              <a:srgbClr val="000000">
+                <a:alpha val="36000"/>
+              </a:srgbClr>
+            </a:outerShdw>
+          </a:effectLst>
+        </p:spPr>
+        <p:txBody>
+          <a:bodyPr anchor="t">
+            <a:normAutofit/>
+          </a:bodyPr>
+          <a:lstStyle>
+            <a:lvl1pPr marL="0" indent="0" algn="ctr">
+              <a:buNone/>
+              <a:defRPr sz="1600"/>
+            </a:lvl1pPr>
+            <a:lvl2pPr marL="457200" indent="0">
+              <a:buNone/>
+              <a:defRPr sz="1600"/>
+            </a:lvl2pPr>
+            <a:lvl3pPr marL="914400" indent="0">
+              <a:buNone/>
+              <a:defRPr sz="1600"/>
+            </a:lvl3pPr>
+            <a:lvl4pPr marL="1371600" indent="0">
+              <a:buNone/>
+              <a:defRPr sz="1600"/>
+            </a:lvl4pPr>
+            <a:lvl5pPr marL="1828800" indent="0">
+              <a:buNone/>
+              <a:defRPr sz="1600"/>
+            </a:lvl5pPr>
+            <a:lvl6pPr marL="2286000" indent="0">
+              <a:buNone/>
+              <a:defRPr sz="1600"/>
+            </a:lvl6pPr>
+            <a:lvl7pPr marL="2743200" indent="0">
+              <a:buNone/>
+              <a:defRPr sz="1600"/>
+            </a:lvl7pPr>
+            <a:lvl8pPr marL="3200400" indent="0">
+              <a:buNone/>
+              <a:defRPr sz="1600"/>
+            </a:lvl8pPr>
+            <a:lvl9pPr marL="3657600" indent="0">
+              <a:buNone/>
+              <a:defRPr sz="1600"/>
+            </a:lvl9pPr>
+          </a:lstStyle>
+          <a:p>
+            <a:r>
+              <a:rPr lang="es-ES"/>
+              <a:t>Haga clic en el icono para agregar una imagen</a:t>
+            </a:r>
+            <a:endParaRPr lang="en-US" dirty="0"/>
+          </a:p>
+        </p:txBody>
+      </p:sp>
+      <p:sp>
+        <p:nvSpPr>
+          <p:cNvPr id="27" name="Text Placeholder 3"/>
+          <p:cNvSpPr>
+            <a:spLocks noGrp="1"/>
+          </p:cNvSpPr>
+          <p:nvPr>
+            <p:ph type="body" sz="half" idx="20"/>
+          </p:nvPr>
+        </p:nvSpPr>
+        <p:spPr>
+          <a:xfrm>
+            <a:off x="7966572" y="4480365"/>
+            <a:ext cx="3300984" cy="1310835"/>
+          </a:xfrm>
+        </p:spPr>
+        <p:txBody>
+          <a:bodyPr anchor="t">
+            <a:normAutofit/>
+          </a:bodyPr>
+          <a:lstStyle>
+            <a:lvl1pPr marL="0" indent="0" algn="ctr">
+              <a:buNone/>
+              <a:defRPr sz="1400"/>
+            </a:lvl1pPr>
+            <a:lvl2pPr marL="457200" indent="0">
+              <a:buNone/>
+              <a:defRPr sz="1200"/>
+            </a:lvl2pPr>
+            <a:lvl3pPr marL="914400" indent="0">
+              <a:buNone/>
+              <a:defRPr sz="1000"/>
+            </a:lvl3pPr>
+            <a:lvl4pPr marL="1371600" indent="0">
+              <a:buNone/>
+              <a:defRPr sz="900"/>
+            </a:lvl4pPr>
+            <a:lvl5pPr marL="1828800" indent="0">
+              <a:buNone/>
+              <a:defRPr sz="900"/>
+            </a:lvl5pPr>
+            <a:lvl6pPr marL="2286000" indent="0">
+              <a:buNone/>
+              <a:defRPr sz="900"/>
+            </a:lvl6pPr>
+            <a:lvl7pPr marL="2743200" indent="0">
+              <a:buNone/>
+              <a:defRPr sz="900"/>
+            </a:lvl7pPr>
+            <a:lvl8pPr marL="3200400" indent="0">
+              <a:buNone/>
+              <a:defRPr sz="900"/>
+            </a:lvl8pPr>
+            <a:lvl9pPr marL="3657600" indent="0">
+              <a:buNone/>
+              <a:defRPr sz="900"/>
+            </a:lvl9pPr>
+          </a:lstStyle>
+          <a:p>
+            <a:pPr lvl="0"/>
+            <a:r>
+              <a:rPr lang="es-ES"/>
+              <a:t>Haga clic para modificar los estilos de texto del patrón</a:t>
+            </a:r>
+          </a:p>
+        </p:txBody>
+      </p:sp>
+      <p:sp>
+        <p:nvSpPr>
+          <p:cNvPr id="3" name="Date Placeholder 2"/>
+          <p:cNvSpPr>
+            <a:spLocks noGrp="1"/>
+          </p:cNvSpPr>
+          <p:nvPr>
+            <p:ph type="dt" sz="half" idx="10"/>
+          </p:nvPr>
+        </p:nvSpPr>
+        <p:spPr/>
+        <p:txBody>
+          <a:bodyPr/>
+          <a:lstStyle/>
+          <a:p>
+            <a:fld id="{C1D014D3-D327-46BA-BD00-216ACB05624C}" type="datetimeFigureOut">
+              <a:rPr lang="es-ES" smtClean="0"/>
+              <a:t>13/12/2024</a:t>
+            </a:fld>
+            <a:endParaRPr lang="es-ES"/>
+          </a:p>
+        </p:txBody>
+      </p:sp>
+      <p:sp>
+        <p:nvSpPr>
+          <p:cNvPr id="4" name="Footer Placeholder 3"/>
+          <p:cNvSpPr>
+            <a:spLocks noGrp="1"/>
+          </p:cNvSpPr>
+          <p:nvPr>
+            <p:ph type="ftr" sz="quarter" idx="11"/>
+          </p:nvPr>
+        </p:nvSpPr>
+        <p:spPr/>
+        <p:txBody>
+          <a:bodyPr/>
+          <a:lstStyle/>
+          <a:p>
+            <a:endParaRPr lang="es-ES"/>
+          </a:p>
+        </p:txBody>
+      </p:sp>
+      <p:sp>
+        <p:nvSpPr>
+          <p:cNvPr id="5" name="Slide Number Placeholder 4"/>
+          <p:cNvSpPr>
+            <a:spLocks noGrp="1"/>
+          </p:cNvSpPr>
+          <p:nvPr>
+            <p:ph type="sldNum" sz="quarter" idx="12"/>
+          </p:nvPr>
+        </p:nvSpPr>
+        <p:spPr/>
+        <p:txBody>
+          <a:bodyPr/>
+          <a:lstStyle/>
+          <a:p>
+            <a:fld id="{5D301A0D-5E0A-4363-99C3-0ECD854B2AC4}" type="slidenum">
+              <a:rPr lang="es-ES" smtClean="0"/>
+              <a:t>‹Nº›</a:t>
+            </a:fld>
+            <a:endParaRPr lang="es-ES"/>
+          </a:p>
+        </p:txBody>
+      </p:sp>
+    </p:spTree>
+    <p:extLst>
+      <p:ext uri="{BB962C8B-B14F-4D97-AF65-F5344CB8AC3E}">
+        <p14:creationId xmlns:p14="http://schemas.microsoft.com/office/powerpoint/2010/main" val="1339892524"/>
+      </p:ext>
+    </p:extLst>
+  </p:cSld>
+  <p:clrMapOvr>
+    <a:masterClrMapping/>
+  </p:clrMapOvr>
+</p:sldLayout>
+</file>
+
+<file path=ppt/slideLayouts/slideLayout16.xml><?xml version="1.0" encoding="utf-8"?>
 <p:sldLayout xmlns:a="http://schemas.openxmlformats.org/drawingml/2006/main" xmlns:r="http://schemas.openxmlformats.org/officeDocument/2006/relationships" xmlns:p="http://schemas.openxmlformats.org/presentationml/2006/main" type="vertTx" preserve="1">
   <p:cSld name="Título y texto vertical">
     <p:spTree>
@@ -350,13 +2957,7 @@
       </p:grpSpPr>
       <p:sp>
         <p:nvSpPr>
-          <p:cNvPr id="2" name="Título 1">
-            <a:extLst>
-              <a:ext uri="{FF2B5EF4-FFF2-40B4-BE49-F238E27FC236}">
-                <a16:creationId xmlns:a16="http://schemas.microsoft.com/office/drawing/2014/main" id="{5BA2ABCA-3DCC-4686-B35F-6543FAEFE504}"/>
-              </a:ext>
-            </a:extLst>
-          </p:cNvPr>
+          <p:cNvPr id="2" name="Title 1"/>
           <p:cNvSpPr>
             <a:spLocks noGrp="1"/>
           </p:cNvSpPr>
@@ -373,18 +2974,13 @@
               <a:rPr lang="es-ES"/>
               <a:t>Haga clic para modificar el estilo de título del patrón</a:t>
             </a:r>
-          </a:p>
-        </p:txBody>
-      </p:sp>
-      <p:sp>
-        <p:nvSpPr>
-          <p:cNvPr id="3" name="Marcador de texto vertical 2">
-            <a:extLst>
-              <a:ext uri="{FF2B5EF4-FFF2-40B4-BE49-F238E27FC236}">
-                <a16:creationId xmlns:a16="http://schemas.microsoft.com/office/drawing/2014/main" id="{6CF39A91-CA14-445A-80D1-E5F340250894}"/>
-              </a:ext>
-            </a:extLst>
-          </p:cNvPr>
+            <a:endParaRPr lang="en-US" dirty="0"/>
+          </a:p>
+        </p:txBody>
+      </p:sp>
+      <p:sp>
+        <p:nvSpPr>
+          <p:cNvPr id="3" name="Vertical Text Placeholder 2"/>
           <p:cNvSpPr>
             <a:spLocks noGrp="1"/>
           </p:cNvSpPr>
@@ -394,7 +2990,7 @@
         </p:nvSpPr>
         <p:spPr/>
         <p:txBody>
-          <a:bodyPr vert="eaVert"/>
+          <a:bodyPr vert="eaVert" anchor="t"/>
           <a:lstStyle/>
           <a:p>
             <a:pPr lvl="0"/>
@@ -430,18 +3026,13 @@
               <a:rPr lang="es-ES"/>
               <a:t>Quinto nivel</a:t>
             </a:r>
-          </a:p>
-        </p:txBody>
-      </p:sp>
-      <p:sp>
-        <p:nvSpPr>
-          <p:cNvPr id="4" name="Marcador de fecha 3">
-            <a:extLst>
-              <a:ext uri="{FF2B5EF4-FFF2-40B4-BE49-F238E27FC236}">
-                <a16:creationId xmlns:a16="http://schemas.microsoft.com/office/drawing/2014/main" id="{F5DABF35-CC27-428B-9BC9-DAE7B556F5BC}"/>
-              </a:ext>
-            </a:extLst>
-          </p:cNvPr>
+            <a:endParaRPr lang="en-US" dirty="0"/>
+          </a:p>
+        </p:txBody>
+      </p:sp>
+      <p:sp>
+        <p:nvSpPr>
+          <p:cNvPr id="4" name="Date Placeholder 3"/>
           <p:cNvSpPr>
             <a:spLocks noGrp="1"/>
           </p:cNvSpPr>
@@ -464,13 +3055,7 @@
       </p:sp>
       <p:sp>
         <p:nvSpPr>
-          <p:cNvPr id="5" name="Marcador de pie de página 4">
-            <a:extLst>
-              <a:ext uri="{FF2B5EF4-FFF2-40B4-BE49-F238E27FC236}">
-                <a16:creationId xmlns:a16="http://schemas.microsoft.com/office/drawing/2014/main" id="{C5758110-D171-4174-9FD3-4B5F55E74E4B}"/>
-              </a:ext>
-            </a:extLst>
-          </p:cNvPr>
+          <p:cNvPr id="5" name="Footer Placeholder 4"/>
           <p:cNvSpPr>
             <a:spLocks noGrp="1"/>
           </p:cNvSpPr>
@@ -489,13 +3074,7 @@
       </p:sp>
       <p:sp>
         <p:nvSpPr>
-          <p:cNvPr id="6" name="Marcador de número de diapositiva 5">
-            <a:extLst>
-              <a:ext uri="{FF2B5EF4-FFF2-40B4-BE49-F238E27FC236}">
-                <a16:creationId xmlns:a16="http://schemas.microsoft.com/office/drawing/2014/main" id="{7C4AC0CA-829B-41B2-A1A6-1765A598B11D}"/>
-              </a:ext>
-            </a:extLst>
-          </p:cNvPr>
+          <p:cNvPr id="6" name="Slide Number Placeholder 5"/>
           <p:cNvSpPr>
             <a:spLocks noGrp="1"/>
           </p:cNvSpPr>
@@ -519,7 +3098,7 @@
     </p:spTree>
     <p:extLst>
       <p:ext uri="{BB962C8B-B14F-4D97-AF65-F5344CB8AC3E}">
-        <p14:creationId xmlns:p14="http://schemas.microsoft.com/office/powerpoint/2010/main" val="4206058373"/>
+        <p14:creationId xmlns:p14="http://schemas.microsoft.com/office/powerpoint/2010/main" val="2623547420"/>
       </p:ext>
     </p:extLst>
   </p:cSld>
@@ -529,7 +3108,7 @@
 </p:sldLayout>
 </file>
 
-<file path=ppt/slideLayouts/slideLayout11.xml><?xml version="1.0" encoding="utf-8"?>
+<file path=ppt/slideLayouts/slideLayout17.xml><?xml version="1.0" encoding="utf-8"?>
 <p:sldLayout xmlns:a="http://schemas.openxmlformats.org/drawingml/2006/main" xmlns:r="http://schemas.openxmlformats.org/officeDocument/2006/relationships" xmlns:p="http://schemas.openxmlformats.org/presentationml/2006/main" type="vertTitleAndTx" preserve="1">
   <p:cSld name="Título vertical y texto">
     <p:spTree>
@@ -548,13 +3127,7 @@
       </p:grpSpPr>
       <p:sp>
         <p:nvSpPr>
-          <p:cNvPr id="2" name="Título vertical 1">
-            <a:extLst>
-              <a:ext uri="{FF2B5EF4-FFF2-40B4-BE49-F238E27FC236}">
-                <a16:creationId xmlns:a16="http://schemas.microsoft.com/office/drawing/2014/main" id="{66896999-8767-4075-9F2B-1B2BA88B224D}"/>
-              </a:ext>
-            </a:extLst>
-          </p:cNvPr>
+          <p:cNvPr id="2" name="Vertical Title 1"/>
           <p:cNvSpPr>
             <a:spLocks noGrp="1"/>
           </p:cNvSpPr>
@@ -564,30 +3137,29 @@
         </p:nvSpPr>
         <p:spPr>
           <a:xfrm>
-            <a:off x="8724900" y="365125"/>
-            <a:ext cx="2628900" cy="5811838"/>
+            <a:off x="8983068" y="609599"/>
+            <a:ext cx="2284487" cy="5181601"/>
           </a:xfrm>
         </p:spPr>
         <p:txBody>
           <a:bodyPr vert="eaVert"/>
-          <a:lstStyle/>
+          <a:lstStyle>
+            <a:lvl1pPr algn="l">
+              <a:defRPr/>
+            </a:lvl1pPr>
+          </a:lstStyle>
           <a:p>
             <a:r>
               <a:rPr lang="es-ES"/>
               <a:t>Haga clic para modificar el estilo de título del patrón</a:t>
             </a:r>
-          </a:p>
-        </p:txBody>
-      </p:sp>
-      <p:sp>
-        <p:nvSpPr>
-          <p:cNvPr id="3" name="Marcador de texto vertical 2">
-            <a:extLst>
-              <a:ext uri="{FF2B5EF4-FFF2-40B4-BE49-F238E27FC236}">
-                <a16:creationId xmlns:a16="http://schemas.microsoft.com/office/drawing/2014/main" id="{EC39E190-4EE6-4312-A387-B500229E109A}"/>
-              </a:ext>
-            </a:extLst>
-          </p:cNvPr>
+            <a:endParaRPr lang="en-US" dirty="0"/>
+          </a:p>
+        </p:txBody>
+      </p:sp>
+      <p:sp>
+        <p:nvSpPr>
+          <p:cNvPr id="3" name="Vertical Text Placeholder 2"/>
           <p:cNvSpPr>
             <a:spLocks noGrp="1"/>
           </p:cNvSpPr>
@@ -597,12 +3169,12 @@
         </p:nvSpPr>
         <p:spPr>
           <a:xfrm>
-            <a:off x="838200" y="365125"/>
-            <a:ext cx="7734300" cy="5811838"/>
-          </a:xfrm>
-        </p:spPr>
-        <p:txBody>
-          <a:bodyPr vert="eaVert"/>
+            <a:off x="913796" y="609599"/>
+            <a:ext cx="7916872" cy="5181601"/>
+          </a:xfrm>
+        </p:spPr>
+        <p:txBody>
+          <a:bodyPr vert="eaVert" anchor="t"/>
           <a:lstStyle/>
           <a:p>
             <a:pPr lvl="0"/>
@@ -638,18 +3210,13 @@
               <a:rPr lang="es-ES"/>
               <a:t>Quinto nivel</a:t>
             </a:r>
-          </a:p>
-        </p:txBody>
-      </p:sp>
-      <p:sp>
-        <p:nvSpPr>
-          <p:cNvPr id="4" name="Marcador de fecha 3">
-            <a:extLst>
-              <a:ext uri="{FF2B5EF4-FFF2-40B4-BE49-F238E27FC236}">
-                <a16:creationId xmlns:a16="http://schemas.microsoft.com/office/drawing/2014/main" id="{1D6BBA71-834B-4204-A550-4BA86EF4620A}"/>
-              </a:ext>
-            </a:extLst>
-          </p:cNvPr>
+            <a:endParaRPr lang="en-US" dirty="0"/>
+          </a:p>
+        </p:txBody>
+      </p:sp>
+      <p:sp>
+        <p:nvSpPr>
+          <p:cNvPr id="4" name="Date Placeholder 3"/>
           <p:cNvSpPr>
             <a:spLocks noGrp="1"/>
           </p:cNvSpPr>
@@ -672,13 +3239,7 @@
       </p:sp>
       <p:sp>
         <p:nvSpPr>
-          <p:cNvPr id="5" name="Marcador de pie de página 4">
-            <a:extLst>
-              <a:ext uri="{FF2B5EF4-FFF2-40B4-BE49-F238E27FC236}">
-                <a16:creationId xmlns:a16="http://schemas.microsoft.com/office/drawing/2014/main" id="{5D7438D2-850D-424C-96D3-4BA49B4A6122}"/>
-              </a:ext>
-            </a:extLst>
-          </p:cNvPr>
+          <p:cNvPr id="5" name="Footer Placeholder 4"/>
           <p:cNvSpPr>
             <a:spLocks noGrp="1"/>
           </p:cNvSpPr>
@@ -697,13 +3258,7 @@
       </p:sp>
       <p:sp>
         <p:nvSpPr>
-          <p:cNvPr id="6" name="Marcador de número de diapositiva 5">
-            <a:extLst>
-              <a:ext uri="{FF2B5EF4-FFF2-40B4-BE49-F238E27FC236}">
-                <a16:creationId xmlns:a16="http://schemas.microsoft.com/office/drawing/2014/main" id="{9DD3D916-1160-4B44-9C45-C5A767A8E4F5}"/>
-              </a:ext>
-            </a:extLst>
-          </p:cNvPr>
+          <p:cNvPr id="6" name="Slide Number Placeholder 5"/>
           <p:cNvSpPr>
             <a:spLocks noGrp="1"/>
           </p:cNvSpPr>
@@ -727,7 +3282,7 @@
     </p:spTree>
     <p:extLst>
       <p:ext uri="{BB962C8B-B14F-4D97-AF65-F5344CB8AC3E}">
-        <p14:creationId xmlns:p14="http://schemas.microsoft.com/office/powerpoint/2010/main" val="1124704871"/>
+        <p14:creationId xmlns:p14="http://schemas.microsoft.com/office/powerpoint/2010/main" val="1910347536"/>
       </p:ext>
     </p:extLst>
   </p:cSld>
@@ -756,13 +3311,7 @@
       </p:grpSpPr>
       <p:sp>
         <p:nvSpPr>
-          <p:cNvPr id="2" name="Título 1">
-            <a:extLst>
-              <a:ext uri="{FF2B5EF4-FFF2-40B4-BE49-F238E27FC236}">
-                <a16:creationId xmlns:a16="http://schemas.microsoft.com/office/drawing/2014/main" id="{7A97F148-CCA5-476C-AF67-D9F813EB3746}"/>
-              </a:ext>
-            </a:extLst>
-          </p:cNvPr>
+          <p:cNvPr id="2" name="Title 1"/>
           <p:cNvSpPr>
             <a:spLocks noGrp="1"/>
           </p:cNvSpPr>
@@ -779,18 +3328,13 @@
               <a:rPr lang="es-ES"/>
               <a:t>Haga clic para modificar el estilo de título del patrón</a:t>
             </a:r>
-          </a:p>
-        </p:txBody>
-      </p:sp>
-      <p:sp>
-        <p:nvSpPr>
-          <p:cNvPr id="3" name="Marcador de contenido 2">
-            <a:extLst>
-              <a:ext uri="{FF2B5EF4-FFF2-40B4-BE49-F238E27FC236}">
-                <a16:creationId xmlns:a16="http://schemas.microsoft.com/office/drawing/2014/main" id="{AE43EB69-3685-4F2E-ACB8-E2129EC0CC67}"/>
-              </a:ext>
-            </a:extLst>
-          </p:cNvPr>
+            <a:endParaRPr lang="en-US" dirty="0"/>
+          </a:p>
+        </p:txBody>
+      </p:sp>
+      <p:sp>
+        <p:nvSpPr>
+          <p:cNvPr id="3" name="Content Placeholder 2"/>
           <p:cNvSpPr>
             <a:spLocks noGrp="1"/>
           </p:cNvSpPr>
@@ -836,18 +3380,13 @@
               <a:rPr lang="es-ES"/>
               <a:t>Quinto nivel</a:t>
             </a:r>
-          </a:p>
-        </p:txBody>
-      </p:sp>
-      <p:sp>
-        <p:nvSpPr>
-          <p:cNvPr id="4" name="Marcador de fecha 3">
-            <a:extLst>
-              <a:ext uri="{FF2B5EF4-FFF2-40B4-BE49-F238E27FC236}">
-                <a16:creationId xmlns:a16="http://schemas.microsoft.com/office/drawing/2014/main" id="{BDC0AC9F-D768-49EA-8FB6-DA8C199E2B6C}"/>
-              </a:ext>
-            </a:extLst>
-          </p:cNvPr>
+            <a:endParaRPr lang="en-US" dirty="0"/>
+          </a:p>
+        </p:txBody>
+      </p:sp>
+      <p:sp>
+        <p:nvSpPr>
+          <p:cNvPr id="4" name="Date Placeholder 3"/>
           <p:cNvSpPr>
             <a:spLocks noGrp="1"/>
           </p:cNvSpPr>
@@ -870,13 +3409,7 @@
       </p:sp>
       <p:sp>
         <p:nvSpPr>
-          <p:cNvPr id="5" name="Marcador de pie de página 4">
-            <a:extLst>
-              <a:ext uri="{FF2B5EF4-FFF2-40B4-BE49-F238E27FC236}">
-                <a16:creationId xmlns:a16="http://schemas.microsoft.com/office/drawing/2014/main" id="{26F0C9FF-74CE-4CE6-BDE2-AB3FC19EF09F}"/>
-              </a:ext>
-            </a:extLst>
-          </p:cNvPr>
+          <p:cNvPr id="5" name="Footer Placeholder 4"/>
           <p:cNvSpPr>
             <a:spLocks noGrp="1"/>
           </p:cNvSpPr>
@@ -895,13 +3428,7 @@
       </p:sp>
       <p:sp>
         <p:nvSpPr>
-          <p:cNvPr id="6" name="Marcador de número de diapositiva 5">
-            <a:extLst>
-              <a:ext uri="{FF2B5EF4-FFF2-40B4-BE49-F238E27FC236}">
-                <a16:creationId xmlns:a16="http://schemas.microsoft.com/office/drawing/2014/main" id="{650B7FA1-7FE8-4B0E-8F0A-A8C3EDFCFBB6}"/>
-              </a:ext>
-            </a:extLst>
-          </p:cNvPr>
+          <p:cNvPr id="6" name="Slide Number Placeholder 5"/>
           <p:cNvSpPr>
             <a:spLocks noGrp="1"/>
           </p:cNvSpPr>
@@ -925,7 +3452,7 @@
     </p:spTree>
     <p:extLst>
       <p:ext uri="{BB962C8B-B14F-4D97-AF65-F5344CB8AC3E}">
-        <p14:creationId xmlns:p14="http://schemas.microsoft.com/office/powerpoint/2010/main" val="3917553177"/>
+        <p14:creationId xmlns:p14="http://schemas.microsoft.com/office/powerpoint/2010/main" val="1916250245"/>
       </p:ext>
     </p:extLst>
   </p:cSld>
@@ -954,13 +3481,7 @@
       </p:grpSpPr>
       <p:sp>
         <p:nvSpPr>
-          <p:cNvPr id="2" name="Título 1">
-            <a:extLst>
-              <a:ext uri="{FF2B5EF4-FFF2-40B4-BE49-F238E27FC236}">
-                <a16:creationId xmlns:a16="http://schemas.microsoft.com/office/drawing/2014/main" id="{08FB6FE8-3BEF-45BF-99F3-4C1083FBDE85}"/>
-              </a:ext>
-            </a:extLst>
-          </p:cNvPr>
+          <p:cNvPr id="2" name="Title 1"/>
           <p:cNvSpPr>
             <a:spLocks noGrp="1"/>
           </p:cNvSpPr>
@@ -970,15 +3491,15 @@
         </p:nvSpPr>
         <p:spPr>
           <a:xfrm>
-            <a:off x="831850" y="1709738"/>
-            <a:ext cx="10515600" cy="2852737"/>
+            <a:off x="1295401" y="1761067"/>
+            <a:ext cx="9590550" cy="1828813"/>
           </a:xfrm>
         </p:spPr>
         <p:txBody>
           <a:bodyPr anchor="b"/>
           <a:lstStyle>
-            <a:lvl1pPr>
-              <a:defRPr sz="6000"/>
+            <a:lvl1pPr algn="ctr">
+              <a:defRPr sz="4000" b="0" cap="none"/>
             </a:lvl1pPr>
           </a:lstStyle>
           <a:p>
@@ -986,18 +3507,13 @@
               <a:rPr lang="es-ES"/>
               <a:t>Haga clic para modificar el estilo de título del patrón</a:t>
             </a:r>
-          </a:p>
-        </p:txBody>
-      </p:sp>
-      <p:sp>
-        <p:nvSpPr>
-          <p:cNvPr id="3" name="Marcador de texto 2">
-            <a:extLst>
-              <a:ext uri="{FF2B5EF4-FFF2-40B4-BE49-F238E27FC236}">
-                <a16:creationId xmlns:a16="http://schemas.microsoft.com/office/drawing/2014/main" id="{AC526267-BE23-4026-9750-ECF2C0753C61}"/>
-              </a:ext>
-            </a:extLst>
-          </p:cNvPr>
+            <a:endParaRPr lang="en-US" dirty="0"/>
+          </a:p>
+        </p:txBody>
+      </p:sp>
+      <p:sp>
+        <p:nvSpPr>
+          <p:cNvPr id="3" name="Text Placeholder 2"/>
           <p:cNvSpPr>
             <a:spLocks noGrp="1"/>
           </p:cNvSpPr>
@@ -1007,26 +3523,24 @@
         </p:nvSpPr>
         <p:spPr>
           <a:xfrm>
-            <a:off x="831850" y="4589463"/>
-            <a:ext cx="10515600" cy="1500187"/>
-          </a:xfrm>
-        </p:spPr>
-        <p:txBody>
-          <a:bodyPr/>
+            <a:off x="1295401" y="3589879"/>
+            <a:ext cx="9590550" cy="1507054"/>
+          </a:xfrm>
+        </p:spPr>
+        <p:txBody>
+          <a:bodyPr anchor="t"/>
           <a:lstStyle>
-            <a:lvl1pPr marL="0" indent="0">
-              <a:buNone/>
-              <a:defRPr sz="2400">
+            <a:lvl1pPr marL="0" indent="0" algn="ctr">
+              <a:buNone/>
+              <a:defRPr sz="2000">
                 <a:solidFill>
-                  <a:schemeClr val="tx1">
-                    <a:tint val="75000"/>
-                  </a:schemeClr>
+                  <a:schemeClr val="tx1"/>
                 </a:solidFill>
               </a:defRPr>
             </a:lvl1pPr>
             <a:lvl2pPr marL="457200" indent="0">
               <a:buNone/>
-              <a:defRPr sz="2000">
+              <a:defRPr sz="1800">
                 <a:solidFill>
                   <a:schemeClr val="tx1">
                     <a:tint val="75000"/>
@@ -1036,7 +3550,7 @@
             </a:lvl2pPr>
             <a:lvl3pPr marL="914400" indent="0">
               <a:buNone/>
-              <a:defRPr sz="1800">
+              <a:defRPr sz="1600">
                 <a:solidFill>
                   <a:schemeClr val="tx1">
                     <a:tint val="75000"/>
@@ -1046,7 +3560,7 @@
             </a:lvl3pPr>
             <a:lvl4pPr marL="1371600" indent="0">
               <a:buNone/>
-              <a:defRPr sz="1600">
+              <a:defRPr sz="1400">
                 <a:solidFill>
                   <a:schemeClr val="tx1">
                     <a:tint val="75000"/>
@@ -1056,7 +3570,7 @@
             </a:lvl4pPr>
             <a:lvl5pPr marL="1828800" indent="0">
               <a:buNone/>
-              <a:defRPr sz="1600">
+              <a:defRPr sz="1400">
                 <a:solidFill>
                   <a:schemeClr val="tx1">
                     <a:tint val="75000"/>
@@ -1066,7 +3580,7 @@
             </a:lvl5pPr>
             <a:lvl6pPr marL="2286000" indent="0">
               <a:buNone/>
-              <a:defRPr sz="1600">
+              <a:defRPr sz="1400">
                 <a:solidFill>
                   <a:schemeClr val="tx1">
                     <a:tint val="75000"/>
@@ -1076,7 +3590,7 @@
             </a:lvl6pPr>
             <a:lvl7pPr marL="2743200" indent="0">
               <a:buNone/>
-              <a:defRPr sz="1600">
+              <a:defRPr sz="1400">
                 <a:solidFill>
                   <a:schemeClr val="tx1">
                     <a:tint val="75000"/>
@@ -1086,7 +3600,7 @@
             </a:lvl7pPr>
             <a:lvl8pPr marL="3200400" indent="0">
               <a:buNone/>
-              <a:defRPr sz="1600">
+              <a:defRPr sz="1400">
                 <a:solidFill>
                   <a:schemeClr val="tx1">
                     <a:tint val="75000"/>
@@ -1096,7 +3610,7 @@
             </a:lvl8pPr>
             <a:lvl9pPr marL="3657600" indent="0">
               <a:buNone/>
-              <a:defRPr sz="1600">
+              <a:defRPr sz="1400">
                 <a:solidFill>
                   <a:schemeClr val="tx1">
                     <a:tint val="75000"/>
@@ -1116,13 +3630,7 @@
       </p:sp>
       <p:sp>
         <p:nvSpPr>
-          <p:cNvPr id="4" name="Marcador de fecha 3">
-            <a:extLst>
-              <a:ext uri="{FF2B5EF4-FFF2-40B4-BE49-F238E27FC236}">
-                <a16:creationId xmlns:a16="http://schemas.microsoft.com/office/drawing/2014/main" id="{C800B2CC-8FC7-4ABB-BBE9-45CB0CCFFDB0}"/>
-              </a:ext>
-            </a:extLst>
-          </p:cNvPr>
+          <p:cNvPr id="4" name="Date Placeholder 3"/>
           <p:cNvSpPr>
             <a:spLocks noGrp="1"/>
           </p:cNvSpPr>
@@ -1145,13 +3653,7 @@
       </p:sp>
       <p:sp>
         <p:nvSpPr>
-          <p:cNvPr id="5" name="Marcador de pie de página 4">
-            <a:extLst>
-              <a:ext uri="{FF2B5EF4-FFF2-40B4-BE49-F238E27FC236}">
-                <a16:creationId xmlns:a16="http://schemas.microsoft.com/office/drawing/2014/main" id="{F7C96C20-518A-405E-9167-1F92EFBD2052}"/>
-              </a:ext>
-            </a:extLst>
-          </p:cNvPr>
+          <p:cNvPr id="5" name="Footer Placeholder 4"/>
           <p:cNvSpPr>
             <a:spLocks noGrp="1"/>
           </p:cNvSpPr>
@@ -1170,13 +3672,7 @@
       </p:sp>
       <p:sp>
         <p:nvSpPr>
-          <p:cNvPr id="6" name="Marcador de número de diapositiva 5">
-            <a:extLst>
-              <a:ext uri="{FF2B5EF4-FFF2-40B4-BE49-F238E27FC236}">
-                <a16:creationId xmlns:a16="http://schemas.microsoft.com/office/drawing/2014/main" id="{6E9FB236-5077-467A-8B6A-3D5E70CA2F82}"/>
-              </a:ext>
-            </a:extLst>
-          </p:cNvPr>
+          <p:cNvPr id="6" name="Slide Number Placeholder 5"/>
           <p:cNvSpPr>
             <a:spLocks noGrp="1"/>
           </p:cNvSpPr>
@@ -1200,7 +3696,7 @@
     </p:spTree>
     <p:extLst>
       <p:ext uri="{BB962C8B-B14F-4D97-AF65-F5344CB8AC3E}">
-        <p14:creationId xmlns:p14="http://schemas.microsoft.com/office/powerpoint/2010/main" val="2154233073"/>
+        <p14:creationId xmlns:p14="http://schemas.microsoft.com/office/powerpoint/2010/main" val="975494774"/>
       </p:ext>
     </p:extLst>
   </p:cSld>
@@ -1229,13 +3725,7 @@
       </p:grpSpPr>
       <p:sp>
         <p:nvSpPr>
-          <p:cNvPr id="2" name="Título 1">
-            <a:extLst>
-              <a:ext uri="{FF2B5EF4-FFF2-40B4-BE49-F238E27FC236}">
-                <a16:creationId xmlns:a16="http://schemas.microsoft.com/office/drawing/2014/main" id="{1E6B6F6B-7DF6-4AAF-950A-8AD26C4E6447}"/>
-              </a:ext>
-            </a:extLst>
-          </p:cNvPr>
+          <p:cNvPr id="2" name="Title 1"/>
           <p:cNvSpPr>
             <a:spLocks noGrp="1"/>
           </p:cNvSpPr>
@@ -1252,18 +3742,13 @@
               <a:rPr lang="es-ES"/>
               <a:t>Haga clic para modificar el estilo de título del patrón</a:t>
             </a:r>
-          </a:p>
-        </p:txBody>
-      </p:sp>
-      <p:sp>
-        <p:nvSpPr>
-          <p:cNvPr id="3" name="Marcador de contenido 2">
-            <a:extLst>
-              <a:ext uri="{FF2B5EF4-FFF2-40B4-BE49-F238E27FC236}">
-                <a16:creationId xmlns:a16="http://schemas.microsoft.com/office/drawing/2014/main" id="{6AACE0FF-0AB1-4A4C-B24F-56BDB048AFA1}"/>
-              </a:ext>
-            </a:extLst>
-          </p:cNvPr>
+            <a:endParaRPr lang="en-US" dirty="0"/>
+          </a:p>
+        </p:txBody>
+      </p:sp>
+      <p:sp>
+        <p:nvSpPr>
+          <p:cNvPr id="3" name="Content Placeholder 2"/>
           <p:cNvSpPr>
             <a:spLocks noGrp="1"/>
           </p:cNvSpPr>
@@ -1273,12 +3758,14 @@
         </p:nvSpPr>
         <p:spPr>
           <a:xfrm>
-            <a:off x="838200" y="1825625"/>
-            <a:ext cx="5181600" cy="4351338"/>
-          </a:xfrm>
-        </p:spPr>
-        <p:txBody>
-          <a:bodyPr/>
+            <a:off x="913795" y="1732449"/>
+            <a:ext cx="5060497" cy="4058750"/>
+          </a:xfrm>
+        </p:spPr>
+        <p:txBody>
+          <a:bodyPr anchor="t">
+            <a:normAutofit/>
+          </a:bodyPr>
           <a:lstStyle/>
           <a:p>
             <a:pPr lvl="0"/>
@@ -1314,18 +3801,13 @@
               <a:rPr lang="es-ES"/>
               <a:t>Quinto nivel</a:t>
             </a:r>
-          </a:p>
-        </p:txBody>
-      </p:sp>
-      <p:sp>
-        <p:nvSpPr>
-          <p:cNvPr id="4" name="Marcador de contenido 3">
-            <a:extLst>
-              <a:ext uri="{FF2B5EF4-FFF2-40B4-BE49-F238E27FC236}">
-                <a16:creationId xmlns:a16="http://schemas.microsoft.com/office/drawing/2014/main" id="{F2726837-4511-4534-ACA7-73B10DF64D4F}"/>
-              </a:ext>
-            </a:extLst>
-          </p:cNvPr>
+            <a:endParaRPr lang="en-US" dirty="0"/>
+          </a:p>
+        </p:txBody>
+      </p:sp>
+      <p:sp>
+        <p:nvSpPr>
+          <p:cNvPr id="4" name="Content Placeholder 3"/>
           <p:cNvSpPr>
             <a:spLocks noGrp="1"/>
           </p:cNvSpPr>
@@ -1335,12 +3817,14 @@
         </p:nvSpPr>
         <p:spPr>
           <a:xfrm>
-            <a:off x="6172200" y="1825625"/>
-            <a:ext cx="5181600" cy="4351338"/>
-          </a:xfrm>
-        </p:spPr>
-        <p:txBody>
-          <a:bodyPr/>
+            <a:off x="6202892" y="1732449"/>
+            <a:ext cx="5064665" cy="4058751"/>
+          </a:xfrm>
+        </p:spPr>
+        <p:txBody>
+          <a:bodyPr anchor="t">
+            <a:normAutofit/>
+          </a:bodyPr>
           <a:lstStyle/>
           <a:p>
             <a:pPr lvl="0"/>
@@ -1376,18 +3860,13 @@
               <a:rPr lang="es-ES"/>
               <a:t>Quinto nivel</a:t>
             </a:r>
-          </a:p>
-        </p:txBody>
-      </p:sp>
-      <p:sp>
-        <p:nvSpPr>
-          <p:cNvPr id="5" name="Marcador de fecha 4">
-            <a:extLst>
-              <a:ext uri="{FF2B5EF4-FFF2-40B4-BE49-F238E27FC236}">
-                <a16:creationId xmlns:a16="http://schemas.microsoft.com/office/drawing/2014/main" id="{BE06357B-9F01-4F79-BC02-BECB3CC0B003}"/>
-              </a:ext>
-            </a:extLst>
-          </p:cNvPr>
+            <a:endParaRPr lang="en-US" dirty="0"/>
+          </a:p>
+        </p:txBody>
+      </p:sp>
+      <p:sp>
+        <p:nvSpPr>
+          <p:cNvPr id="5" name="Date Placeholder 4"/>
           <p:cNvSpPr>
             <a:spLocks noGrp="1"/>
           </p:cNvSpPr>
@@ -1410,13 +3889,7 @@
       </p:sp>
       <p:sp>
         <p:nvSpPr>
-          <p:cNvPr id="6" name="Marcador de pie de página 5">
-            <a:extLst>
-              <a:ext uri="{FF2B5EF4-FFF2-40B4-BE49-F238E27FC236}">
-                <a16:creationId xmlns:a16="http://schemas.microsoft.com/office/drawing/2014/main" id="{D1AC4DE6-2AA3-475F-B62B-3EB3F5516F95}"/>
-              </a:ext>
-            </a:extLst>
-          </p:cNvPr>
+          <p:cNvPr id="6" name="Footer Placeholder 5"/>
           <p:cNvSpPr>
             <a:spLocks noGrp="1"/>
           </p:cNvSpPr>
@@ -1435,13 +3908,7 @@
       </p:sp>
       <p:sp>
         <p:nvSpPr>
-          <p:cNvPr id="7" name="Marcador de número de diapositiva 6">
-            <a:extLst>
-              <a:ext uri="{FF2B5EF4-FFF2-40B4-BE49-F238E27FC236}">
-                <a16:creationId xmlns:a16="http://schemas.microsoft.com/office/drawing/2014/main" id="{9EF1E714-DE1E-4CAA-89AD-514884E4A3E0}"/>
-              </a:ext>
-            </a:extLst>
-          </p:cNvPr>
+          <p:cNvPr id="7" name="Slide Number Placeholder 6"/>
           <p:cNvSpPr>
             <a:spLocks noGrp="1"/>
           </p:cNvSpPr>
@@ -1465,7 +3932,7 @@
     </p:spTree>
     <p:extLst>
       <p:ext uri="{BB962C8B-B14F-4D97-AF65-F5344CB8AC3E}">
-        <p14:creationId xmlns:p14="http://schemas.microsoft.com/office/powerpoint/2010/main" val="2746176765"/>
+        <p14:creationId xmlns:p14="http://schemas.microsoft.com/office/powerpoint/2010/main" val="1459093391"/>
       </p:ext>
     </p:extLst>
   </p:cSld>
@@ -1492,48 +3959,96 @@
           <a:chExt cx="0" cy="0"/>
         </a:xfrm>
       </p:grpSpPr>
-      <p:sp>
-        <p:nvSpPr>
-          <p:cNvPr id="2" name="Título 1">
+      <p:pic>
+        <p:nvPicPr>
+          <p:cNvPr id="20" name="Picture 19" descr="Slate-V2-HD-compPhotoInset.png"/>
+          <p:cNvPicPr>
+            <a:picLocks noChangeAspect="1"/>
+          </p:cNvPicPr>
+          <p:nvPr/>
+        </p:nvPicPr>
+        <p:blipFill>
+          <a:blip r:embed="rId2">
             <a:extLst>
-              <a:ext uri="{FF2B5EF4-FFF2-40B4-BE49-F238E27FC236}">
-                <a16:creationId xmlns:a16="http://schemas.microsoft.com/office/drawing/2014/main" id="{B810F8CC-2B42-452F-BC07-062B36CA8BB3}"/>
+              <a:ext uri="{28A0092B-C50C-407E-A947-70E740481C1C}">
+                <a14:useLocalDpi xmlns:a14="http://schemas.microsoft.com/office/drawing/2010/main" val="0"/>
               </a:ext>
             </a:extLst>
-          </p:cNvPr>
-          <p:cNvSpPr>
-            <a:spLocks noGrp="1"/>
-          </p:cNvSpPr>
-          <p:nvPr>
-            <p:ph type="title"/>
-          </p:nvPr>
-        </p:nvSpPr>
-        <p:spPr>
-          <a:xfrm>
-            <a:off x="839788" y="365125"/>
-            <a:ext cx="10515600" cy="1325563"/>
-          </a:xfrm>
-        </p:spPr>
-        <p:txBody>
-          <a:bodyPr/>
-          <a:lstStyle/>
-          <a:p>
-            <a:r>
-              <a:rPr lang="es-ES"/>
-              <a:t>Haga clic para modificar el estilo de título del patrón</a:t>
-            </a:r>
-          </a:p>
-        </p:txBody>
-      </p:sp>
-      <p:sp>
-        <p:nvSpPr>
-          <p:cNvPr id="3" name="Marcador de texto 2">
+          </a:blip>
+          <a:stretch>
+            <a:fillRect/>
+          </a:stretch>
+        </p:blipFill>
+        <p:spPr>
+          <a:xfrm>
+            <a:off x="913795" y="1734506"/>
+            <a:ext cx="5089072" cy="4148769"/>
+          </a:xfrm>
+          <a:prstGeom prst="rect">
+            <a:avLst/>
+          </a:prstGeom>
+        </p:spPr>
+      </p:pic>
+      <p:pic>
+        <p:nvPicPr>
+          <p:cNvPr id="21" name="Picture 20" descr="Slate-V2-HD-compPhotoInset.png"/>
+          <p:cNvPicPr>
+            <a:picLocks noChangeAspect="1"/>
+          </p:cNvPicPr>
+          <p:nvPr/>
+        </p:nvPicPr>
+        <p:blipFill>
+          <a:blip r:embed="rId2">
             <a:extLst>
-              <a:ext uri="{FF2B5EF4-FFF2-40B4-BE49-F238E27FC236}">
-                <a16:creationId xmlns:a16="http://schemas.microsoft.com/office/drawing/2014/main" id="{D71E3620-CEC2-44E3-980E-D981F9A9F19E}"/>
+              <a:ext uri="{28A0092B-C50C-407E-A947-70E740481C1C}">
+                <a14:useLocalDpi xmlns:a14="http://schemas.microsoft.com/office/drawing/2010/main" val="0"/>
               </a:ext>
             </a:extLst>
-          </p:cNvPr>
+          </a:blip>
+          <a:stretch>
+            <a:fillRect/>
+          </a:stretch>
+        </p:blipFill>
+        <p:spPr>
+          <a:xfrm>
+            <a:off x="6178485" y="1734506"/>
+            <a:ext cx="5089072" cy="4148769"/>
+          </a:xfrm>
+          <a:prstGeom prst="rect">
+            <a:avLst/>
+          </a:prstGeom>
+        </p:spPr>
+      </p:pic>
+      <p:sp>
+        <p:nvSpPr>
+          <p:cNvPr id="2" name="Title 1"/>
+          <p:cNvSpPr>
+            <a:spLocks noGrp="1"/>
+          </p:cNvSpPr>
+          <p:nvPr>
+            <p:ph type="title"/>
+          </p:nvPr>
+        </p:nvSpPr>
+        <p:spPr/>
+        <p:txBody>
+          <a:bodyPr/>
+          <a:lstStyle>
+            <a:lvl1pPr>
+              <a:defRPr/>
+            </a:lvl1pPr>
+          </a:lstStyle>
+          <a:p>
+            <a:r>
+              <a:rPr lang="es-ES"/>
+              <a:t>Haga clic para modificar el estilo de título del patrón</a:t>
+            </a:r>
+            <a:endParaRPr lang="en-US" dirty="0"/>
+          </a:p>
+        </p:txBody>
+      </p:sp>
+      <p:sp>
+        <p:nvSpPr>
+          <p:cNvPr id="3" name="Text Placeholder 2"/>
           <p:cNvSpPr>
             <a:spLocks noGrp="1"/>
           </p:cNvSpPr>
@@ -1543,16 +4058,18 @@
         </p:nvSpPr>
         <p:spPr>
           <a:xfrm>
-            <a:off x="839788" y="1681163"/>
-            <a:ext cx="5157787" cy="823912"/>
-          </a:xfrm>
-        </p:spPr>
-        <p:txBody>
-          <a:bodyPr anchor="b"/>
+            <a:off x="1005872" y="1835254"/>
+            <a:ext cx="4876344" cy="544884"/>
+          </a:xfrm>
+        </p:spPr>
+        <p:txBody>
+          <a:bodyPr anchor="b">
+            <a:noAutofit/>
+          </a:bodyPr>
           <a:lstStyle>
-            <a:lvl1pPr marL="0" indent="0">
-              <a:buNone/>
-              <a:defRPr sz="2400" b="1"/>
+            <a:lvl1pPr marL="0" indent="0" algn="ctr">
+              <a:buNone/>
+              <a:defRPr sz="2400" b="0"/>
             </a:lvl1pPr>
             <a:lvl2pPr marL="457200" indent="0">
               <a:buNone/>
@@ -1598,13 +4115,7 @@
       </p:sp>
       <p:sp>
         <p:nvSpPr>
-          <p:cNvPr id="4" name="Marcador de contenido 3">
-            <a:extLst>
-              <a:ext uri="{FF2B5EF4-FFF2-40B4-BE49-F238E27FC236}">
-                <a16:creationId xmlns:a16="http://schemas.microsoft.com/office/drawing/2014/main" id="{7735C965-BCAA-4BB5-9764-344F3D9AD195}"/>
-              </a:ext>
-            </a:extLst>
-          </p:cNvPr>
+          <p:cNvPr id="4" name="Content Placeholder 3"/>
           <p:cNvSpPr>
             <a:spLocks noGrp="1"/>
           </p:cNvSpPr>
@@ -1614,13 +4125,31 @@
         </p:nvSpPr>
         <p:spPr>
           <a:xfrm>
-            <a:off x="839788" y="2505075"/>
-            <a:ext cx="5157787" cy="3684588"/>
-          </a:xfrm>
-        </p:spPr>
-        <p:txBody>
-          <a:bodyPr/>
-          <a:lstStyle/>
+            <a:off x="1005872" y="2380137"/>
+            <a:ext cx="4876344" cy="3411063"/>
+          </a:xfrm>
+        </p:spPr>
+        <p:txBody>
+          <a:bodyPr anchor="t">
+            <a:normAutofit/>
+          </a:bodyPr>
+          <a:lstStyle>
+            <a:lvl1pPr>
+              <a:defRPr sz="1800"/>
+            </a:lvl1pPr>
+            <a:lvl2pPr>
+              <a:defRPr sz="1600"/>
+            </a:lvl2pPr>
+            <a:lvl3pPr>
+              <a:defRPr sz="1400"/>
+            </a:lvl3pPr>
+            <a:lvl4pPr>
+              <a:defRPr sz="1200"/>
+            </a:lvl4pPr>
+            <a:lvl5pPr>
+              <a:defRPr sz="1200"/>
+            </a:lvl5pPr>
+          </a:lstStyle>
           <a:p>
             <a:pPr lvl="0"/>
             <a:r>
@@ -1655,18 +4184,13 @@
               <a:rPr lang="es-ES"/>
               <a:t>Quinto nivel</a:t>
             </a:r>
-          </a:p>
-        </p:txBody>
-      </p:sp>
-      <p:sp>
-        <p:nvSpPr>
-          <p:cNvPr id="5" name="Marcador de texto 4">
-            <a:extLst>
-              <a:ext uri="{FF2B5EF4-FFF2-40B4-BE49-F238E27FC236}">
-                <a16:creationId xmlns:a16="http://schemas.microsoft.com/office/drawing/2014/main" id="{C8F082A6-9666-4A7D-BF67-ACBAA86CBD36}"/>
-              </a:ext>
-            </a:extLst>
-          </p:cNvPr>
+            <a:endParaRPr lang="en-US" dirty="0"/>
+          </a:p>
+        </p:txBody>
+      </p:sp>
+      <p:sp>
+        <p:nvSpPr>
+          <p:cNvPr id="5" name="Text Placeholder 4"/>
           <p:cNvSpPr>
             <a:spLocks noGrp="1"/>
           </p:cNvSpPr>
@@ -1676,16 +4200,18 @@
         </p:nvSpPr>
         <p:spPr>
           <a:xfrm>
-            <a:off x="6172200" y="1681163"/>
-            <a:ext cx="5183188" cy="823912"/>
-          </a:xfrm>
-        </p:spPr>
-        <p:txBody>
-          <a:bodyPr anchor="b"/>
+            <a:off x="6294967" y="1835254"/>
+            <a:ext cx="4895330" cy="544883"/>
+          </a:xfrm>
+        </p:spPr>
+        <p:txBody>
+          <a:bodyPr anchor="b">
+            <a:noAutofit/>
+          </a:bodyPr>
           <a:lstStyle>
-            <a:lvl1pPr marL="0" indent="0">
-              <a:buNone/>
-              <a:defRPr sz="2400" b="1"/>
+            <a:lvl1pPr marL="0" indent="0" algn="ctr">
+              <a:buNone/>
+              <a:defRPr sz="2400" b="0"/>
             </a:lvl1pPr>
             <a:lvl2pPr marL="457200" indent="0">
               <a:buNone/>
@@ -1731,13 +4257,7 @@
       </p:sp>
       <p:sp>
         <p:nvSpPr>
-          <p:cNvPr id="6" name="Marcador de contenido 5">
-            <a:extLst>
-              <a:ext uri="{FF2B5EF4-FFF2-40B4-BE49-F238E27FC236}">
-                <a16:creationId xmlns:a16="http://schemas.microsoft.com/office/drawing/2014/main" id="{63C20235-F2BD-4E48-BF0A-5E9B168C4FF9}"/>
-              </a:ext>
-            </a:extLst>
-          </p:cNvPr>
+          <p:cNvPr id="6" name="Content Placeholder 5"/>
           <p:cNvSpPr>
             <a:spLocks noGrp="1"/>
           </p:cNvSpPr>
@@ -1747,13 +4267,31 @@
         </p:nvSpPr>
         <p:spPr>
           <a:xfrm>
-            <a:off x="6172200" y="2505075"/>
-            <a:ext cx="5183188" cy="3684588"/>
-          </a:xfrm>
-        </p:spPr>
-        <p:txBody>
-          <a:bodyPr/>
-          <a:lstStyle/>
+            <a:off x="6294967" y="2380137"/>
+            <a:ext cx="4895330" cy="3411063"/>
+          </a:xfrm>
+        </p:spPr>
+        <p:txBody>
+          <a:bodyPr anchor="t">
+            <a:normAutofit/>
+          </a:bodyPr>
+          <a:lstStyle>
+            <a:lvl1pPr>
+              <a:defRPr sz="1800"/>
+            </a:lvl1pPr>
+            <a:lvl2pPr>
+              <a:defRPr sz="1600"/>
+            </a:lvl2pPr>
+            <a:lvl3pPr>
+              <a:defRPr sz="1400"/>
+            </a:lvl3pPr>
+            <a:lvl4pPr>
+              <a:defRPr sz="1200"/>
+            </a:lvl4pPr>
+            <a:lvl5pPr>
+              <a:defRPr sz="1200"/>
+            </a:lvl5pPr>
+          </a:lstStyle>
           <a:p>
             <a:pPr lvl="0"/>
             <a:r>
@@ -1788,18 +4326,13 @@
               <a:rPr lang="es-ES"/>
               <a:t>Quinto nivel</a:t>
             </a:r>
-          </a:p>
-        </p:txBody>
-      </p:sp>
-      <p:sp>
-        <p:nvSpPr>
-          <p:cNvPr id="7" name="Marcador de fecha 6">
-            <a:extLst>
-              <a:ext uri="{FF2B5EF4-FFF2-40B4-BE49-F238E27FC236}">
-                <a16:creationId xmlns:a16="http://schemas.microsoft.com/office/drawing/2014/main" id="{785AF39A-9B63-449E-ABC9-E6FC97C57CB2}"/>
-              </a:ext>
-            </a:extLst>
-          </p:cNvPr>
+            <a:endParaRPr lang="en-US" dirty="0"/>
+          </a:p>
+        </p:txBody>
+      </p:sp>
+      <p:sp>
+        <p:nvSpPr>
+          <p:cNvPr id="7" name="Date Placeholder 6"/>
           <p:cNvSpPr>
             <a:spLocks noGrp="1"/>
           </p:cNvSpPr>
@@ -1822,13 +4355,7 @@
       </p:sp>
       <p:sp>
         <p:nvSpPr>
-          <p:cNvPr id="8" name="Marcador de pie de página 7">
-            <a:extLst>
-              <a:ext uri="{FF2B5EF4-FFF2-40B4-BE49-F238E27FC236}">
-                <a16:creationId xmlns:a16="http://schemas.microsoft.com/office/drawing/2014/main" id="{DAAE4003-E06A-4711-8C6F-A33EF5F97642}"/>
-              </a:ext>
-            </a:extLst>
-          </p:cNvPr>
+          <p:cNvPr id="8" name="Footer Placeholder 7"/>
           <p:cNvSpPr>
             <a:spLocks noGrp="1"/>
           </p:cNvSpPr>
@@ -1847,13 +4374,7 @@
       </p:sp>
       <p:sp>
         <p:nvSpPr>
-          <p:cNvPr id="9" name="Marcador de número de diapositiva 8">
-            <a:extLst>
-              <a:ext uri="{FF2B5EF4-FFF2-40B4-BE49-F238E27FC236}">
-                <a16:creationId xmlns:a16="http://schemas.microsoft.com/office/drawing/2014/main" id="{70432709-EB7C-4B70-89FE-AFCD2B5E96D7}"/>
-              </a:ext>
-            </a:extLst>
-          </p:cNvPr>
+          <p:cNvPr id="9" name="Slide Number Placeholder 8"/>
           <p:cNvSpPr>
             <a:spLocks noGrp="1"/>
           </p:cNvSpPr>
@@ -1877,7 +4398,7 @@
     </p:spTree>
     <p:extLst>
       <p:ext uri="{BB962C8B-B14F-4D97-AF65-F5344CB8AC3E}">
-        <p14:creationId xmlns:p14="http://schemas.microsoft.com/office/powerpoint/2010/main" val="2701651717"/>
+        <p14:creationId xmlns:p14="http://schemas.microsoft.com/office/powerpoint/2010/main" val="1437433857"/>
       </p:ext>
     </p:extLst>
   </p:cSld>
@@ -1906,13 +4427,7 @@
       </p:grpSpPr>
       <p:sp>
         <p:nvSpPr>
-          <p:cNvPr id="2" name="Título 1">
-            <a:extLst>
-              <a:ext uri="{FF2B5EF4-FFF2-40B4-BE49-F238E27FC236}">
-                <a16:creationId xmlns:a16="http://schemas.microsoft.com/office/drawing/2014/main" id="{22A756BA-504A-4FF4-AD39-121D8719E0D7}"/>
-              </a:ext>
-            </a:extLst>
-          </p:cNvPr>
+          <p:cNvPr id="2" name="Title 1"/>
           <p:cNvSpPr>
             <a:spLocks noGrp="1"/>
           </p:cNvSpPr>
@@ -1929,18 +4444,13 @@
               <a:rPr lang="es-ES"/>
               <a:t>Haga clic para modificar el estilo de título del patrón</a:t>
             </a:r>
-          </a:p>
-        </p:txBody>
-      </p:sp>
-      <p:sp>
-        <p:nvSpPr>
-          <p:cNvPr id="3" name="Marcador de fecha 2">
-            <a:extLst>
-              <a:ext uri="{FF2B5EF4-FFF2-40B4-BE49-F238E27FC236}">
-                <a16:creationId xmlns:a16="http://schemas.microsoft.com/office/drawing/2014/main" id="{F904039F-E1B4-4BAF-8BBD-6BD77700A92F}"/>
-              </a:ext>
-            </a:extLst>
-          </p:cNvPr>
+            <a:endParaRPr lang="en-US" dirty="0"/>
+          </a:p>
+        </p:txBody>
+      </p:sp>
+      <p:sp>
+        <p:nvSpPr>
+          <p:cNvPr id="3" name="Date Placeholder 2"/>
           <p:cNvSpPr>
             <a:spLocks noGrp="1"/>
           </p:cNvSpPr>
@@ -1963,13 +4473,7 @@
       </p:sp>
       <p:sp>
         <p:nvSpPr>
-          <p:cNvPr id="4" name="Marcador de pie de página 3">
-            <a:extLst>
-              <a:ext uri="{FF2B5EF4-FFF2-40B4-BE49-F238E27FC236}">
-                <a16:creationId xmlns:a16="http://schemas.microsoft.com/office/drawing/2014/main" id="{A3718CB0-09AC-419E-8704-161AB7129492}"/>
-              </a:ext>
-            </a:extLst>
-          </p:cNvPr>
+          <p:cNvPr id="4" name="Footer Placeholder 3"/>
           <p:cNvSpPr>
             <a:spLocks noGrp="1"/>
           </p:cNvSpPr>
@@ -1988,13 +4492,7 @@
       </p:sp>
       <p:sp>
         <p:nvSpPr>
-          <p:cNvPr id="5" name="Marcador de número de diapositiva 4">
-            <a:extLst>
-              <a:ext uri="{FF2B5EF4-FFF2-40B4-BE49-F238E27FC236}">
-                <a16:creationId xmlns:a16="http://schemas.microsoft.com/office/drawing/2014/main" id="{A45EB67D-128F-43F0-AC6C-71C396B1AA4C}"/>
-              </a:ext>
-            </a:extLst>
-          </p:cNvPr>
+          <p:cNvPr id="5" name="Slide Number Placeholder 4"/>
           <p:cNvSpPr>
             <a:spLocks noGrp="1"/>
           </p:cNvSpPr>
@@ -2018,7 +4516,7 @@
     </p:spTree>
     <p:extLst>
       <p:ext uri="{BB962C8B-B14F-4D97-AF65-F5344CB8AC3E}">
-        <p14:creationId xmlns:p14="http://schemas.microsoft.com/office/powerpoint/2010/main" val="1383308073"/>
+        <p14:creationId xmlns:p14="http://schemas.microsoft.com/office/powerpoint/2010/main" val="3885244221"/>
       </p:ext>
     </p:extLst>
   </p:cSld>
@@ -2047,13 +4545,7 @@
       </p:grpSpPr>
       <p:sp>
         <p:nvSpPr>
-          <p:cNvPr id="2" name="Marcador de fecha 1">
-            <a:extLst>
-              <a:ext uri="{FF2B5EF4-FFF2-40B4-BE49-F238E27FC236}">
-                <a16:creationId xmlns:a16="http://schemas.microsoft.com/office/drawing/2014/main" id="{D077555D-D401-4756-A135-05A889D2E0FC}"/>
-              </a:ext>
-            </a:extLst>
-          </p:cNvPr>
+          <p:cNvPr id="2" name="Date Placeholder 1"/>
           <p:cNvSpPr>
             <a:spLocks noGrp="1"/>
           </p:cNvSpPr>
@@ -2076,13 +4568,7 @@
       </p:sp>
       <p:sp>
         <p:nvSpPr>
-          <p:cNvPr id="3" name="Marcador de pie de página 2">
-            <a:extLst>
-              <a:ext uri="{FF2B5EF4-FFF2-40B4-BE49-F238E27FC236}">
-                <a16:creationId xmlns:a16="http://schemas.microsoft.com/office/drawing/2014/main" id="{69F294C1-194E-4EC8-AA1C-5540A4552231}"/>
-              </a:ext>
-            </a:extLst>
-          </p:cNvPr>
+          <p:cNvPr id="3" name="Footer Placeholder 2"/>
           <p:cNvSpPr>
             <a:spLocks noGrp="1"/>
           </p:cNvSpPr>
@@ -2101,13 +4587,7 @@
       </p:sp>
       <p:sp>
         <p:nvSpPr>
-          <p:cNvPr id="4" name="Marcador de número de diapositiva 3">
-            <a:extLst>
-              <a:ext uri="{FF2B5EF4-FFF2-40B4-BE49-F238E27FC236}">
-                <a16:creationId xmlns:a16="http://schemas.microsoft.com/office/drawing/2014/main" id="{9BD1FBA8-8BA2-40F5-BD99-8A5F70411DD0}"/>
-              </a:ext>
-            </a:extLst>
-          </p:cNvPr>
+          <p:cNvPr id="4" name="Slide Number Placeholder 3"/>
           <p:cNvSpPr>
             <a:spLocks noGrp="1"/>
           </p:cNvSpPr>
@@ -2131,7 +4611,7 @@
     </p:spTree>
     <p:extLst>
       <p:ext uri="{BB962C8B-B14F-4D97-AF65-F5344CB8AC3E}">
-        <p14:creationId xmlns:p14="http://schemas.microsoft.com/office/powerpoint/2010/main" val="2108328842"/>
+        <p14:creationId xmlns:p14="http://schemas.microsoft.com/office/powerpoint/2010/main" val="2178321972"/>
       </p:ext>
     </p:extLst>
   </p:cSld>
@@ -2160,13 +4640,7 @@
       </p:grpSpPr>
       <p:sp>
         <p:nvSpPr>
-          <p:cNvPr id="2" name="Título 1">
-            <a:extLst>
-              <a:ext uri="{FF2B5EF4-FFF2-40B4-BE49-F238E27FC236}">
-                <a16:creationId xmlns:a16="http://schemas.microsoft.com/office/drawing/2014/main" id="{5969A804-03F6-4205-B527-1A6249EFC0F5}"/>
-              </a:ext>
-            </a:extLst>
-          </p:cNvPr>
+          <p:cNvPr id="2" name="Title 1"/>
           <p:cNvSpPr>
             <a:spLocks noGrp="1"/>
           </p:cNvSpPr>
@@ -2176,15 +4650,17 @@
         </p:nvSpPr>
         <p:spPr>
           <a:xfrm>
-            <a:off x="839788" y="457200"/>
-            <a:ext cx="3932237" cy="1600200"/>
-          </a:xfrm>
-        </p:spPr>
-        <p:txBody>
-          <a:bodyPr anchor="b"/>
+            <a:off x="913795" y="609600"/>
+            <a:ext cx="3706889" cy="1821918"/>
+          </a:xfrm>
+        </p:spPr>
+        <p:txBody>
+          <a:bodyPr anchor="b">
+            <a:normAutofit/>
+          </a:bodyPr>
           <a:lstStyle>
-            <a:lvl1pPr>
-              <a:defRPr sz="3200"/>
+            <a:lvl1pPr algn="ctr">
+              <a:defRPr sz="2400" b="0"/>
             </a:lvl1pPr>
           </a:lstStyle>
           <a:p>
@@ -2192,18 +4668,13 @@
               <a:rPr lang="es-ES"/>
               <a:t>Haga clic para modificar el estilo de título del patrón</a:t>
             </a:r>
-          </a:p>
-        </p:txBody>
-      </p:sp>
-      <p:sp>
-        <p:nvSpPr>
-          <p:cNvPr id="3" name="Marcador de contenido 2">
-            <a:extLst>
-              <a:ext uri="{FF2B5EF4-FFF2-40B4-BE49-F238E27FC236}">
-                <a16:creationId xmlns:a16="http://schemas.microsoft.com/office/drawing/2014/main" id="{4D7F6CDD-6368-4C22-BC69-37488DF51359}"/>
-              </a:ext>
-            </a:extLst>
-          </p:cNvPr>
+            <a:endParaRPr lang="en-US" dirty="0"/>
+          </a:p>
+        </p:txBody>
+      </p:sp>
+      <p:sp>
+        <p:nvSpPr>
+          <p:cNvPr id="3" name="Content Placeholder 2"/>
           <p:cNvSpPr>
             <a:spLocks noGrp="1"/>
           </p:cNvSpPr>
@@ -2213,138 +4684,109 @@
         </p:nvSpPr>
         <p:spPr>
           <a:xfrm>
-            <a:off x="5183188" y="987425"/>
-            <a:ext cx="6172200" cy="4873625"/>
-          </a:xfrm>
-        </p:spPr>
-        <p:txBody>
-          <a:bodyPr/>
+            <a:off x="4855633" y="609600"/>
+            <a:ext cx="6411924" cy="5181600"/>
+          </a:xfrm>
+        </p:spPr>
+        <p:txBody>
+          <a:bodyPr>
+            <a:normAutofit/>
+          </a:bodyPr>
+          <a:lstStyle/>
+          <a:p>
+            <a:pPr lvl="0"/>
+            <a:r>
+              <a:rPr lang="es-ES"/>
+              <a:t>Haga clic para modificar los estilos de texto del patrón</a:t>
+            </a:r>
+          </a:p>
+          <a:p>
+            <a:pPr lvl="1"/>
+            <a:r>
+              <a:rPr lang="es-ES"/>
+              <a:t>Segundo nivel</a:t>
+            </a:r>
+          </a:p>
+          <a:p>
+            <a:pPr lvl="2"/>
+            <a:r>
+              <a:rPr lang="es-ES"/>
+              <a:t>Tercer nivel</a:t>
+            </a:r>
+          </a:p>
+          <a:p>
+            <a:pPr lvl="3"/>
+            <a:r>
+              <a:rPr lang="es-ES"/>
+              <a:t>Cuarto nivel</a:t>
+            </a:r>
+          </a:p>
+          <a:p>
+            <a:pPr lvl="4"/>
+            <a:r>
+              <a:rPr lang="es-ES"/>
+              <a:t>Quinto nivel</a:t>
+            </a:r>
+            <a:endParaRPr lang="en-US" dirty="0"/>
+          </a:p>
+        </p:txBody>
+      </p:sp>
+      <p:sp>
+        <p:nvSpPr>
+          <p:cNvPr id="4" name="Text Placeholder 3"/>
+          <p:cNvSpPr>
+            <a:spLocks noGrp="1"/>
+          </p:cNvSpPr>
+          <p:nvPr>
+            <p:ph type="body" sz="half" idx="2"/>
+          </p:nvPr>
+        </p:nvSpPr>
+        <p:spPr>
+          <a:xfrm>
+            <a:off x="913795" y="2431518"/>
+            <a:ext cx="3706889" cy="3359681"/>
+          </a:xfrm>
+        </p:spPr>
+        <p:txBody>
+          <a:bodyPr anchor="t">
+            <a:normAutofit/>
+          </a:bodyPr>
           <a:lstStyle>
-            <a:lvl1pPr>
-              <a:defRPr sz="3200"/>
-            </a:lvl1pPr>
-            <a:lvl2pPr>
-              <a:defRPr sz="2800"/>
-            </a:lvl2pPr>
-            <a:lvl3pPr>
-              <a:defRPr sz="2400"/>
-            </a:lvl3pPr>
-            <a:lvl4pPr>
-              <a:defRPr sz="2000"/>
-            </a:lvl4pPr>
-            <a:lvl5pPr>
-              <a:defRPr sz="2000"/>
-            </a:lvl5pPr>
-            <a:lvl6pPr>
-              <a:defRPr sz="2000"/>
-            </a:lvl6pPr>
-            <a:lvl7pPr>
-              <a:defRPr sz="2000"/>
-            </a:lvl7pPr>
-            <a:lvl8pPr>
-              <a:defRPr sz="2000"/>
-            </a:lvl8pPr>
-            <a:lvl9pPr>
-              <a:defRPr sz="2000"/>
-            </a:lvl9pPr>
-          </a:lstStyle>
-          <a:p>
-            <a:pPr lvl="0"/>
-            <a:r>
-              <a:rPr lang="es-ES"/>
-              <a:t>Haga clic para modificar los estilos de texto del patrón</a:t>
-            </a:r>
-          </a:p>
-          <a:p>
-            <a:pPr lvl="1"/>
-            <a:r>
-              <a:rPr lang="es-ES"/>
-              <a:t>Segundo nivel</a:t>
-            </a:r>
-          </a:p>
-          <a:p>
-            <a:pPr lvl="2"/>
-            <a:r>
-              <a:rPr lang="es-ES"/>
-              <a:t>Tercer nivel</a:t>
-            </a:r>
-          </a:p>
-          <a:p>
-            <a:pPr lvl="3"/>
-            <a:r>
-              <a:rPr lang="es-ES"/>
-              <a:t>Cuarto nivel</a:t>
-            </a:r>
-          </a:p>
-          <a:p>
-            <a:pPr lvl="4"/>
-            <a:r>
-              <a:rPr lang="es-ES"/>
-              <a:t>Quinto nivel</a:t>
-            </a:r>
-          </a:p>
-        </p:txBody>
-      </p:sp>
-      <p:sp>
-        <p:nvSpPr>
-          <p:cNvPr id="4" name="Marcador de texto 3">
-            <a:extLst>
-              <a:ext uri="{FF2B5EF4-FFF2-40B4-BE49-F238E27FC236}">
-                <a16:creationId xmlns:a16="http://schemas.microsoft.com/office/drawing/2014/main" id="{43313C79-8360-42A1-AA7C-69ADF7EC4DD6}"/>
-              </a:ext>
-            </a:extLst>
-          </p:cNvPr>
-          <p:cNvSpPr>
-            <a:spLocks noGrp="1"/>
-          </p:cNvSpPr>
-          <p:nvPr>
-            <p:ph type="body" sz="half" idx="2"/>
-          </p:nvPr>
-        </p:nvSpPr>
-        <p:spPr>
-          <a:xfrm>
-            <a:off x="839788" y="2057400"/>
-            <a:ext cx="3932237" cy="3811588"/>
-          </a:xfrm>
-        </p:spPr>
-        <p:txBody>
-          <a:bodyPr/>
-          <a:lstStyle>
-            <a:lvl1pPr marL="0" indent="0">
+            <a:lvl1pPr marL="0" indent="0" algn="ctr">
               <a:buNone/>
               <a:defRPr sz="1600"/>
             </a:lvl1pPr>
             <a:lvl2pPr marL="457200" indent="0">
               <a:buNone/>
-              <a:defRPr sz="1400"/>
+              <a:defRPr sz="1200"/>
             </a:lvl2pPr>
             <a:lvl3pPr marL="914400" indent="0">
               <a:buNone/>
-              <a:defRPr sz="1200"/>
+              <a:defRPr sz="1000"/>
             </a:lvl3pPr>
             <a:lvl4pPr marL="1371600" indent="0">
               <a:buNone/>
-              <a:defRPr sz="1000"/>
+              <a:defRPr sz="900"/>
             </a:lvl4pPr>
             <a:lvl5pPr marL="1828800" indent="0">
               <a:buNone/>
-              <a:defRPr sz="1000"/>
+              <a:defRPr sz="900"/>
             </a:lvl5pPr>
             <a:lvl6pPr marL="2286000" indent="0">
               <a:buNone/>
-              <a:defRPr sz="1000"/>
+              <a:defRPr sz="900"/>
             </a:lvl6pPr>
             <a:lvl7pPr marL="2743200" indent="0">
               <a:buNone/>
-              <a:defRPr sz="1000"/>
+              <a:defRPr sz="900"/>
             </a:lvl7pPr>
             <a:lvl8pPr marL="3200400" indent="0">
               <a:buNone/>
-              <a:defRPr sz="1000"/>
+              <a:defRPr sz="900"/>
             </a:lvl8pPr>
             <a:lvl9pPr marL="3657600" indent="0">
               <a:buNone/>
-              <a:defRPr sz="1000"/>
+              <a:defRPr sz="900"/>
             </a:lvl9pPr>
           </a:lstStyle>
           <a:p>
@@ -2358,13 +4800,7 @@
       </p:sp>
       <p:sp>
         <p:nvSpPr>
-          <p:cNvPr id="5" name="Marcador de fecha 4">
-            <a:extLst>
-              <a:ext uri="{FF2B5EF4-FFF2-40B4-BE49-F238E27FC236}">
-                <a16:creationId xmlns:a16="http://schemas.microsoft.com/office/drawing/2014/main" id="{13CE299A-9E5E-4E91-BCAE-4F1A25951BC8}"/>
-              </a:ext>
-            </a:extLst>
-          </p:cNvPr>
+          <p:cNvPr id="5" name="Date Placeholder 4"/>
           <p:cNvSpPr>
             <a:spLocks noGrp="1"/>
           </p:cNvSpPr>
@@ -2387,13 +4823,7 @@
       </p:sp>
       <p:sp>
         <p:nvSpPr>
-          <p:cNvPr id="6" name="Marcador de pie de página 5">
-            <a:extLst>
-              <a:ext uri="{FF2B5EF4-FFF2-40B4-BE49-F238E27FC236}">
-                <a16:creationId xmlns:a16="http://schemas.microsoft.com/office/drawing/2014/main" id="{CFA3D2C5-328B-47B1-BB14-3A5D0623A1FE}"/>
-              </a:ext>
-            </a:extLst>
-          </p:cNvPr>
+          <p:cNvPr id="6" name="Footer Placeholder 5"/>
           <p:cNvSpPr>
             <a:spLocks noGrp="1"/>
           </p:cNvSpPr>
@@ -2412,13 +4842,7 @@
       </p:sp>
       <p:sp>
         <p:nvSpPr>
-          <p:cNvPr id="7" name="Marcador de número de diapositiva 6">
-            <a:extLst>
-              <a:ext uri="{FF2B5EF4-FFF2-40B4-BE49-F238E27FC236}">
-                <a16:creationId xmlns:a16="http://schemas.microsoft.com/office/drawing/2014/main" id="{54384B79-1F9E-47C8-AF5F-B9FAA6CC36F6}"/>
-              </a:ext>
-            </a:extLst>
-          </p:cNvPr>
+          <p:cNvPr id="7" name="Slide Number Placeholder 6"/>
           <p:cNvSpPr>
             <a:spLocks noGrp="1"/>
           </p:cNvSpPr>
@@ -2442,7 +4866,7 @@
     </p:spTree>
     <p:extLst>
       <p:ext uri="{BB962C8B-B14F-4D97-AF65-F5344CB8AC3E}">
-        <p14:creationId xmlns:p14="http://schemas.microsoft.com/office/powerpoint/2010/main" val="4109145694"/>
+        <p14:creationId xmlns:p14="http://schemas.microsoft.com/office/powerpoint/2010/main" val="2646991163"/>
       </p:ext>
     </p:extLst>
   </p:cSld>
@@ -2469,15 +4893,39 @@
           <a:chExt cx="0" cy="0"/>
         </a:xfrm>
       </p:grpSpPr>
-      <p:sp>
-        <p:nvSpPr>
-          <p:cNvPr id="2" name="Título 1">
+      <p:pic>
+        <p:nvPicPr>
+          <p:cNvPr id="22" name="Picture 21" descr="Slate-V2-HD-vertPhotoInset.png"/>
+          <p:cNvPicPr>
+            <a:picLocks noChangeAspect="1"/>
+          </p:cNvPicPr>
+          <p:nvPr/>
+        </p:nvPicPr>
+        <p:blipFill>
+          <a:blip r:embed="rId2">
             <a:extLst>
-              <a:ext uri="{FF2B5EF4-FFF2-40B4-BE49-F238E27FC236}">
-                <a16:creationId xmlns:a16="http://schemas.microsoft.com/office/drawing/2014/main" id="{138D4158-B934-452A-A48C-904184B5E3E5}"/>
+              <a:ext uri="{28A0092B-C50C-407E-A947-70E740481C1C}">
+                <a14:useLocalDpi xmlns:a14="http://schemas.microsoft.com/office/drawing/2010/main" val="0"/>
               </a:ext>
             </a:extLst>
-          </p:cNvPr>
+          </a:blip>
+          <a:stretch>
+            <a:fillRect/>
+          </a:stretch>
+        </p:blipFill>
+        <p:spPr>
+          <a:xfrm>
+            <a:off x="7293665" y="609600"/>
+            <a:ext cx="3584166" cy="5204832"/>
+          </a:xfrm>
+          <a:prstGeom prst="rect">
+            <a:avLst/>
+          </a:prstGeom>
+        </p:spPr>
+      </p:pic>
+      <p:sp>
+        <p:nvSpPr>
+          <p:cNvPr id="2" name="Title 1"/>
           <p:cNvSpPr>
             <a:spLocks noGrp="1"/>
           </p:cNvSpPr>
@@ -2487,15 +4935,17 @@
         </p:nvSpPr>
         <p:spPr>
           <a:xfrm>
-            <a:off x="839788" y="457200"/>
-            <a:ext cx="3932237" cy="1600200"/>
-          </a:xfrm>
-        </p:spPr>
-        <p:txBody>
-          <a:bodyPr anchor="b"/>
+            <a:off x="913795" y="609923"/>
+            <a:ext cx="5934949" cy="1829338"/>
+          </a:xfrm>
+        </p:spPr>
+        <p:txBody>
+          <a:bodyPr anchor="b">
+            <a:noAutofit/>
+          </a:bodyPr>
           <a:lstStyle>
-            <a:lvl1pPr>
-              <a:defRPr sz="3200"/>
+            <a:lvl1pPr algn="ctr">
+              <a:defRPr sz="3200" b="0"/>
             </a:lvl1pPr>
           </a:lstStyle>
           <a:p>
@@ -2503,20 +4953,15 @@
               <a:rPr lang="es-ES"/>
               <a:t>Haga clic para modificar el estilo de título del patrón</a:t>
             </a:r>
-          </a:p>
-        </p:txBody>
-      </p:sp>
-      <p:sp>
-        <p:nvSpPr>
-          <p:cNvPr id="3" name="Marcador de posición de imagen 2">
-            <a:extLst>
-              <a:ext uri="{FF2B5EF4-FFF2-40B4-BE49-F238E27FC236}">
-                <a16:creationId xmlns:a16="http://schemas.microsoft.com/office/drawing/2014/main" id="{47D97FDB-945A-4DE9-9F7E-D0032C52F38E}"/>
-              </a:ext>
-            </a:extLst>
-          </p:cNvPr>
-          <p:cNvSpPr>
-            <a:spLocks noGrp="1"/>
+            <a:endParaRPr lang="en-US" dirty="0"/>
+          </a:p>
+        </p:txBody>
+      </p:sp>
+      <p:sp>
+        <p:nvSpPr>
+          <p:cNvPr id="3" name="Picture Placeholder 2"/>
+          <p:cNvSpPr>
+            <a:spLocks noGrp="1" noChangeAspect="1"/>
           </p:cNvSpPr>
           <p:nvPr>
             <p:ph type="pic" idx="1"/>
@@ -2524,118 +4969,127 @@
         </p:nvSpPr>
         <p:spPr>
           <a:xfrm>
-            <a:off x="5183188" y="987425"/>
-            <a:ext cx="6172200" cy="4873625"/>
-          </a:xfrm>
-        </p:spPr>
-        <p:txBody>
-          <a:bodyPr/>
+            <a:off x="7442551" y="763702"/>
+            <a:ext cx="3275751" cy="4912822"/>
+          </a:xfrm>
+          <a:effectLst>
+            <a:outerShdw blurRad="38100" dist="25400" dir="4440000">
+              <a:srgbClr val="000000">
+                <a:alpha val="36000"/>
+              </a:srgbClr>
+            </a:outerShdw>
+          </a:effectLst>
+        </p:spPr>
+        <p:txBody>
+          <a:bodyPr anchor="t">
+            <a:normAutofit/>
+          </a:bodyPr>
           <a:lstStyle>
-            <a:lvl1pPr marL="0" indent="0">
-              <a:buNone/>
-              <a:defRPr sz="3200"/>
-            </a:lvl1pPr>
-            <a:lvl2pPr marL="457200" indent="0">
-              <a:buNone/>
-              <a:defRPr sz="2800"/>
-            </a:lvl2pPr>
-            <a:lvl3pPr marL="914400" indent="0">
-              <a:buNone/>
-              <a:defRPr sz="2400"/>
-            </a:lvl3pPr>
-            <a:lvl4pPr marL="1371600" indent="0">
-              <a:buNone/>
-              <a:defRPr sz="2000"/>
-            </a:lvl4pPr>
-            <a:lvl5pPr marL="1828800" indent="0">
-              <a:buNone/>
-              <a:defRPr sz="2000"/>
-            </a:lvl5pPr>
-            <a:lvl6pPr marL="2286000" indent="0">
-              <a:buNone/>
-              <a:defRPr sz="2000"/>
-            </a:lvl6pPr>
-            <a:lvl7pPr marL="2743200" indent="0">
-              <a:buNone/>
-              <a:defRPr sz="2000"/>
-            </a:lvl7pPr>
-            <a:lvl8pPr marL="3200400" indent="0">
-              <a:buNone/>
-              <a:defRPr sz="2000"/>
-            </a:lvl8pPr>
-            <a:lvl9pPr marL="3657600" indent="0">
-              <a:buNone/>
-              <a:defRPr sz="2000"/>
-            </a:lvl9pPr>
-          </a:lstStyle>
-          <a:p>
-            <a:endParaRPr lang="es-ES"/>
-          </a:p>
-        </p:txBody>
-      </p:sp>
-      <p:sp>
-        <p:nvSpPr>
-          <p:cNvPr id="4" name="Marcador de texto 3">
-            <a:extLst>
-              <a:ext uri="{FF2B5EF4-FFF2-40B4-BE49-F238E27FC236}">
-                <a16:creationId xmlns:a16="http://schemas.microsoft.com/office/drawing/2014/main" id="{F74DA0FB-C7A1-4A5E-A92A-B301CD6319D7}"/>
-              </a:ext>
-            </a:extLst>
-          </p:cNvPr>
-          <p:cNvSpPr>
-            <a:spLocks noGrp="1"/>
-          </p:cNvSpPr>
-          <p:nvPr>
-            <p:ph type="body" sz="half" idx="2"/>
-          </p:nvPr>
-        </p:nvSpPr>
-        <p:spPr>
-          <a:xfrm>
-            <a:off x="839788" y="2057400"/>
-            <a:ext cx="3932237" cy="3811588"/>
-          </a:xfrm>
-        </p:spPr>
-        <p:txBody>
-          <a:bodyPr/>
-          <a:lstStyle>
-            <a:lvl1pPr marL="0" indent="0">
+            <a:lvl1pPr marL="0" indent="0" algn="ctr">
               <a:buNone/>
               <a:defRPr sz="1600"/>
             </a:lvl1pPr>
             <a:lvl2pPr marL="457200" indent="0">
               <a:buNone/>
-              <a:defRPr sz="1400"/>
+              <a:defRPr sz="1600"/>
             </a:lvl2pPr>
             <a:lvl3pPr marL="914400" indent="0">
               <a:buNone/>
-              <a:defRPr sz="1200"/>
+              <a:defRPr sz="1600"/>
             </a:lvl3pPr>
             <a:lvl4pPr marL="1371600" indent="0">
               <a:buNone/>
-              <a:defRPr sz="1000"/>
+              <a:defRPr sz="1600"/>
             </a:lvl4pPr>
             <a:lvl5pPr marL="1828800" indent="0">
               <a:buNone/>
-              <a:defRPr sz="1000"/>
+              <a:defRPr sz="1600"/>
             </a:lvl5pPr>
             <a:lvl6pPr marL="2286000" indent="0">
               <a:buNone/>
-              <a:defRPr sz="1000"/>
+              <a:defRPr sz="1600"/>
             </a:lvl6pPr>
             <a:lvl7pPr marL="2743200" indent="0">
               <a:buNone/>
-              <a:defRPr sz="1000"/>
+              <a:defRPr sz="1600"/>
             </a:lvl7pPr>
             <a:lvl8pPr marL="3200400" indent="0">
               <a:buNone/>
-              <a:defRPr sz="1000"/>
+              <a:defRPr sz="1600"/>
             </a:lvl8pPr>
             <a:lvl9pPr marL="3657600" indent="0">
               <a:buNone/>
-              <a:defRPr sz="1000"/>
+              <a:defRPr sz="1600"/>
             </a:lvl9pPr>
           </a:lstStyle>
           <a:p>
+            <a:r>
+              <a:rPr lang="es-ES"/>
+              <a:t>Haga clic en el icono para agregar una imagen</a:t>
+            </a:r>
+            <a:endParaRPr lang="en-US" dirty="0"/>
+          </a:p>
+        </p:txBody>
+      </p:sp>
+      <p:sp>
+        <p:nvSpPr>
+          <p:cNvPr id="4" name="Text Placeholder 3"/>
+          <p:cNvSpPr>
+            <a:spLocks noGrp="1"/>
+          </p:cNvSpPr>
+          <p:nvPr>
+            <p:ph type="body" sz="half" idx="2"/>
+          </p:nvPr>
+        </p:nvSpPr>
+        <p:spPr>
+          <a:xfrm>
+            <a:off x="913795" y="2439261"/>
+            <a:ext cx="5934949" cy="3376134"/>
+          </a:xfrm>
+        </p:spPr>
+        <p:txBody>
+          <a:bodyPr anchor="t">
+            <a:normAutofit/>
+          </a:bodyPr>
+          <a:lstStyle>
+            <a:lvl1pPr marL="0" indent="0" algn="ctr">
+              <a:buNone/>
+              <a:defRPr sz="1600"/>
+            </a:lvl1pPr>
+            <a:lvl2pPr marL="457200" indent="0">
+              <a:buNone/>
+              <a:defRPr sz="1200"/>
+            </a:lvl2pPr>
+            <a:lvl3pPr marL="914400" indent="0">
+              <a:buNone/>
+              <a:defRPr sz="1000"/>
+            </a:lvl3pPr>
+            <a:lvl4pPr marL="1371600" indent="0">
+              <a:buNone/>
+              <a:defRPr sz="900"/>
+            </a:lvl4pPr>
+            <a:lvl5pPr marL="1828800" indent="0">
+              <a:buNone/>
+              <a:defRPr sz="900"/>
+            </a:lvl5pPr>
+            <a:lvl6pPr marL="2286000" indent="0">
+              <a:buNone/>
+              <a:defRPr sz="900"/>
+            </a:lvl6pPr>
+            <a:lvl7pPr marL="2743200" indent="0">
+              <a:buNone/>
+              <a:defRPr sz="900"/>
+            </a:lvl7pPr>
+            <a:lvl8pPr marL="3200400" indent="0">
+              <a:buNone/>
+              <a:defRPr sz="900"/>
+            </a:lvl8pPr>
+            <a:lvl9pPr marL="3657600" indent="0">
+              <a:buNone/>
+              <a:defRPr sz="900"/>
+            </a:lvl9pPr>
+          </a:lstStyle>
+          <a:p>
             <a:pPr lvl="0"/>
             <a:r>
               <a:rPr lang="es-ES"/>
@@ -2646,13 +5100,7 @@
       </p:sp>
       <p:sp>
         <p:nvSpPr>
-          <p:cNvPr id="5" name="Marcador de fecha 4">
-            <a:extLst>
-              <a:ext uri="{FF2B5EF4-FFF2-40B4-BE49-F238E27FC236}">
-                <a16:creationId xmlns:a16="http://schemas.microsoft.com/office/drawing/2014/main" id="{21942746-BE01-4BD3-B017-50C0ED0311AD}"/>
-              </a:ext>
-            </a:extLst>
-          </p:cNvPr>
+          <p:cNvPr id="5" name="Date Placeholder 4"/>
           <p:cNvSpPr>
             <a:spLocks noGrp="1"/>
           </p:cNvSpPr>
@@ -2675,13 +5123,7 @@
       </p:sp>
       <p:sp>
         <p:nvSpPr>
-          <p:cNvPr id="6" name="Marcador de pie de página 5">
-            <a:extLst>
-              <a:ext uri="{FF2B5EF4-FFF2-40B4-BE49-F238E27FC236}">
-                <a16:creationId xmlns:a16="http://schemas.microsoft.com/office/drawing/2014/main" id="{B29B25D9-7489-4A87-B2F8-82954AB4812C}"/>
-              </a:ext>
-            </a:extLst>
-          </p:cNvPr>
+          <p:cNvPr id="6" name="Footer Placeholder 5"/>
           <p:cNvSpPr>
             <a:spLocks noGrp="1"/>
           </p:cNvSpPr>
@@ -2700,13 +5142,7 @@
       </p:sp>
       <p:sp>
         <p:nvSpPr>
-          <p:cNvPr id="7" name="Marcador de número de diapositiva 6">
-            <a:extLst>
-              <a:ext uri="{FF2B5EF4-FFF2-40B4-BE49-F238E27FC236}">
-                <a16:creationId xmlns:a16="http://schemas.microsoft.com/office/drawing/2014/main" id="{5C634D38-526F-4F93-A76F-8D3106212CAD}"/>
-              </a:ext>
-            </a:extLst>
-          </p:cNvPr>
+          <p:cNvPr id="7" name="Slide Number Placeholder 6"/>
           <p:cNvSpPr>
             <a:spLocks noGrp="1"/>
           </p:cNvSpPr>
@@ -2730,7 +5166,7 @@
     </p:spTree>
     <p:extLst>
       <p:ext uri="{BB962C8B-B14F-4D97-AF65-F5344CB8AC3E}">
-        <p14:creationId xmlns:p14="http://schemas.microsoft.com/office/powerpoint/2010/main" val="974499946"/>
+        <p14:creationId xmlns:p14="http://schemas.microsoft.com/office/powerpoint/2010/main" val="2862726747"/>
       </p:ext>
     </p:extLst>
   </p:cSld>
@@ -2744,8 +5180,8 @@
 <p:sldMaster xmlns:a="http://schemas.openxmlformats.org/drawingml/2006/main" xmlns:r="http://schemas.openxmlformats.org/officeDocument/2006/relationships" xmlns:p="http://schemas.openxmlformats.org/presentationml/2006/main">
   <p:cSld>
     <p:bg>
-      <p:bgRef idx="1001">
-        <a:schemeClr val="bg1"/>
+      <p:bgRef idx="1003">
+        <a:schemeClr val="bg2"/>
       </p:bgRef>
     </p:bg>
     <p:spTree>
@@ -2764,13 +5200,7 @@
       </p:grpSpPr>
       <p:sp>
         <p:nvSpPr>
-          <p:cNvPr id="2" name="Marcador de título 1">
-            <a:extLst>
-              <a:ext uri="{FF2B5EF4-FFF2-40B4-BE49-F238E27FC236}">
-                <a16:creationId xmlns:a16="http://schemas.microsoft.com/office/drawing/2014/main" id="{1DA3799F-EFD2-493C-97B3-AC3767F695E6}"/>
-              </a:ext>
-            </a:extLst>
-          </p:cNvPr>
+          <p:cNvPr id="2" name="Title Placeholder 1"/>
           <p:cNvSpPr>
             <a:spLocks noGrp="1"/>
           </p:cNvSpPr>
@@ -2780,12 +5210,19 @@
         </p:nvSpPr>
         <p:spPr>
           <a:xfrm>
-            <a:off x="838200" y="365125"/>
-            <a:ext cx="10515600" cy="1325563"/>
+            <a:off x="913795" y="609600"/>
+            <a:ext cx="10353762" cy="970450"/>
           </a:xfrm>
           <a:prstGeom prst="rect">
             <a:avLst/>
           </a:prstGeom>
+          <a:effectLst>
+            <a:outerShdw blurRad="25400" dir="17880000">
+              <a:srgbClr val="000000">
+                <a:alpha val="46000"/>
+              </a:srgbClr>
+            </a:outerShdw>
+          </a:effectLst>
         </p:spPr>
         <p:txBody>
           <a:bodyPr vert="horz" lIns="91440" tIns="45720" rIns="91440" bIns="45720" rtlCol="0" anchor="ctr">
@@ -2797,18 +5234,13 @@
               <a:rPr lang="es-ES"/>
               <a:t>Haga clic para modificar el estilo de título del patrón</a:t>
             </a:r>
-          </a:p>
-        </p:txBody>
-      </p:sp>
-      <p:sp>
-        <p:nvSpPr>
-          <p:cNvPr id="3" name="Marcador de texto 2">
-            <a:extLst>
-              <a:ext uri="{FF2B5EF4-FFF2-40B4-BE49-F238E27FC236}">
-                <a16:creationId xmlns:a16="http://schemas.microsoft.com/office/drawing/2014/main" id="{C2B495B6-B46B-49F3-9963-D6E1EF11EC5A}"/>
-              </a:ext>
-            </a:extLst>
-          </p:cNvPr>
+            <a:endParaRPr lang="en-US" dirty="0"/>
+          </a:p>
+        </p:txBody>
+      </p:sp>
+      <p:sp>
+        <p:nvSpPr>
+          <p:cNvPr id="3" name="Text Placeholder 2"/>
           <p:cNvSpPr>
             <a:spLocks noGrp="1"/>
           </p:cNvSpPr>
@@ -2818,15 +5250,22 @@
         </p:nvSpPr>
         <p:spPr>
           <a:xfrm>
-            <a:off x="838200" y="1825625"/>
-            <a:ext cx="10515600" cy="4351338"/>
+            <a:off x="913795" y="1732449"/>
+            <a:ext cx="10353762" cy="4058751"/>
           </a:xfrm>
           <a:prstGeom prst="rect">
             <a:avLst/>
           </a:prstGeom>
-        </p:spPr>
-        <p:txBody>
-          <a:bodyPr vert="horz" lIns="91440" tIns="45720" rIns="91440" bIns="45720" rtlCol="0">
+          <a:effectLst>
+            <a:outerShdw blurRad="25400" dir="17880000">
+              <a:srgbClr val="000000">
+                <a:alpha val="46000"/>
+              </a:srgbClr>
+            </a:outerShdw>
+          </a:effectLst>
+        </p:spPr>
+        <p:txBody>
+          <a:bodyPr vert="horz" lIns="91440" tIns="45720" rIns="91440" bIns="45720" rtlCol="0" anchor="t">
             <a:normAutofit/>
           </a:bodyPr>
           <a:lstStyle/>
@@ -2864,18 +5303,13 @@
               <a:rPr lang="es-ES"/>
               <a:t>Quinto nivel</a:t>
             </a:r>
-          </a:p>
-        </p:txBody>
-      </p:sp>
-      <p:sp>
-        <p:nvSpPr>
-          <p:cNvPr id="4" name="Marcador de fecha 3">
-            <a:extLst>
-              <a:ext uri="{FF2B5EF4-FFF2-40B4-BE49-F238E27FC236}">
-                <a16:creationId xmlns:a16="http://schemas.microsoft.com/office/drawing/2014/main" id="{35C0EEDE-57DE-4EE1-9B6B-51117F1EEE50}"/>
-              </a:ext>
-            </a:extLst>
-          </p:cNvPr>
+            <a:endParaRPr lang="en-US" dirty="0"/>
+          </a:p>
+        </p:txBody>
+      </p:sp>
+      <p:sp>
+        <p:nvSpPr>
+          <p:cNvPr id="4" name="Date Placeholder 3"/>
           <p:cNvSpPr>
             <a:spLocks noGrp="1"/>
           </p:cNvSpPr>
@@ -2885,7 +5319,7 @@
         </p:nvSpPr>
         <p:spPr>
           <a:xfrm>
-            <a:off x="838200" y="6356350"/>
+            <a:off x="7678736" y="5883275"/>
             <a:ext cx="2743200" cy="365125"/>
           </a:xfrm>
           <a:prstGeom prst="rect">
@@ -2895,13 +5329,20 @@
         <p:txBody>
           <a:bodyPr vert="horz" lIns="91440" tIns="45720" rIns="91440" bIns="45720" rtlCol="0" anchor="ctr"/>
           <a:lstStyle>
-            <a:lvl1pPr algn="l">
-              <a:defRPr sz="1200">
+            <a:lvl1pPr algn="r">
+              <a:defRPr sz="1000">
                 <a:solidFill>
                   <a:schemeClr val="tx1">
-                    <a:tint val="75000"/>
+                    <a:lumMod val="95000"/>
                   </a:schemeClr>
                 </a:solidFill>
+                <a:effectLst>
+                  <a:outerShdw blurRad="50800" dist="38100" dir="2700000" algn="tl" rotWithShape="0">
+                    <a:schemeClr val="bg1">
+                      <a:alpha val="43000"/>
+                    </a:schemeClr>
+                  </a:outerShdw>
+                </a:effectLst>
               </a:defRPr>
             </a:lvl1pPr>
           </a:lstStyle>
@@ -2916,13 +5357,7 @@
       </p:sp>
       <p:sp>
         <p:nvSpPr>
-          <p:cNvPr id="5" name="Marcador de pie de página 4">
-            <a:extLst>
-              <a:ext uri="{FF2B5EF4-FFF2-40B4-BE49-F238E27FC236}">
-                <a16:creationId xmlns:a16="http://schemas.microsoft.com/office/drawing/2014/main" id="{3E3B8D89-E640-4F93-B582-F21647EE13C2}"/>
-              </a:ext>
-            </a:extLst>
-          </p:cNvPr>
+          <p:cNvPr id="5" name="Footer Placeholder 4"/>
           <p:cNvSpPr>
             <a:spLocks noGrp="1"/>
           </p:cNvSpPr>
@@ -2932,8 +5367,8 @@
         </p:nvSpPr>
         <p:spPr>
           <a:xfrm>
-            <a:off x="4038600" y="6356350"/>
-            <a:ext cx="4114800" cy="365125"/>
+            <a:off x="913795" y="5883275"/>
+            <a:ext cx="6672865" cy="365125"/>
           </a:xfrm>
           <a:prstGeom prst="rect">
             <a:avLst/>
@@ -2942,13 +5377,20 @@
         <p:txBody>
           <a:bodyPr vert="horz" lIns="91440" tIns="45720" rIns="91440" bIns="45720" rtlCol="0" anchor="ctr"/>
           <a:lstStyle>
-            <a:lvl1pPr algn="ctr">
-              <a:defRPr sz="1200">
+            <a:lvl1pPr algn="l">
+              <a:defRPr sz="1000">
                 <a:solidFill>
                   <a:schemeClr val="tx1">
-                    <a:tint val="75000"/>
+                    <a:lumMod val="95000"/>
                   </a:schemeClr>
                 </a:solidFill>
+                <a:effectLst>
+                  <a:outerShdw blurRad="50800" dist="38100" dir="2700000" algn="tl" rotWithShape="0">
+                    <a:schemeClr val="bg1">
+                      <a:alpha val="43000"/>
+                    </a:schemeClr>
+                  </a:outerShdw>
+                </a:effectLst>
               </a:defRPr>
             </a:lvl1pPr>
           </a:lstStyle>
@@ -2959,13 +5401,7 @@
       </p:sp>
       <p:sp>
         <p:nvSpPr>
-          <p:cNvPr id="6" name="Marcador de número de diapositiva 5">
-            <a:extLst>
-              <a:ext uri="{FF2B5EF4-FFF2-40B4-BE49-F238E27FC236}">
-                <a16:creationId xmlns:a16="http://schemas.microsoft.com/office/drawing/2014/main" id="{D0F027ED-352C-4772-82E4-7EFB4A22F07E}"/>
-              </a:ext>
-            </a:extLst>
-          </p:cNvPr>
+          <p:cNvPr id="6" name="Slide Number Placeholder 5"/>
           <p:cNvSpPr>
             <a:spLocks noGrp="1"/>
           </p:cNvSpPr>
@@ -2975,8 +5411,8 @@
         </p:nvSpPr>
         <p:spPr>
           <a:xfrm>
-            <a:off x="8610600" y="6356350"/>
-            <a:ext cx="2743200" cy="365125"/>
+            <a:off x="10514011" y="5883275"/>
+            <a:ext cx="753545" cy="365125"/>
           </a:xfrm>
           <a:prstGeom prst="rect">
             <a:avLst/>
@@ -2986,12 +5422,19 @@
           <a:bodyPr vert="horz" lIns="91440" tIns="45720" rIns="91440" bIns="45720" rtlCol="0" anchor="ctr"/>
           <a:lstStyle>
             <a:lvl1pPr algn="r">
-              <a:defRPr sz="1200">
+              <a:defRPr sz="1000">
                 <a:solidFill>
                   <a:schemeClr val="tx1">
-                    <a:tint val="75000"/>
+                    <a:lumMod val="95000"/>
                   </a:schemeClr>
                 </a:solidFill>
+                <a:effectLst>
+                  <a:outerShdw blurRad="50800" dist="38100" dir="2700000" algn="tl" rotWithShape="0">
+                    <a:schemeClr val="bg1">
+                      <a:alpha val="43000"/>
+                    </a:schemeClr>
+                  </a:outerShdw>
+                </a:effectLst>
               </a:defRPr>
             </a:lvl1pPr>
           </a:lstStyle>
@@ -3007,55 +5450,469 @@
     </p:spTree>
     <p:extLst>
       <p:ext uri="{BB962C8B-B14F-4D97-AF65-F5344CB8AC3E}">
-        <p14:creationId xmlns:p14="http://schemas.microsoft.com/office/powerpoint/2010/main" val="2550295302"/>
+        <p14:creationId xmlns:p14="http://schemas.microsoft.com/office/powerpoint/2010/main" val="4057898339"/>
       </p:ext>
     </p:extLst>
   </p:cSld>
-  <p:clrMap bg1="lt1" tx1="dk1" bg2="lt2" tx2="dk2" accent1="accent1" accent2="accent2" accent3="accent3" accent4="accent4" accent5="accent5" accent6="accent6" hlink="hlink" folHlink="folHlink"/>
+  <p:clrMap bg1="dk1" tx1="lt1" bg2="dk2" tx2="lt2" accent1="accent1" accent2="accent2" accent3="accent3" accent4="accent4" accent5="accent5" accent6="accent6" hlink="hlink" folHlink="folHlink"/>
   <p:sldLayoutIdLst>
-    <p:sldLayoutId id="2147483649" r:id="rId1"/>
-    <p:sldLayoutId id="2147483650" r:id="rId2"/>
-    <p:sldLayoutId id="2147483651" r:id="rId3"/>
-    <p:sldLayoutId id="2147483652" r:id="rId4"/>
-    <p:sldLayoutId id="2147483653" r:id="rId5"/>
-    <p:sldLayoutId id="2147483654" r:id="rId6"/>
-    <p:sldLayoutId id="2147483655" r:id="rId7"/>
-    <p:sldLayoutId id="2147483656" r:id="rId8"/>
-    <p:sldLayoutId id="2147483657" r:id="rId9"/>
-    <p:sldLayoutId id="2147483658" r:id="rId10"/>
-    <p:sldLayoutId id="2147483659" r:id="rId11"/>
+    <p:sldLayoutId id="2147483762" r:id="rId1"/>
+    <p:sldLayoutId id="2147483763" r:id="rId2"/>
+    <p:sldLayoutId id="2147483764" r:id="rId3"/>
+    <p:sldLayoutId id="2147483765" r:id="rId4"/>
+    <p:sldLayoutId id="2147483766" r:id="rId5"/>
+    <p:sldLayoutId id="2147483767" r:id="rId6"/>
+    <p:sldLayoutId id="2147483768" r:id="rId7"/>
+    <p:sldLayoutId id="2147483769" r:id="rId8"/>
+    <p:sldLayoutId id="2147483770" r:id="rId9"/>
+    <p:sldLayoutId id="2147483771" r:id="rId10"/>
+    <p:sldLayoutId id="2147483772" r:id="rId11"/>
+    <p:sldLayoutId id="2147483773" r:id="rId12"/>
+    <p:sldLayoutId id="2147483774" r:id="rId13"/>
+    <p:sldLayoutId id="2147483775" r:id="rId14"/>
+    <p:sldLayoutId id="2147483776" r:id="rId15"/>
+    <p:sldLayoutId id="2147483777" r:id="rId16"/>
+    <p:sldLayoutId id="2147483778" r:id="rId17"/>
   </p:sldLayoutIdLst>
   <p:txStyles>
     <p:titleStyle>
-      <a:lvl1pPr algn="l" defTabSz="914400" rtl="0" eaLnBrk="1" latinLnBrk="0" hangingPunct="1">
-        <a:lnSpc>
-          <a:spcPct val="90000"/>
-        </a:lnSpc>
+      <a:lvl1pPr algn="ctr" defTabSz="457200" rtl="0" eaLnBrk="1" latinLnBrk="0" hangingPunct="1">
         <a:spcBef>
           <a:spcPct val="0"/>
         </a:spcBef>
         <a:buNone/>
-        <a:defRPr sz="4400" kern="1200">
+        <a:defRPr sz="4000" kern="1200">
+          <a:ln>
+            <a:solidFill>
+              <a:schemeClr val="bg1">
+                <a:lumMod val="75000"/>
+                <a:lumOff val="25000"/>
+                <a:alpha val="10000"/>
+              </a:schemeClr>
+            </a:solidFill>
+          </a:ln>
           <a:solidFill>
-            <a:schemeClr val="tx1"/>
+            <a:schemeClr val="tx2"/>
           </a:solidFill>
+          <a:effectLst>
+            <a:outerShdw blurRad="9525" dist="25400" dir="14640000" algn="tl" rotWithShape="0">
+              <a:schemeClr val="bg1">
+                <a:alpha val="30000"/>
+              </a:schemeClr>
+            </a:outerShdw>
+          </a:effectLst>
           <a:latin typeface="+mj-lt"/>
           <a:ea typeface="+mj-ea"/>
-          <a:cs typeface="+mj-cs"/>
+          <a:cs typeface="Trebuchet MS"/>
         </a:defRPr>
       </a:lvl1pPr>
+      <a:lvl2pPr eaLnBrk="1" hangingPunct="1">
+        <a:defRPr>
+          <a:solidFill>
+            <a:schemeClr val="tx2"/>
+          </a:solidFill>
+        </a:defRPr>
+      </a:lvl2pPr>
+      <a:lvl3pPr eaLnBrk="1" hangingPunct="1">
+        <a:defRPr>
+          <a:solidFill>
+            <a:schemeClr val="tx2"/>
+          </a:solidFill>
+        </a:defRPr>
+      </a:lvl3pPr>
+      <a:lvl4pPr eaLnBrk="1" hangingPunct="1">
+        <a:defRPr>
+          <a:solidFill>
+            <a:schemeClr val="tx2"/>
+          </a:solidFill>
+        </a:defRPr>
+      </a:lvl4pPr>
+      <a:lvl5pPr eaLnBrk="1" hangingPunct="1">
+        <a:defRPr>
+          <a:solidFill>
+            <a:schemeClr val="tx2"/>
+          </a:solidFill>
+        </a:defRPr>
+      </a:lvl5pPr>
+      <a:lvl6pPr eaLnBrk="1" hangingPunct="1">
+        <a:defRPr>
+          <a:solidFill>
+            <a:schemeClr val="tx2"/>
+          </a:solidFill>
+        </a:defRPr>
+      </a:lvl6pPr>
+      <a:lvl7pPr eaLnBrk="1" hangingPunct="1">
+        <a:defRPr>
+          <a:solidFill>
+            <a:schemeClr val="tx2"/>
+          </a:solidFill>
+        </a:defRPr>
+      </a:lvl7pPr>
+      <a:lvl8pPr eaLnBrk="1" hangingPunct="1">
+        <a:defRPr>
+          <a:solidFill>
+            <a:schemeClr val="tx2"/>
+          </a:solidFill>
+        </a:defRPr>
+      </a:lvl8pPr>
+      <a:lvl9pPr eaLnBrk="1" hangingPunct="1">
+        <a:defRPr>
+          <a:solidFill>
+            <a:schemeClr val="tx2"/>
+          </a:solidFill>
+        </a:defRPr>
+      </a:lvl9pPr>
     </p:titleStyle>
     <p:bodyStyle>
-      <a:lvl1pPr marL="228600" indent="-228600" algn="l" defTabSz="914400" rtl="0" eaLnBrk="1" latinLnBrk="0" hangingPunct="1">
-        <a:lnSpc>
-          <a:spcPct val="90000"/>
-        </a:lnSpc>
+      <a:lvl1pPr marL="342900" indent="-306000" algn="l" defTabSz="457200" rtl="0" eaLnBrk="1" latinLnBrk="0" hangingPunct="1">
         <a:spcBef>
-          <a:spcPts val="1000"/>
+          <a:spcPct val="20000"/>
         </a:spcBef>
-        <a:buFont typeface="Arial" panose="020B0604020202020204" pitchFamily="34" charset="0"/>
-        <a:buChar char="•"/>
-        <a:defRPr sz="2800" kern="1200">
+        <a:spcAft>
+          <a:spcPts val="600"/>
+        </a:spcAft>
+        <a:buClr>
+          <a:schemeClr val="tx2"/>
+        </a:buClr>
+        <a:buSzPct val="70000"/>
+        <a:buFont typeface="Wingdings 2" charset="2"/>
+        <a:buChar char=""/>
+        <a:defRPr sz="2000" kern="1200">
+          <a:ln>
+            <a:solidFill>
+              <a:schemeClr val="bg1">
+                <a:lumMod val="75000"/>
+                <a:lumOff val="25000"/>
+                <a:alpha val="10000"/>
+              </a:schemeClr>
+            </a:solidFill>
+          </a:ln>
+          <a:solidFill>
+            <a:schemeClr val="tx2"/>
+          </a:solidFill>
+          <a:effectLst>
+            <a:outerShdw blurRad="9525" dist="25400" dir="14640000" algn="tl" rotWithShape="0">
+              <a:schemeClr val="bg1">
+                <a:alpha val="30000"/>
+              </a:schemeClr>
+            </a:outerShdw>
+          </a:effectLst>
+          <a:latin typeface="+mn-lt"/>
+          <a:ea typeface="+mn-ea"/>
+          <a:cs typeface="+mn-cs"/>
+        </a:defRPr>
+      </a:lvl1pPr>
+      <a:lvl2pPr marL="720000" indent="-270000" algn="l" defTabSz="457200" rtl="0" eaLnBrk="1" latinLnBrk="0" hangingPunct="1">
+        <a:spcBef>
+          <a:spcPct val="20000"/>
+        </a:spcBef>
+        <a:spcAft>
+          <a:spcPts val="600"/>
+        </a:spcAft>
+        <a:buClr>
+          <a:schemeClr val="tx2"/>
+        </a:buClr>
+        <a:buSzPct val="70000"/>
+        <a:buFont typeface="Wingdings 2" charset="2"/>
+        <a:buChar char=""/>
+        <a:defRPr sz="1800" kern="1200">
+          <a:ln>
+            <a:solidFill>
+              <a:schemeClr val="bg1">
+                <a:lumMod val="75000"/>
+                <a:lumOff val="25000"/>
+                <a:alpha val="10000"/>
+              </a:schemeClr>
+            </a:solidFill>
+          </a:ln>
+          <a:solidFill>
+            <a:schemeClr val="tx2"/>
+          </a:solidFill>
+          <a:effectLst>
+            <a:outerShdw blurRad="9525" dist="25400" dir="14640000" algn="tl" rotWithShape="0">
+              <a:schemeClr val="bg1">
+                <a:alpha val="30000"/>
+              </a:schemeClr>
+            </a:outerShdw>
+          </a:effectLst>
+          <a:latin typeface="+mn-lt"/>
+          <a:ea typeface="+mn-ea"/>
+          <a:cs typeface="+mn-cs"/>
+        </a:defRPr>
+      </a:lvl2pPr>
+      <a:lvl3pPr marL="1026000" indent="-216000" algn="l" defTabSz="457200" rtl="0" eaLnBrk="1" latinLnBrk="0" hangingPunct="1">
+        <a:spcBef>
+          <a:spcPct val="20000"/>
+        </a:spcBef>
+        <a:spcAft>
+          <a:spcPts val="600"/>
+        </a:spcAft>
+        <a:buClr>
+          <a:schemeClr val="tx2"/>
+        </a:buClr>
+        <a:buSzPct val="70000"/>
+        <a:buFont typeface="Wingdings 2" charset="2"/>
+        <a:buChar char=""/>
+        <a:defRPr sz="1600" kern="1200">
+          <a:ln>
+            <a:solidFill>
+              <a:schemeClr val="bg1">
+                <a:lumMod val="75000"/>
+                <a:lumOff val="25000"/>
+                <a:alpha val="10000"/>
+              </a:schemeClr>
+            </a:solidFill>
+          </a:ln>
+          <a:solidFill>
+            <a:schemeClr val="tx2"/>
+          </a:solidFill>
+          <a:effectLst>
+            <a:outerShdw blurRad="9525" dist="25400" dir="14640000" algn="tl" rotWithShape="0">
+              <a:schemeClr val="bg1">
+                <a:alpha val="30000"/>
+              </a:schemeClr>
+            </a:outerShdw>
+          </a:effectLst>
+          <a:latin typeface="+mn-lt"/>
+          <a:ea typeface="+mn-ea"/>
+          <a:cs typeface="+mn-cs"/>
+        </a:defRPr>
+      </a:lvl3pPr>
+      <a:lvl4pPr marL="1386000" indent="-216000" algn="l" defTabSz="457200" rtl="0" eaLnBrk="1" latinLnBrk="0" hangingPunct="1">
+        <a:spcBef>
+          <a:spcPct val="20000"/>
+        </a:spcBef>
+        <a:spcAft>
+          <a:spcPts val="600"/>
+        </a:spcAft>
+        <a:buClr>
+          <a:schemeClr val="tx2"/>
+        </a:buClr>
+        <a:buSzPct val="70000"/>
+        <a:buFont typeface="Wingdings 2" charset="2"/>
+        <a:buChar char=""/>
+        <a:defRPr sz="1400" kern="1200">
+          <a:ln>
+            <a:solidFill>
+              <a:schemeClr val="bg1">
+                <a:lumMod val="75000"/>
+                <a:lumOff val="25000"/>
+                <a:alpha val="10000"/>
+              </a:schemeClr>
+            </a:solidFill>
+          </a:ln>
+          <a:solidFill>
+            <a:schemeClr val="tx2"/>
+          </a:solidFill>
+          <a:effectLst>
+            <a:outerShdw blurRad="9525" dist="25400" dir="14640000" algn="tl" rotWithShape="0">
+              <a:schemeClr val="bg1">
+                <a:alpha val="30000"/>
+              </a:schemeClr>
+            </a:outerShdw>
+          </a:effectLst>
+          <a:latin typeface="+mn-lt"/>
+          <a:ea typeface="+mn-ea"/>
+          <a:cs typeface="+mn-cs"/>
+        </a:defRPr>
+      </a:lvl4pPr>
+      <a:lvl5pPr marL="1674000" indent="-216000" algn="l" defTabSz="457200" rtl="0" eaLnBrk="1" latinLnBrk="0" hangingPunct="1">
+        <a:spcBef>
+          <a:spcPct val="20000"/>
+        </a:spcBef>
+        <a:spcAft>
+          <a:spcPts val="600"/>
+        </a:spcAft>
+        <a:buClr>
+          <a:schemeClr val="tx2"/>
+        </a:buClr>
+        <a:buSzPct val="70000"/>
+        <a:buFont typeface="Wingdings 2" charset="2"/>
+        <a:buChar char=""/>
+        <a:defRPr sz="1400" kern="1200">
+          <a:ln>
+            <a:solidFill>
+              <a:schemeClr val="bg1">
+                <a:lumMod val="75000"/>
+                <a:lumOff val="25000"/>
+                <a:alpha val="10000"/>
+              </a:schemeClr>
+            </a:solidFill>
+          </a:ln>
+          <a:solidFill>
+            <a:schemeClr val="tx2"/>
+          </a:solidFill>
+          <a:effectLst>
+            <a:outerShdw blurRad="9525" dist="25400" dir="14640000" algn="tl" rotWithShape="0">
+              <a:schemeClr val="bg1">
+                <a:alpha val="30000"/>
+              </a:schemeClr>
+            </a:outerShdw>
+          </a:effectLst>
+          <a:latin typeface="+mn-lt"/>
+          <a:ea typeface="+mn-ea"/>
+          <a:cs typeface="+mn-cs"/>
+        </a:defRPr>
+      </a:lvl5pPr>
+      <a:lvl6pPr marL="2014600" indent="-228600" algn="l" defTabSz="457200" rtl="0" eaLnBrk="1" latinLnBrk="0" hangingPunct="1">
+        <a:spcBef>
+          <a:spcPct val="20000"/>
+        </a:spcBef>
+        <a:spcAft>
+          <a:spcPts val="600"/>
+        </a:spcAft>
+        <a:buClr>
+          <a:schemeClr val="tx2"/>
+        </a:buClr>
+        <a:buSzPct val="70000"/>
+        <a:buFont typeface="Wingdings 2" charset="2"/>
+        <a:buChar char=""/>
+        <a:defRPr sz="1400" kern="1200">
+          <a:ln>
+            <a:solidFill>
+              <a:schemeClr val="bg1">
+                <a:lumMod val="75000"/>
+                <a:lumOff val="25000"/>
+                <a:alpha val="10000"/>
+              </a:schemeClr>
+            </a:solidFill>
+          </a:ln>
+          <a:solidFill>
+            <a:schemeClr val="tx2"/>
+          </a:solidFill>
+          <a:effectLst>
+            <a:outerShdw blurRad="9525" dist="25400" dir="14640000" algn="tl" rotWithShape="0">
+              <a:schemeClr val="bg1">
+                <a:alpha val="30000"/>
+              </a:schemeClr>
+            </a:outerShdw>
+          </a:effectLst>
+          <a:latin typeface="+mn-lt"/>
+          <a:ea typeface="+mn-ea"/>
+          <a:cs typeface="+mn-cs"/>
+        </a:defRPr>
+      </a:lvl6pPr>
+      <a:lvl7pPr marL="2401800" indent="-228600" algn="l" defTabSz="457200" rtl="0" eaLnBrk="1" latinLnBrk="0" hangingPunct="1">
+        <a:spcBef>
+          <a:spcPct val="20000"/>
+        </a:spcBef>
+        <a:spcAft>
+          <a:spcPts val="600"/>
+        </a:spcAft>
+        <a:buClr>
+          <a:schemeClr val="tx2"/>
+        </a:buClr>
+        <a:buSzPct val="70000"/>
+        <a:buFont typeface="Wingdings 2" charset="2"/>
+        <a:buChar char=""/>
+        <a:defRPr sz="1400" kern="1200">
+          <a:ln>
+            <a:solidFill>
+              <a:schemeClr val="bg1">
+                <a:lumMod val="75000"/>
+                <a:lumOff val="25000"/>
+                <a:alpha val="10000"/>
+              </a:schemeClr>
+            </a:solidFill>
+          </a:ln>
+          <a:solidFill>
+            <a:schemeClr val="tx2"/>
+          </a:solidFill>
+          <a:effectLst>
+            <a:outerShdw blurRad="9525" dist="25400" dir="14640000" algn="tl" rotWithShape="0">
+              <a:schemeClr val="bg1">
+                <a:alpha val="30000"/>
+              </a:schemeClr>
+            </a:outerShdw>
+          </a:effectLst>
+          <a:latin typeface="+mn-lt"/>
+          <a:ea typeface="+mn-ea"/>
+          <a:cs typeface="+mn-cs"/>
+        </a:defRPr>
+      </a:lvl7pPr>
+      <a:lvl8pPr marL="2789000" indent="-228600" algn="l" defTabSz="457200" rtl="0" eaLnBrk="1" latinLnBrk="0" hangingPunct="1">
+        <a:spcBef>
+          <a:spcPct val="20000"/>
+        </a:spcBef>
+        <a:spcAft>
+          <a:spcPts val="600"/>
+        </a:spcAft>
+        <a:buClr>
+          <a:schemeClr val="tx2"/>
+        </a:buClr>
+        <a:buSzPct val="70000"/>
+        <a:buFont typeface="Wingdings 2" charset="2"/>
+        <a:buChar char=""/>
+        <a:defRPr sz="1400" kern="1200">
+          <a:ln>
+            <a:solidFill>
+              <a:schemeClr val="bg1">
+                <a:lumMod val="75000"/>
+                <a:lumOff val="25000"/>
+                <a:alpha val="10000"/>
+              </a:schemeClr>
+            </a:solidFill>
+          </a:ln>
+          <a:solidFill>
+            <a:schemeClr val="tx2"/>
+          </a:solidFill>
+          <a:effectLst>
+            <a:outerShdw blurRad="9525" dist="25400" dir="14640000" algn="tl" rotWithShape="0">
+              <a:schemeClr val="bg1">
+                <a:alpha val="30000"/>
+              </a:schemeClr>
+            </a:outerShdw>
+          </a:effectLst>
+          <a:latin typeface="+mn-lt"/>
+          <a:ea typeface="+mn-ea"/>
+          <a:cs typeface="+mn-cs"/>
+        </a:defRPr>
+      </a:lvl8pPr>
+      <a:lvl9pPr marL="3106200" indent="-228600" algn="l" defTabSz="457200" rtl="0" eaLnBrk="1" latinLnBrk="0" hangingPunct="1">
+        <a:spcBef>
+          <a:spcPct val="20000"/>
+        </a:spcBef>
+        <a:spcAft>
+          <a:spcPts val="600"/>
+        </a:spcAft>
+        <a:buClr>
+          <a:schemeClr val="tx2"/>
+        </a:buClr>
+        <a:buSzPct val="70000"/>
+        <a:buFont typeface="Wingdings 2" charset="2"/>
+        <a:buChar char=""/>
+        <a:defRPr sz="1400" kern="1200">
+          <a:ln>
+            <a:solidFill>
+              <a:schemeClr val="bg1">
+                <a:lumMod val="75000"/>
+                <a:lumOff val="25000"/>
+                <a:alpha val="10000"/>
+              </a:schemeClr>
+            </a:solidFill>
+          </a:ln>
+          <a:solidFill>
+            <a:schemeClr val="tx2"/>
+          </a:solidFill>
+          <a:effectLst>
+            <a:outerShdw blurRad="9525" dist="25400" dir="14640000" algn="tl" rotWithShape="0">
+              <a:schemeClr val="bg1">
+                <a:alpha val="30000"/>
+              </a:schemeClr>
+            </a:outerShdw>
+          </a:effectLst>
+          <a:latin typeface="+mn-lt"/>
+          <a:ea typeface="+mn-ea"/>
+          <a:cs typeface="+mn-cs"/>
+        </a:defRPr>
+      </a:lvl9pPr>
+    </p:bodyStyle>
+    <p:otherStyle>
+      <a:defPPr>
+        <a:defRPr lang="en-US"/>
+      </a:defPPr>
+      <a:lvl1pPr marL="0" algn="l" defTabSz="457200" rtl="0" eaLnBrk="1" latinLnBrk="0" hangingPunct="1">
+        <a:defRPr sz="1800" kern="1200">
           <a:solidFill>
             <a:schemeClr val="tx1"/>
           </a:solidFill>
@@ -3064,16 +5921,8 @@
           <a:cs typeface="+mn-cs"/>
         </a:defRPr>
       </a:lvl1pPr>
-      <a:lvl2pPr marL="685800" indent="-228600" algn="l" defTabSz="914400" rtl="0" eaLnBrk="1" latinLnBrk="0" hangingPunct="1">
-        <a:lnSpc>
-          <a:spcPct val="90000"/>
-        </a:lnSpc>
-        <a:spcBef>
-          <a:spcPts val="500"/>
-        </a:spcBef>
-        <a:buFont typeface="Arial" panose="020B0604020202020204" pitchFamily="34" charset="0"/>
-        <a:buChar char="•"/>
-        <a:defRPr sz="2400" kern="1200">
+      <a:lvl2pPr marL="457200" algn="l" defTabSz="457200" rtl="0" eaLnBrk="1" latinLnBrk="0" hangingPunct="1">
+        <a:defRPr sz="1800" kern="1200">
           <a:solidFill>
             <a:schemeClr val="tx1"/>
           </a:solidFill>
@@ -3082,16 +5931,8 @@
           <a:cs typeface="+mn-cs"/>
         </a:defRPr>
       </a:lvl2pPr>
-      <a:lvl3pPr marL="1143000" indent="-228600" algn="l" defTabSz="914400" rtl="0" eaLnBrk="1" latinLnBrk="0" hangingPunct="1">
-        <a:lnSpc>
-          <a:spcPct val="90000"/>
-        </a:lnSpc>
-        <a:spcBef>
-          <a:spcPts val="500"/>
-        </a:spcBef>
-        <a:buFont typeface="Arial" panose="020B0604020202020204" pitchFamily="34" charset="0"/>
-        <a:buChar char="•"/>
-        <a:defRPr sz="2000" kern="1200">
+      <a:lvl3pPr marL="914400" algn="l" defTabSz="457200" rtl="0" eaLnBrk="1" latinLnBrk="0" hangingPunct="1">
+        <a:defRPr sz="1800" kern="1200">
           <a:solidFill>
             <a:schemeClr val="tx1"/>
           </a:solidFill>
@@ -3100,15 +5941,7 @@
           <a:cs typeface="+mn-cs"/>
         </a:defRPr>
       </a:lvl3pPr>
-      <a:lvl4pPr marL="1600200" indent="-228600" algn="l" defTabSz="914400" rtl="0" eaLnBrk="1" latinLnBrk="0" hangingPunct="1">
-        <a:lnSpc>
-          <a:spcPct val="90000"/>
-        </a:lnSpc>
-        <a:spcBef>
-          <a:spcPts val="500"/>
-        </a:spcBef>
-        <a:buFont typeface="Arial" panose="020B0604020202020204" pitchFamily="34" charset="0"/>
-        <a:buChar char="•"/>
+      <a:lvl4pPr marL="1371600" algn="l" defTabSz="457200" rtl="0" eaLnBrk="1" latinLnBrk="0" hangingPunct="1">
         <a:defRPr sz="1800" kern="1200">
           <a:solidFill>
             <a:schemeClr val="tx1"/>
@@ -3118,15 +5951,7 @@
           <a:cs typeface="+mn-cs"/>
         </a:defRPr>
       </a:lvl4pPr>
-      <a:lvl5pPr marL="2057400" indent="-228600" algn="l" defTabSz="914400" rtl="0" eaLnBrk="1" latinLnBrk="0" hangingPunct="1">
-        <a:lnSpc>
-          <a:spcPct val="90000"/>
-        </a:lnSpc>
-        <a:spcBef>
-          <a:spcPts val="500"/>
-        </a:spcBef>
-        <a:buFont typeface="Arial" panose="020B0604020202020204" pitchFamily="34" charset="0"/>
-        <a:buChar char="•"/>
+      <a:lvl5pPr marL="1828800" algn="l" defTabSz="457200" rtl="0" eaLnBrk="1" latinLnBrk="0" hangingPunct="1">
         <a:defRPr sz="1800" kern="1200">
           <a:solidFill>
             <a:schemeClr val="tx1"/>
@@ -3136,15 +5961,7 @@
           <a:cs typeface="+mn-cs"/>
         </a:defRPr>
       </a:lvl5pPr>
-      <a:lvl6pPr marL="2514600" indent="-228600" algn="l" defTabSz="914400" rtl="0" eaLnBrk="1" latinLnBrk="0" hangingPunct="1">
-        <a:lnSpc>
-          <a:spcPct val="90000"/>
-        </a:lnSpc>
-        <a:spcBef>
-          <a:spcPts val="500"/>
-        </a:spcBef>
-        <a:buFont typeface="Arial" panose="020B0604020202020204" pitchFamily="34" charset="0"/>
-        <a:buChar char="•"/>
+      <a:lvl6pPr marL="2286000" algn="l" defTabSz="457200" rtl="0" eaLnBrk="1" latinLnBrk="0" hangingPunct="1">
         <a:defRPr sz="1800" kern="1200">
           <a:solidFill>
             <a:schemeClr val="tx1"/>
@@ -3154,15 +5971,7 @@
           <a:cs typeface="+mn-cs"/>
         </a:defRPr>
       </a:lvl6pPr>
-      <a:lvl7pPr marL="2971800" indent="-228600" algn="l" defTabSz="914400" rtl="0" eaLnBrk="1" latinLnBrk="0" hangingPunct="1">
-        <a:lnSpc>
-          <a:spcPct val="90000"/>
-        </a:lnSpc>
-        <a:spcBef>
-          <a:spcPts val="500"/>
-        </a:spcBef>
-        <a:buFont typeface="Arial" panose="020B0604020202020204" pitchFamily="34" charset="0"/>
-        <a:buChar char="•"/>
+      <a:lvl7pPr marL="2743200" algn="l" defTabSz="457200" rtl="0" eaLnBrk="1" latinLnBrk="0" hangingPunct="1">
         <a:defRPr sz="1800" kern="1200">
           <a:solidFill>
             <a:schemeClr val="tx1"/>
@@ -3172,15 +5981,7 @@
           <a:cs typeface="+mn-cs"/>
         </a:defRPr>
       </a:lvl7pPr>
-      <a:lvl8pPr marL="3429000" indent="-228600" algn="l" defTabSz="914400" rtl="0" eaLnBrk="1" latinLnBrk="0" hangingPunct="1">
-        <a:lnSpc>
-          <a:spcPct val="90000"/>
-        </a:lnSpc>
-        <a:spcBef>
-          <a:spcPts val="500"/>
-        </a:spcBef>
-        <a:buFont typeface="Arial" panose="020B0604020202020204" pitchFamily="34" charset="0"/>
-        <a:buChar char="•"/>
+      <a:lvl8pPr marL="3200400" algn="l" defTabSz="457200" rtl="0" eaLnBrk="1" latinLnBrk="0" hangingPunct="1">
         <a:defRPr sz="1800" kern="1200">
           <a:solidFill>
             <a:schemeClr val="tx1"/>
@@ -3190,110 +5991,7 @@
           <a:cs typeface="+mn-cs"/>
         </a:defRPr>
       </a:lvl8pPr>
-      <a:lvl9pPr marL="3886200" indent="-228600" algn="l" defTabSz="914400" rtl="0" eaLnBrk="1" latinLnBrk="0" hangingPunct="1">
-        <a:lnSpc>
-          <a:spcPct val="90000"/>
-        </a:lnSpc>
-        <a:spcBef>
-          <a:spcPts val="500"/>
-        </a:spcBef>
-        <a:buFont typeface="Arial" panose="020B0604020202020204" pitchFamily="34" charset="0"/>
-        <a:buChar char="•"/>
-        <a:defRPr sz="1800" kern="1200">
-          <a:solidFill>
-            <a:schemeClr val="tx1"/>
-          </a:solidFill>
-          <a:latin typeface="+mn-lt"/>
-          <a:ea typeface="+mn-ea"/>
-          <a:cs typeface="+mn-cs"/>
-        </a:defRPr>
-      </a:lvl9pPr>
-    </p:bodyStyle>
-    <p:otherStyle>
-      <a:defPPr>
-        <a:defRPr lang="es-ES"/>
-      </a:defPPr>
-      <a:lvl1pPr marL="0" algn="l" defTabSz="914400" rtl="0" eaLnBrk="1" latinLnBrk="0" hangingPunct="1">
-        <a:defRPr sz="1800" kern="1200">
-          <a:solidFill>
-            <a:schemeClr val="tx1"/>
-          </a:solidFill>
-          <a:latin typeface="+mn-lt"/>
-          <a:ea typeface="+mn-ea"/>
-          <a:cs typeface="+mn-cs"/>
-        </a:defRPr>
-      </a:lvl1pPr>
-      <a:lvl2pPr marL="457200" algn="l" defTabSz="914400" rtl="0" eaLnBrk="1" latinLnBrk="0" hangingPunct="1">
-        <a:defRPr sz="1800" kern="1200">
-          <a:solidFill>
-            <a:schemeClr val="tx1"/>
-          </a:solidFill>
-          <a:latin typeface="+mn-lt"/>
-          <a:ea typeface="+mn-ea"/>
-          <a:cs typeface="+mn-cs"/>
-        </a:defRPr>
-      </a:lvl2pPr>
-      <a:lvl3pPr marL="914400" algn="l" defTabSz="914400" rtl="0" eaLnBrk="1" latinLnBrk="0" hangingPunct="1">
-        <a:defRPr sz="1800" kern="1200">
-          <a:solidFill>
-            <a:schemeClr val="tx1"/>
-          </a:solidFill>
-          <a:latin typeface="+mn-lt"/>
-          <a:ea typeface="+mn-ea"/>
-          <a:cs typeface="+mn-cs"/>
-        </a:defRPr>
-      </a:lvl3pPr>
-      <a:lvl4pPr marL="1371600" algn="l" defTabSz="914400" rtl="0" eaLnBrk="1" latinLnBrk="0" hangingPunct="1">
-        <a:defRPr sz="1800" kern="1200">
-          <a:solidFill>
-            <a:schemeClr val="tx1"/>
-          </a:solidFill>
-          <a:latin typeface="+mn-lt"/>
-          <a:ea typeface="+mn-ea"/>
-          <a:cs typeface="+mn-cs"/>
-        </a:defRPr>
-      </a:lvl4pPr>
-      <a:lvl5pPr marL="1828800" algn="l" defTabSz="914400" rtl="0" eaLnBrk="1" latinLnBrk="0" hangingPunct="1">
-        <a:defRPr sz="1800" kern="1200">
-          <a:solidFill>
-            <a:schemeClr val="tx1"/>
-          </a:solidFill>
-          <a:latin typeface="+mn-lt"/>
-          <a:ea typeface="+mn-ea"/>
-          <a:cs typeface="+mn-cs"/>
-        </a:defRPr>
-      </a:lvl5pPr>
-      <a:lvl6pPr marL="2286000" algn="l" defTabSz="914400" rtl="0" eaLnBrk="1" latinLnBrk="0" hangingPunct="1">
-        <a:defRPr sz="1800" kern="1200">
-          <a:solidFill>
-            <a:schemeClr val="tx1"/>
-          </a:solidFill>
-          <a:latin typeface="+mn-lt"/>
-          <a:ea typeface="+mn-ea"/>
-          <a:cs typeface="+mn-cs"/>
-        </a:defRPr>
-      </a:lvl6pPr>
-      <a:lvl7pPr marL="2743200" algn="l" defTabSz="914400" rtl="0" eaLnBrk="1" latinLnBrk="0" hangingPunct="1">
-        <a:defRPr sz="1800" kern="1200">
-          <a:solidFill>
-            <a:schemeClr val="tx1"/>
-          </a:solidFill>
-          <a:latin typeface="+mn-lt"/>
-          <a:ea typeface="+mn-ea"/>
-          <a:cs typeface="+mn-cs"/>
-        </a:defRPr>
-      </a:lvl7pPr>
-      <a:lvl8pPr marL="3200400" algn="l" defTabSz="914400" rtl="0" eaLnBrk="1" latinLnBrk="0" hangingPunct="1">
-        <a:defRPr sz="1800" kern="1200">
-          <a:solidFill>
-            <a:schemeClr val="tx1"/>
-          </a:solidFill>
-          <a:latin typeface="+mn-lt"/>
-          <a:ea typeface="+mn-ea"/>
-          <a:cs typeface="+mn-cs"/>
-        </a:defRPr>
-      </a:lvl8pPr>
-      <a:lvl9pPr marL="3657600" algn="l" defTabSz="914400" rtl="0" eaLnBrk="1" latinLnBrk="0" hangingPunct="1">
+      <a:lvl9pPr marL="3657600" algn="l" defTabSz="457200" rtl="0" eaLnBrk="1" latinLnBrk="0" hangingPunct="1">
         <a:defRPr sz="1800" kern="1200">
           <a:solidFill>
             <a:schemeClr val="tx1"/>
@@ -3349,7 +6047,7 @@
         </p:spPr>
         <p:txBody>
           <a:bodyPr>
-            <a:normAutofit/>
+            <a:normAutofit fontScale="90000"/>
           </a:bodyPr>
           <a:lstStyle/>
           <a:p>
@@ -3434,6 +6132,16 @@
           <a:prstGeom prst="rect">
             <a:avLst/>
           </a:prstGeom>
+          <a:ln>
+            <a:noFill/>
+          </a:ln>
+          <a:effectLst>
+            <a:outerShdw blurRad="190500" algn="tl" rotWithShape="0">
+              <a:srgbClr val="000000">
+                <a:alpha val="70000"/>
+              </a:srgbClr>
+            </a:outerShdw>
+          </a:effectLst>
         </p:spPr>
       </p:pic>
     </p:spTree>
@@ -3490,7 +6198,7 @@
         </p:spPr>
         <p:txBody>
           <a:bodyPr>
-            <a:normAutofit/>
+            <a:normAutofit fontScale="90000"/>
           </a:bodyPr>
           <a:lstStyle/>
           <a:p>
@@ -3529,6 +6237,16 @@
           <a:prstGeom prst="rect">
             <a:avLst/>
           </a:prstGeom>
+          <a:ln>
+            <a:noFill/>
+          </a:ln>
+          <a:effectLst>
+            <a:outerShdw blurRad="190500" algn="tl" rotWithShape="0">
+              <a:srgbClr val="000000">
+                <a:alpha val="70000"/>
+              </a:srgbClr>
+            </a:outerShdw>
+          </a:effectLst>
         </p:spPr>
       </p:pic>
     </p:spTree>
@@ -3629,6 +6347,16 @@
           <a:prstGeom prst="rect">
             <a:avLst/>
           </a:prstGeom>
+          <a:ln>
+            <a:noFill/>
+          </a:ln>
+          <a:effectLst>
+            <a:outerShdw blurRad="190500" algn="tl" rotWithShape="0">
+              <a:srgbClr val="000000">
+                <a:alpha val="70000"/>
+              </a:srgbClr>
+            </a:outerShdw>
+          </a:effectLst>
         </p:spPr>
       </p:pic>
     </p:spTree>
@@ -3679,7 +6407,7 @@
         </p:nvSpPr>
         <p:spPr>
           <a:xfrm>
-            <a:off x="1524000" y="1624772"/>
+            <a:off x="1523999" y="1733155"/>
             <a:ext cx="9144000" cy="1082605"/>
           </a:xfrm>
         </p:spPr>
@@ -3710,7 +6438,7 @@
         </p:nvSpPr>
         <p:spPr>
           <a:xfrm>
-            <a:off x="3187146" y="4575729"/>
+            <a:off x="3445566" y="3952220"/>
             <a:ext cx="2504661" cy="369332"/>
           </a:xfrm>
           <a:prstGeom prst="rect">
@@ -3745,8 +6473,8 @@
         </p:nvSpPr>
         <p:spPr>
           <a:xfrm>
-            <a:off x="3770241" y="4958798"/>
-            <a:ext cx="1073426" cy="707886"/>
+            <a:off x="3750367" y="4652046"/>
+            <a:ext cx="1285459" cy="707886"/>
           </a:xfrm>
           <a:prstGeom prst="rect">
             <a:avLst/>
@@ -3780,13 +6508,18 @@
         </p:nvSpPr>
         <p:spPr>
           <a:xfrm>
-            <a:off x="6162264" y="3593159"/>
+            <a:off x="6387551" y="3429000"/>
             <a:ext cx="3723858" cy="523220"/>
           </a:xfrm>
           <a:prstGeom prst="rect">
             <a:avLst/>
           </a:prstGeom>
           <a:noFill/>
+          <a:ln>
+            <a:solidFill>
+              <a:schemeClr val="tx2"/>
+            </a:solidFill>
+          </a:ln>
         </p:spPr>
         <p:txBody>
           <a:bodyPr wrap="square" rtlCol="0">
@@ -3815,7 +6548,7 @@
         </p:nvSpPr>
         <p:spPr>
           <a:xfrm>
-            <a:off x="7401340" y="4153505"/>
+            <a:off x="6758607" y="4422999"/>
             <a:ext cx="1967948" cy="923330"/>
           </a:xfrm>
           <a:prstGeom prst="rect">
@@ -3856,7 +6589,11 @@
           <a:prstGeom prst="bentConnector3">
             <a:avLst/>
           </a:prstGeom>
-          <a:ln w="38100"/>
+          <a:ln w="38100">
+            <a:solidFill>
+              <a:schemeClr val="tx2"/>
+            </a:solidFill>
+          </a:ln>
         </p:spPr>
         <p:style>
           <a:lnRef idx="1">
@@ -3987,8 +6724,8 @@
         </p:nvSpPr>
         <p:spPr>
           <a:xfrm>
-            <a:off x="384313" y="2273744"/>
-            <a:ext cx="1232451" cy="369332"/>
+            <a:off x="279953" y="2225518"/>
+            <a:ext cx="1514060" cy="369332"/>
           </a:xfrm>
           <a:prstGeom prst="rect">
             <a:avLst/>
@@ -4024,12 +6761,17 @@
         </p:nvCxnSpPr>
         <p:spPr>
           <a:xfrm>
-            <a:off x="384313" y="2643076"/>
+            <a:off x="490329" y="2613996"/>
             <a:ext cx="11211339" cy="0"/>
           </a:xfrm>
           <a:prstGeom prst="line">
             <a:avLst/>
           </a:prstGeom>
+          <a:ln w="12700">
+            <a:solidFill>
+              <a:schemeClr val="tx2"/>
+            </a:solidFill>
+          </a:ln>
         </p:spPr>
         <p:style>
           <a:lnRef idx="1">
@@ -4060,7 +6802,7 @@
         </p:nvSpPr>
         <p:spPr>
           <a:xfrm>
-            <a:off x="2252870" y="2031643"/>
+            <a:off x="2266123" y="1952066"/>
             <a:ext cx="1232451" cy="707886"/>
           </a:xfrm>
           <a:prstGeom prst="rect">
@@ -4095,7 +6837,7 @@
         </p:nvSpPr>
         <p:spPr>
           <a:xfrm>
-            <a:off x="5917096" y="2031643"/>
+            <a:off x="5930349" y="1952066"/>
             <a:ext cx="1232451" cy="707886"/>
           </a:xfrm>
           <a:prstGeom prst="rect">
@@ -4130,7 +6872,7 @@
         </p:nvSpPr>
         <p:spPr>
           <a:xfrm>
-            <a:off x="9581322" y="2031643"/>
+            <a:off x="9594575" y="1952066"/>
             <a:ext cx="1232451" cy="707886"/>
           </a:xfrm>
           <a:prstGeom prst="rect">
@@ -4165,9 +6907,9 @@
 </file>
 
 <file path=ppt/theme/theme1.xml><?xml version="1.0" encoding="utf-8"?>
-<a:theme xmlns:a="http://schemas.openxmlformats.org/drawingml/2006/main" name="Tema de Office">
+<a:theme xmlns:a="http://schemas.openxmlformats.org/drawingml/2006/main" name="Pizarra">
   <a:themeElements>
-    <a:clrScheme name="Office">
+    <a:clrScheme name="Pizarra">
       <a:dk1>
         <a:sysClr val="windowText" lastClr="000000"/>
       </a:dk1>
@@ -4175,97 +6917,45 @@
         <a:sysClr val="window" lastClr="FFFFFF"/>
       </a:lt1>
       <a:dk2>
-        <a:srgbClr val="44546A"/>
+        <a:srgbClr val="212123"/>
       </a:dk2>
       <a:lt2>
-        <a:srgbClr val="E7E6E6"/>
+        <a:srgbClr val="DADADA"/>
       </a:lt2>
       <a:accent1>
-        <a:srgbClr val="4472C4"/>
+        <a:srgbClr val="BC451B"/>
       </a:accent1>
       <a:accent2>
-        <a:srgbClr val="ED7D31"/>
+        <a:srgbClr val="D3BA68"/>
       </a:accent2>
       <a:accent3>
-        <a:srgbClr val="A5A5A5"/>
+        <a:srgbClr val="BB8640"/>
       </a:accent3>
       <a:accent4>
-        <a:srgbClr val="FFC000"/>
+        <a:srgbClr val="AD9277"/>
       </a:accent4>
       <a:accent5>
-        <a:srgbClr val="5B9BD5"/>
+        <a:srgbClr val="A55A43"/>
       </a:accent5>
       <a:accent6>
-        <a:srgbClr val="70AD47"/>
+        <a:srgbClr val="AD9D7B"/>
       </a:accent6>
       <a:hlink>
-        <a:srgbClr val="0563C1"/>
+        <a:srgbClr val="E98052"/>
       </a:hlink>
       <a:folHlink>
-        <a:srgbClr val="954F72"/>
+        <a:srgbClr val="F4B69B"/>
       </a:folHlink>
     </a:clrScheme>
-    <a:fontScheme name="Office">
+    <a:fontScheme name="Pizarra">
       <a:majorFont>
-        <a:latin typeface="Calibri Light" panose="020F0302020204030204"/>
+        <a:latin typeface="Calisto MT" panose="02040603050505030304"/>
         <a:ea typeface=""/>
         <a:cs typeface=""/>
-        <a:font script="Jpan" typeface="游ゴシック Light"/>
-        <a:font script="Hang" typeface="맑은 고딕"/>
-        <a:font script="Hans" typeface="等线 Light"/>
-        <a:font script="Hant" typeface="新細明體"/>
-        <a:font script="Arab" typeface="Times New Roman"/>
-        <a:font script="Hebr" typeface="Times New Roman"/>
-        <a:font script="Thai" typeface="Angsana New"/>
-        <a:font script="Ethi" typeface="Nyala"/>
-        <a:font script="Beng" typeface="Vrinda"/>
-        <a:font script="Gujr" typeface="Shruti"/>
-        <a:font script="Khmr" typeface="MoolBoran"/>
-        <a:font script="Knda" typeface="Tunga"/>
-        <a:font script="Guru" typeface="Raavi"/>
-        <a:font script="Cans" typeface="Euphemia"/>
-        <a:font script="Cher" typeface="Plantagenet Cherokee"/>
-        <a:font script="Yiii" typeface="Microsoft Yi Baiti"/>
-        <a:font script="Tibt" typeface="Microsoft Himalaya"/>
-        <a:font script="Thaa" typeface="MV Boli"/>
-        <a:font script="Deva" typeface="Mangal"/>
-        <a:font script="Telu" typeface="Gautami"/>
-        <a:font script="Taml" typeface="Latha"/>
-        <a:font script="Syrc" typeface="Estrangelo Edessa"/>
-        <a:font script="Orya" typeface="Kalinga"/>
-        <a:font script="Mlym" typeface="Kartika"/>
-        <a:font script="Laoo" typeface="DokChampa"/>
-        <a:font script="Sinh" typeface="Iskoola Pota"/>
-        <a:font script="Mong" typeface="Mongolian Baiti"/>
-        <a:font script="Viet" typeface="Times New Roman"/>
-        <a:font script="Uigh" typeface="Microsoft Uighur"/>
-        <a:font script="Geor" typeface="Sylfaen"/>
-        <a:font script="Armn" typeface="Arial"/>
-        <a:font script="Bugi" typeface="Leelawadee UI"/>
-        <a:font script="Bopo" typeface="Microsoft JhengHei"/>
-        <a:font script="Java" typeface="Javanese Text"/>
-        <a:font script="Lisu" typeface="Segoe UI"/>
-        <a:font script="Mymr" typeface="Myanmar Text"/>
-        <a:font script="Nkoo" typeface="Ebrima"/>
-        <a:font script="Olck" typeface="Nirmala UI"/>
-        <a:font script="Osma" typeface="Ebrima"/>
-        <a:font script="Phag" typeface="Phagspa"/>
-        <a:font script="Syrn" typeface="Estrangelo Edessa"/>
-        <a:font script="Syrj" typeface="Estrangelo Edessa"/>
-        <a:font script="Syre" typeface="Estrangelo Edessa"/>
-        <a:font script="Sora" typeface="Nirmala UI"/>
-        <a:font script="Tale" typeface="Microsoft Tai Le"/>
-        <a:font script="Talu" typeface="Microsoft New Tai Lue"/>
-        <a:font script="Tfng" typeface="Ebrima"/>
-      </a:majorFont>
-      <a:minorFont>
-        <a:latin typeface="Calibri" panose="020F0502020204030204"/>
-        <a:ea typeface=""/>
-        <a:cs typeface=""/>
-        <a:font script="Jpan" typeface="游ゴシック"/>
-        <a:font script="Hang" typeface="맑은 고딕"/>
-        <a:font script="Hans" typeface="等线"/>
-        <a:font script="Hant" typeface="新細明體"/>
+        <a:font script="Jpan" typeface="ＭＳ Ｐゴシック"/>
+        <a:font script="Hang" typeface="돋움"/>
+        <a:font script="Hans" typeface="方正舒体"/>
+        <a:font script="Hant" typeface="微軟正黑體"/>
         <a:font script="Arab" typeface="Arial"/>
         <a:font script="Hebr" typeface="Arial"/>
         <a:font script="Thai" typeface="Cordia New"/>
@@ -4292,26 +6982,44 @@
         <a:font script="Viet" typeface="Arial"/>
         <a:font script="Uigh" typeface="Microsoft Uighur"/>
         <a:font script="Geor" typeface="Sylfaen"/>
-        <a:font script="Armn" typeface="Arial"/>
-        <a:font script="Bugi" typeface="Leelawadee UI"/>
-        <a:font script="Bopo" typeface="Microsoft JhengHei"/>
-        <a:font script="Java" typeface="Javanese Text"/>
-        <a:font script="Lisu" typeface="Segoe UI"/>
-        <a:font script="Mymr" typeface="Myanmar Text"/>
-        <a:font script="Nkoo" typeface="Ebrima"/>
-        <a:font script="Olck" typeface="Nirmala UI"/>
-        <a:font script="Osma" typeface="Ebrima"/>
-        <a:font script="Phag" typeface="Phagspa"/>
-        <a:font script="Syrn" typeface="Estrangelo Edessa"/>
-        <a:font script="Syrj" typeface="Estrangelo Edessa"/>
-        <a:font script="Syre" typeface="Estrangelo Edessa"/>
-        <a:font script="Sora" typeface="Nirmala UI"/>
-        <a:font script="Tale" typeface="Microsoft Tai Le"/>
-        <a:font script="Talu" typeface="Microsoft New Tai Lue"/>
-        <a:font script="Tfng" typeface="Ebrima"/>
+      </a:majorFont>
+      <a:minorFont>
+        <a:latin typeface="Calisto MT" panose="02040603050505030304"/>
+        <a:ea typeface=""/>
+        <a:cs typeface=""/>
+        <a:font script="Jpan" typeface="ＭＳ Ｐゴシック"/>
+        <a:font script="Hang" typeface="돋움"/>
+        <a:font script="Hans" typeface="方正舒体"/>
+        <a:font script="Hant" typeface="微軟正黑體"/>
+        <a:font script="Arab" typeface="Arial"/>
+        <a:font script="Hebr" typeface="Arial"/>
+        <a:font script="Thai" typeface="Cordia New"/>
+        <a:font script="Ethi" typeface="Nyala"/>
+        <a:font script="Beng" typeface="Vrinda"/>
+        <a:font script="Gujr" typeface="Shruti"/>
+        <a:font script="Khmr" typeface="DaunPenh"/>
+        <a:font script="Knda" typeface="Tunga"/>
+        <a:font script="Guru" typeface="Raavi"/>
+        <a:font script="Cans" typeface="Euphemia"/>
+        <a:font script="Cher" typeface="Plantagenet Cherokee"/>
+        <a:font script="Yiii" typeface="Microsoft Yi Baiti"/>
+        <a:font script="Tibt" typeface="Microsoft Himalaya"/>
+        <a:font script="Thaa" typeface="MV Boli"/>
+        <a:font script="Deva" typeface="Mangal"/>
+        <a:font script="Telu" typeface="Gautami"/>
+        <a:font script="Taml" typeface="Latha"/>
+        <a:font script="Syrc" typeface="Estrangelo Edessa"/>
+        <a:font script="Orya" typeface="Kalinga"/>
+        <a:font script="Mlym" typeface="Kartika"/>
+        <a:font script="Laoo" typeface="DokChampa"/>
+        <a:font script="Sinh" typeface="Iskoola Pota"/>
+        <a:font script="Mong" typeface="Mongolian Baiti"/>
+        <a:font script="Viet" typeface="Arial"/>
+        <a:font script="Uigh" typeface="Microsoft Uighur"/>
+        <a:font script="Geor" typeface="Sylfaen"/>
       </a:minorFont>
     </a:fontScheme>
-    <a:fmtScheme name="Office">
+    <a:fmtScheme name="Pizarra">
       <a:fillStyleLst>
         <a:solidFill>
           <a:schemeClr val="phClr"/>
@@ -4320,23 +7028,13 @@
           <a:gsLst>
             <a:gs pos="0">
               <a:schemeClr val="phClr">
+                <a:tint val="60000"/>
                 <a:lumMod val="110000"/>
-                <a:satMod val="105000"/>
-                <a:tint val="67000"/>
-              </a:schemeClr>
-            </a:gs>
-            <a:gs pos="50000">
-              <a:schemeClr val="phClr">
-                <a:lumMod val="105000"/>
-                <a:satMod val="103000"/>
-                <a:tint val="73000"/>
               </a:schemeClr>
             </a:gs>
             <a:gs pos="100000">
               <a:schemeClr val="phClr">
-                <a:lumMod val="105000"/>
-                <a:satMod val="109000"/>
-                <a:tint val="81000"/>
+                <a:tint val="88000"/>
               </a:schemeClr>
             </a:gs>
           </a:gsLst>
@@ -4346,23 +7044,14 @@
           <a:gsLst>
             <a:gs pos="0">
               <a:schemeClr val="phClr">
-                <a:satMod val="103000"/>
-                <a:lumMod val="102000"/>
-                <a:tint val="94000"/>
-              </a:schemeClr>
-            </a:gs>
-            <a:gs pos="50000">
-              <a:schemeClr val="phClr">
-                <a:satMod val="110000"/>
-                <a:lumMod val="100000"/>
-                <a:shade val="100000"/>
+                <a:tint val="96000"/>
+                <a:lumMod val="104000"/>
               </a:schemeClr>
             </a:gs>
             <a:gs pos="100000">
               <a:schemeClr val="phClr">
-                <a:lumMod val="99000"/>
-                <a:satMod val="120000"/>
-                <a:shade val="78000"/>
+                <a:shade val="90000"/>
+                <a:lumMod val="90000"/>
               </a:schemeClr>
             </a:gs>
           </a:gsLst>
@@ -4370,26 +7059,25 @@
         </a:gradFill>
       </a:fillStyleLst>
       <a:lnStyleLst>
-        <a:ln w="6350" cap="flat" cmpd="sng" algn="ctr">
+        <a:ln w="9525" cap="rnd" cmpd="sng" algn="ctr">
+          <a:solidFill>
+            <a:schemeClr val="phClr">
+              <a:shade val="90000"/>
+            </a:schemeClr>
+          </a:solidFill>
+          <a:prstDash val="solid"/>
+        </a:ln>
+        <a:ln w="15875" cap="rnd" cmpd="sng" algn="ctr">
           <a:solidFill>
             <a:schemeClr val="phClr"/>
           </a:solidFill>
           <a:prstDash val="solid"/>
-          <a:miter lim="800000"/>
         </a:ln>
-        <a:ln w="12700" cap="flat" cmpd="sng" algn="ctr">
+        <a:ln w="25400" cap="rnd" cmpd="sng" algn="ctr">
           <a:solidFill>
             <a:schemeClr val="phClr"/>
           </a:solidFill>
           <a:prstDash val="solid"/>
-          <a:miter lim="800000"/>
-        </a:ln>
-        <a:ln w="19050" cap="flat" cmpd="sng" algn="ctr">
-          <a:solidFill>
-            <a:schemeClr val="phClr"/>
-          </a:solidFill>
-          <a:prstDash val="solid"/>
-          <a:miter lim="800000"/>
         </a:ln>
       </a:lnStyleLst>
       <a:effectStyleLst>
@@ -4397,16 +7085,33 @@
           <a:effectLst/>
         </a:effectStyle>
         <a:effectStyle>
-          <a:effectLst/>
+          <a:effectLst>
+            <a:outerShdw blurRad="63500" dist="25400" dir="5400000" rotWithShape="0">
+              <a:srgbClr val="000000">
+                <a:alpha val="60000"/>
+              </a:srgbClr>
+            </a:outerShdw>
+          </a:effectLst>
         </a:effectStyle>
         <a:effectStyle>
           <a:effectLst>
-            <a:outerShdw blurRad="57150" dist="19050" dir="5400000" algn="ctr" rotWithShape="0">
+            <a:outerShdw blurRad="76200" dist="38100" dir="5400000" rotWithShape="0">
               <a:srgbClr val="000000">
-                <a:alpha val="63000"/>
+                <a:alpha val="75000"/>
               </a:srgbClr>
             </a:outerShdw>
           </a:effectLst>
+          <a:scene3d>
+            <a:camera prst="orthographicFront">
+              <a:rot lat="0" lon="0" rev="0"/>
+            </a:camera>
+            <a:lightRig rig="threePt" dir="t">
+              <a:rot lat="0" lon="0" rev="1200000"/>
+            </a:lightRig>
+          </a:scene3d>
+          <a:sp3d>
+            <a:bevelT w="63500" h="25400" prst="hardEdge"/>
+          </a:sp3d>
         </a:effectStyle>
       </a:effectStyleLst>
       <a:bgFillStyleLst>
@@ -4414,38 +7119,22 @@
           <a:schemeClr val="phClr"/>
         </a:solidFill>
         <a:solidFill>
-          <a:schemeClr val="phClr">
-            <a:tint val="95000"/>
-            <a:satMod val="170000"/>
-          </a:schemeClr>
+          <a:schemeClr val="phClr"/>
         </a:solidFill>
-        <a:gradFill rotWithShape="1">
-          <a:gsLst>
-            <a:gs pos="0">
+        <a:blipFill rotWithShape="1">
+          <a:blip xmlns:r="http://schemas.openxmlformats.org/officeDocument/2006/relationships" r:embed="rId1">
+            <a:duotone>
               <a:schemeClr val="phClr">
-                <a:tint val="93000"/>
-                <a:satMod val="150000"/>
-                <a:shade val="98000"/>
-                <a:lumMod val="102000"/>
+                <a:shade val="80000"/>
+                <a:lumMod val="80000"/>
               </a:schemeClr>
-            </a:gs>
-            <a:gs pos="50000">
               <a:schemeClr val="phClr">
                 <a:tint val="98000"/>
-                <a:satMod val="130000"/>
-                <a:shade val="90000"/>
-                <a:lumMod val="103000"/>
               </a:schemeClr>
-            </a:gs>
-            <a:gs pos="100000">
-              <a:schemeClr val="phClr">
-                <a:shade val="63000"/>
-                <a:satMod val="120000"/>
-              </a:schemeClr>
-            </a:gs>
-          </a:gsLst>
-          <a:lin ang="5400000" scaled="0"/>
-        </a:gradFill>
+            </a:duotone>
+          </a:blip>
+          <a:stretch/>
+        </a:blipFill>
       </a:bgFillStyleLst>
     </a:fmtScheme>
   </a:themeElements>
@@ -4453,7 +7142,7 @@
   <a:extraClrSchemeLst/>
   <a:extLst>
     <a:ext uri="{05A4C25C-085E-4340-85A3-A5531E510DB2}">
-      <thm15:themeFamily xmlns:thm15="http://schemas.microsoft.com/office/thememl/2012/main" name="Office Theme" id="{62F939B6-93AF-4DB8-9C6B-D6C7DFDC589F}" vid="{4A3C46E8-61CC-4603-A589-7422A47A8E4A}"/>
+      <thm15:themeFamily xmlns:thm15="http://schemas.microsoft.com/office/thememl/2012/main" name="Slate" id="{C3F70B94-7CE9-428E-ADC1-3269CC2C3385}" vid="{3F2DE9A5-64E6-437C-A389-CC4477E817E8}"/>
     </a:ext>
   </a:extLst>
 </a:theme>
